--- a/ppt and references/Main - PPT Template Ctech.pptx
+++ b/ppt and references/Main - PPT Template Ctech.pptx
@@ -42,16 +42,20 @@
     <p:sldId id="287" r:id="rId38"/>
     <p:sldId id="288" r:id="rId39"/>
     <p:sldId id="289" r:id="rId40"/>
+    <p:sldId id="290" r:id="rId41"/>
+    <p:sldId id="291" r:id="rId42"/>
+    <p:sldId id="292" r:id="rId43"/>
+    <p:sldId id="293" r:id="rId44"/>
   </p:sldIdLst>
   <p:sldSz cy="6858000" cx="9144000"/>
   <p:notesSz cx="6858000" cy="9144000"/>
   <p:embeddedFontLst>
     <p:embeddedFont>
       <p:font typeface="Roboto"/>
-      <p:regular r:id="rId41"/>
-      <p:bold r:id="rId42"/>
-      <p:italic r:id="rId43"/>
-      <p:boldItalic r:id="rId44"/>
+      <p:regular r:id="rId45"/>
+      <p:bold r:id="rId46"/>
+      <p:italic r:id="rId47"/>
+      <p:boldItalic r:id="rId48"/>
     </p:embeddedFont>
   </p:embeddedFontLst>
   <p:defaultTextStyle>
@@ -299,7 +303,7 @@
       </p15:sldGuideLst>
     </p:ext>
     <p:ext uri="GoogleSlidesCustomDataVersion2">
-      <go:slidesCustomData xmlns:go="http://customooxmlschemas.google.com/" r:id="rId45" roundtripDataSignature="AMtx7mjUYuF72s/h9zYVctVg4UO7Q3PkPg=="/>
+      <go:slidesCustomData xmlns:go="http://customooxmlschemas.google.com/" r:id="rId49" roundtripDataSignature="AMtx7mi7obY/PlCgr+gvvfKQS+9LuEpaCA=="/>
     </p:ext>
   </p:extLst>
 </p:presentation>
@@ -1869,7 +1873,7 @@
       </p:grpSpPr>
       <p:sp>
         <p:nvSpPr>
-          <p:cNvPr id="175" name="Google Shape;175;p21:notes"/>
+          <p:cNvPr id="175" name="Google Shape;175;g27bfefe69db_0_0:notes"/>
           <p:cNvSpPr txBox="1"/>
           <p:nvPr>
             <p:ph idx="1" type="body"/>
@@ -1878,7 +1882,7 @@
         <p:spPr>
           <a:xfrm>
             <a:off x="685800" y="4400550"/>
-            <a:ext cx="5486400" cy="3600450"/>
+            <a:ext cx="5486400" cy="3600600"/>
           </a:xfrm>
           <a:prstGeom prst="rect">
             <a:avLst/>
@@ -1916,7 +1920,7 @@
       </p:sp>
       <p:sp>
         <p:nvSpPr>
-          <p:cNvPr id="176" name="Google Shape;176;p21:notes"/>
+          <p:cNvPr id="176" name="Google Shape;176;g27bfefe69db_0_0:notes"/>
           <p:cNvSpPr/>
           <p:nvPr>
             <p:ph idx="2" type="sldImg"/>
@@ -1986,7 +1990,7 @@
       </p:grpSpPr>
       <p:sp>
         <p:nvSpPr>
-          <p:cNvPr id="185" name="Google Shape;185;g27b54a5cafb_0_30:notes"/>
+          <p:cNvPr id="185" name="Google Shape;185;g27bfefe69db_0_13:notes"/>
           <p:cNvSpPr txBox="1"/>
           <p:nvPr>
             <p:ph idx="1" type="body"/>
@@ -2033,7 +2037,7 @@
       </p:sp>
       <p:sp>
         <p:nvSpPr>
-          <p:cNvPr id="186" name="Google Shape;186;g27b54a5cafb_0_30:notes"/>
+          <p:cNvPr id="186" name="Google Shape;186;g27bfefe69db_0_13:notes"/>
           <p:cNvSpPr/>
           <p:nvPr>
             <p:ph idx="2" type="sldImg"/>
@@ -2103,7 +2107,7 @@
       </p:grpSpPr>
       <p:sp>
         <p:nvSpPr>
-          <p:cNvPr id="195" name="Google Shape;195;g27b54a5cafb_0_39:notes"/>
+          <p:cNvPr id="195" name="Google Shape;195;g27bfefe69db_0_24:notes"/>
           <p:cNvSpPr txBox="1"/>
           <p:nvPr>
             <p:ph idx="1" type="body"/>
@@ -2150,7 +2154,7 @@
       </p:sp>
       <p:sp>
         <p:nvSpPr>
-          <p:cNvPr id="196" name="Google Shape;196;g27b54a5cafb_0_39:notes"/>
+          <p:cNvPr id="196" name="Google Shape;196;g27bfefe69db_0_24:notes"/>
           <p:cNvSpPr/>
           <p:nvPr>
             <p:ph idx="2" type="sldImg"/>
@@ -2220,7 +2224,7 @@
       </p:grpSpPr>
       <p:sp>
         <p:nvSpPr>
-          <p:cNvPr id="205" name="Google Shape;205;p22:notes"/>
+          <p:cNvPr id="205" name="Google Shape;205;g27bfefe69db_0_35:notes"/>
           <p:cNvSpPr txBox="1"/>
           <p:nvPr>
             <p:ph idx="1" type="body"/>
@@ -2229,7 +2233,7 @@
         <p:spPr>
           <a:xfrm>
             <a:off x="685800" y="4400550"/>
-            <a:ext cx="5486400" cy="3600450"/>
+            <a:ext cx="5486400" cy="3600600"/>
           </a:xfrm>
           <a:prstGeom prst="rect">
             <a:avLst/>
@@ -2267,7 +2271,7 @@
       </p:sp>
       <p:sp>
         <p:nvSpPr>
-          <p:cNvPr id="206" name="Google Shape;206;p22:notes"/>
+          <p:cNvPr id="206" name="Google Shape;206;g27bfefe69db_0_35:notes"/>
           <p:cNvSpPr/>
           <p:nvPr>
             <p:ph idx="2" type="sldImg"/>
@@ -2337,7 +2341,7 @@
       </p:grpSpPr>
       <p:sp>
         <p:nvSpPr>
-          <p:cNvPr id="215" name="Google Shape;215;g27ba4e28dd2_0_15:notes"/>
+          <p:cNvPr id="215" name="Google Shape;215;p21:notes"/>
           <p:cNvSpPr txBox="1"/>
           <p:nvPr>
             <p:ph idx="1" type="body"/>
@@ -2346,7 +2350,7 @@
         <p:spPr>
           <a:xfrm>
             <a:off x="685800" y="4400550"/>
-            <a:ext cx="5486400" cy="3600600"/>
+            <a:ext cx="5486400" cy="3600450"/>
           </a:xfrm>
           <a:prstGeom prst="rect">
             <a:avLst/>
@@ -2384,7 +2388,7 @@
       </p:sp>
       <p:sp>
         <p:nvSpPr>
-          <p:cNvPr id="216" name="Google Shape;216;g27ba4e28dd2_0_15:notes"/>
+          <p:cNvPr id="216" name="Google Shape;216;p21:notes"/>
           <p:cNvSpPr/>
           <p:nvPr>
             <p:ph idx="2" type="sldImg"/>
@@ -2440,7 +2444,7 @@
   <p:cSld>
     <p:spTree>
       <p:nvGrpSpPr>
-        <p:cNvPr id="225" name="Shape 225"/>
+        <p:cNvPr id="224" name="Shape 224"/>
         <p:cNvGrpSpPr/>
         <p:nvPr/>
       </p:nvGrpSpPr>
@@ -2454,7 +2458,7 @@
       </p:grpSpPr>
       <p:sp>
         <p:nvSpPr>
-          <p:cNvPr id="226" name="Google Shape;226;g27ba4e28dd2_0_26:notes"/>
+          <p:cNvPr id="225" name="Google Shape;225;g27b54a5cafb_0_30:notes"/>
           <p:cNvSpPr txBox="1"/>
           <p:nvPr>
             <p:ph idx="1" type="body"/>
@@ -2501,7 +2505,7 @@
       </p:sp>
       <p:sp>
         <p:nvSpPr>
-          <p:cNvPr id="227" name="Google Shape;227;g27ba4e28dd2_0_26:notes"/>
+          <p:cNvPr id="226" name="Google Shape;226;g27b54a5cafb_0_30:notes"/>
           <p:cNvSpPr/>
           <p:nvPr>
             <p:ph idx="2" type="sldImg"/>
@@ -2557,7 +2561,7 @@
   <p:cSld>
     <p:spTree>
       <p:nvGrpSpPr>
-        <p:cNvPr id="235" name="Shape 235"/>
+        <p:cNvPr id="234" name="Shape 234"/>
         <p:cNvGrpSpPr/>
         <p:nvPr/>
       </p:nvGrpSpPr>
@@ -2571,7 +2575,7 @@
       </p:grpSpPr>
       <p:sp>
         <p:nvSpPr>
-          <p:cNvPr id="236" name="Google Shape;236;g27ba4e28dd2_0_35:notes"/>
+          <p:cNvPr id="235" name="Google Shape;235;g27b54a5cafb_0_39:notes"/>
           <p:cNvSpPr txBox="1"/>
           <p:nvPr>
             <p:ph idx="1" type="body"/>
@@ -2618,7 +2622,7 @@
       </p:sp>
       <p:sp>
         <p:nvSpPr>
-          <p:cNvPr id="237" name="Google Shape;237;g27ba4e28dd2_0_35:notes"/>
+          <p:cNvPr id="236" name="Google Shape;236;g27b54a5cafb_0_39:notes"/>
           <p:cNvSpPr/>
           <p:nvPr>
             <p:ph idx="2" type="sldImg"/>
@@ -2674,7 +2678,7 @@
   <p:cSld>
     <p:spTree>
       <p:nvGrpSpPr>
-        <p:cNvPr id="246" name="Shape 246"/>
+        <p:cNvPr id="244" name="Shape 244"/>
         <p:cNvGrpSpPr/>
         <p:nvPr/>
       </p:nvGrpSpPr>
@@ -2688,7 +2692,7 @@
       </p:grpSpPr>
       <p:sp>
         <p:nvSpPr>
-          <p:cNvPr id="247" name="Google Shape;247;g27ba4e28dd2_0_53:notes"/>
+          <p:cNvPr id="245" name="Google Shape;245;p22:notes"/>
           <p:cNvSpPr txBox="1"/>
           <p:nvPr>
             <p:ph idx="1" type="body"/>
@@ -2697,7 +2701,7 @@
         <p:spPr>
           <a:xfrm>
             <a:off x="685800" y="4400550"/>
-            <a:ext cx="5486400" cy="3600600"/>
+            <a:ext cx="5486400" cy="3600450"/>
           </a:xfrm>
           <a:prstGeom prst="rect">
             <a:avLst/>
@@ -2735,7 +2739,7 @@
       </p:sp>
       <p:sp>
         <p:nvSpPr>
-          <p:cNvPr id="248" name="Google Shape;248;g27ba4e28dd2_0_53:notes"/>
+          <p:cNvPr id="246" name="Google Shape;246;p22:notes"/>
           <p:cNvSpPr/>
           <p:nvPr>
             <p:ph idx="2" type="sldImg"/>
@@ -2791,7 +2795,7 @@
   <p:cSld>
     <p:spTree>
       <p:nvGrpSpPr>
-        <p:cNvPr id="256" name="Shape 256"/>
+        <p:cNvPr id="254" name="Shape 254"/>
         <p:cNvGrpSpPr/>
         <p:nvPr/>
       </p:nvGrpSpPr>
@@ -2805,7 +2809,7 @@
       </p:grpSpPr>
       <p:sp>
         <p:nvSpPr>
-          <p:cNvPr id="257" name="Google Shape;257;g27ba4e28dd2_0_76:notes"/>
+          <p:cNvPr id="255" name="Google Shape;255;g27ba4e28dd2_0_15:notes"/>
           <p:cNvSpPr txBox="1"/>
           <p:nvPr>
             <p:ph idx="1" type="body"/>
@@ -2852,7 +2856,7 @@
       </p:sp>
       <p:sp>
         <p:nvSpPr>
-          <p:cNvPr id="258" name="Google Shape;258;g27ba4e28dd2_0_76:notes"/>
+          <p:cNvPr id="256" name="Google Shape;256;g27ba4e28dd2_0_15:notes"/>
           <p:cNvSpPr/>
           <p:nvPr>
             <p:ph idx="2" type="sldImg"/>
@@ -2908,7 +2912,7 @@
   <p:cSld>
     <p:spTree>
       <p:nvGrpSpPr>
-        <p:cNvPr id="267" name="Shape 267"/>
+        <p:cNvPr id="265" name="Shape 265"/>
         <p:cNvGrpSpPr/>
         <p:nvPr/>
       </p:nvGrpSpPr>
@@ -2922,7 +2926,7 @@
       </p:grpSpPr>
       <p:sp>
         <p:nvSpPr>
-          <p:cNvPr id="268" name="Google Shape;268;g27ba4e28dd2_0_88:notes"/>
+          <p:cNvPr id="266" name="Google Shape;266;g27ba4e28dd2_0_26:notes"/>
           <p:cNvSpPr txBox="1"/>
           <p:nvPr>
             <p:ph idx="1" type="body"/>
@@ -2969,7 +2973,7 @@
       </p:sp>
       <p:sp>
         <p:nvSpPr>
-          <p:cNvPr id="269" name="Google Shape;269;g27ba4e28dd2_0_88:notes"/>
+          <p:cNvPr id="267" name="Google Shape;267;g27ba4e28dd2_0_26:notes"/>
           <p:cNvSpPr/>
           <p:nvPr>
             <p:ph idx="2" type="sldImg"/>
@@ -3142,7 +3146,7 @@
   <p:cSld>
     <p:spTree>
       <p:nvGrpSpPr>
-        <p:cNvPr id="277" name="Shape 277"/>
+        <p:cNvPr id="275" name="Shape 275"/>
         <p:cNvGrpSpPr/>
         <p:nvPr/>
       </p:nvGrpSpPr>
@@ -3156,7 +3160,7 @@
       </p:grpSpPr>
       <p:sp>
         <p:nvSpPr>
-          <p:cNvPr id="278" name="Google Shape;278;g27ba4e28dd2_0_97:notes"/>
+          <p:cNvPr id="276" name="Google Shape;276;g27ba4e28dd2_0_35:notes"/>
           <p:cNvSpPr txBox="1"/>
           <p:nvPr>
             <p:ph idx="1" type="body"/>
@@ -3203,7 +3207,7 @@
       </p:sp>
       <p:sp>
         <p:nvSpPr>
-          <p:cNvPr id="279" name="Google Shape;279;g27ba4e28dd2_0_97:notes"/>
+          <p:cNvPr id="277" name="Google Shape;277;g27ba4e28dd2_0_35:notes"/>
           <p:cNvSpPr/>
           <p:nvPr>
             <p:ph idx="2" type="sldImg"/>
@@ -3259,7 +3263,7 @@
   <p:cSld>
     <p:spTree>
       <p:nvGrpSpPr>
-        <p:cNvPr id="288" name="Shape 288"/>
+        <p:cNvPr id="286" name="Shape 286"/>
         <p:cNvGrpSpPr/>
         <p:nvPr/>
       </p:nvGrpSpPr>
@@ -3273,7 +3277,7 @@
       </p:grpSpPr>
       <p:sp>
         <p:nvSpPr>
-          <p:cNvPr id="289" name="Google Shape;289;g27ba4e28dd2_0_113:notes"/>
+          <p:cNvPr id="287" name="Google Shape;287;g27ba4e28dd2_0_53:notes"/>
           <p:cNvSpPr txBox="1"/>
           <p:nvPr>
             <p:ph idx="1" type="body"/>
@@ -3320,7 +3324,7 @@
       </p:sp>
       <p:sp>
         <p:nvSpPr>
-          <p:cNvPr id="290" name="Google Shape;290;g27ba4e28dd2_0_113:notes"/>
+          <p:cNvPr id="288" name="Google Shape;288;g27ba4e28dd2_0_53:notes"/>
           <p:cNvSpPr/>
           <p:nvPr>
             <p:ph idx="2" type="sldImg"/>
@@ -3376,7 +3380,7 @@
   <p:cSld>
     <p:spTree>
       <p:nvGrpSpPr>
-        <p:cNvPr id="298" name="Shape 298"/>
+        <p:cNvPr id="296" name="Shape 296"/>
         <p:cNvGrpSpPr/>
         <p:nvPr/>
       </p:nvGrpSpPr>
@@ -3390,7 +3394,7 @@
       </p:grpSpPr>
       <p:sp>
         <p:nvSpPr>
-          <p:cNvPr id="299" name="Google Shape;299;g27ba4e28dd2_0_122:notes"/>
+          <p:cNvPr id="297" name="Google Shape;297;g27ba4e28dd2_0_76:notes"/>
           <p:cNvSpPr txBox="1"/>
           <p:nvPr>
             <p:ph idx="1" type="body"/>
@@ -3437,7 +3441,7 @@
       </p:sp>
       <p:sp>
         <p:nvSpPr>
-          <p:cNvPr id="300" name="Google Shape;300;g27ba4e28dd2_0_122:notes"/>
+          <p:cNvPr id="298" name="Google Shape;298;g27ba4e28dd2_0_76:notes"/>
           <p:cNvSpPr/>
           <p:nvPr>
             <p:ph idx="2" type="sldImg"/>
@@ -3493,7 +3497,7 @@
   <p:cSld>
     <p:spTree>
       <p:nvGrpSpPr>
-        <p:cNvPr id="309" name="Shape 309"/>
+        <p:cNvPr id="307" name="Shape 307"/>
         <p:cNvGrpSpPr/>
         <p:nvPr/>
       </p:nvGrpSpPr>
@@ -3507,7 +3511,7 @@
       </p:grpSpPr>
       <p:sp>
         <p:nvSpPr>
-          <p:cNvPr id="310" name="Google Shape;310;g27ba4e28dd2_0_137:notes"/>
+          <p:cNvPr id="308" name="Google Shape;308;g27ba4e28dd2_0_88:notes"/>
           <p:cNvSpPr txBox="1"/>
           <p:nvPr>
             <p:ph idx="1" type="body"/>
@@ -3554,7 +3558,7 @@
       </p:sp>
       <p:sp>
         <p:nvSpPr>
-          <p:cNvPr id="311" name="Google Shape;311;g27ba4e28dd2_0_137:notes"/>
+          <p:cNvPr id="309" name="Google Shape;309;g27ba4e28dd2_0_88:notes"/>
           <p:cNvSpPr/>
           <p:nvPr>
             <p:ph idx="2" type="sldImg"/>
@@ -3610,7 +3614,7 @@
   <p:cSld>
     <p:spTree>
       <p:nvGrpSpPr>
-        <p:cNvPr id="319" name="Shape 319"/>
+        <p:cNvPr id="317" name="Shape 317"/>
         <p:cNvGrpSpPr/>
         <p:nvPr/>
       </p:nvGrpSpPr>
@@ -3624,7 +3628,7 @@
       </p:grpSpPr>
       <p:sp>
         <p:nvSpPr>
-          <p:cNvPr id="320" name="Google Shape;320;g27ba4e28dd2_0_146:notes"/>
+          <p:cNvPr id="318" name="Google Shape;318;g27ba4e28dd2_0_97:notes"/>
           <p:cNvSpPr txBox="1"/>
           <p:nvPr>
             <p:ph idx="1" type="body"/>
@@ -3671,7 +3675,7 @@
       </p:sp>
       <p:sp>
         <p:nvSpPr>
-          <p:cNvPr id="321" name="Google Shape;321;g27ba4e28dd2_0_146:notes"/>
+          <p:cNvPr id="319" name="Google Shape;319;g27ba4e28dd2_0_97:notes"/>
           <p:cNvSpPr/>
           <p:nvPr>
             <p:ph idx="2" type="sldImg"/>
@@ -3727,7 +3731,7 @@
   <p:cSld>
     <p:spTree>
       <p:nvGrpSpPr>
-        <p:cNvPr id="330" name="Shape 330"/>
+        <p:cNvPr id="328" name="Shape 328"/>
         <p:cNvGrpSpPr/>
         <p:nvPr/>
       </p:nvGrpSpPr>
@@ -3741,7 +3745,7 @@
       </p:grpSpPr>
       <p:sp>
         <p:nvSpPr>
-          <p:cNvPr id="331" name="Google Shape;331;g27ba4e28dd2_0_163:notes"/>
+          <p:cNvPr id="329" name="Google Shape;329;g27ba4e28dd2_0_113:notes"/>
           <p:cNvSpPr txBox="1"/>
           <p:nvPr>
             <p:ph idx="1" type="body"/>
@@ -3788,7 +3792,7 @@
       </p:sp>
       <p:sp>
         <p:nvSpPr>
-          <p:cNvPr id="332" name="Google Shape;332;g27ba4e28dd2_0_163:notes"/>
+          <p:cNvPr id="330" name="Google Shape;330;g27ba4e28dd2_0_113:notes"/>
           <p:cNvSpPr/>
           <p:nvPr>
             <p:ph idx="2" type="sldImg"/>
@@ -3844,7 +3848,7 @@
   <p:cSld>
     <p:spTree>
       <p:nvGrpSpPr>
-        <p:cNvPr id="340" name="Shape 340"/>
+        <p:cNvPr id="338" name="Shape 338"/>
         <p:cNvGrpSpPr/>
         <p:nvPr/>
       </p:nvGrpSpPr>
@@ -3858,7 +3862,7 @@
       </p:grpSpPr>
       <p:sp>
         <p:nvSpPr>
-          <p:cNvPr id="341" name="Google Shape;341;g27ba4e28dd2_0_172:notes"/>
+          <p:cNvPr id="339" name="Google Shape;339;g27ba4e28dd2_0_122:notes"/>
           <p:cNvSpPr txBox="1"/>
           <p:nvPr>
             <p:ph idx="1" type="body"/>
@@ -3905,7 +3909,7 @@
       </p:sp>
       <p:sp>
         <p:nvSpPr>
-          <p:cNvPr id="342" name="Google Shape;342;g27ba4e28dd2_0_172:notes"/>
+          <p:cNvPr id="340" name="Google Shape;340;g27ba4e28dd2_0_122:notes"/>
           <p:cNvSpPr/>
           <p:nvPr>
             <p:ph idx="2" type="sldImg"/>
@@ -3961,7 +3965,7 @@
   <p:cSld>
     <p:spTree>
       <p:nvGrpSpPr>
-        <p:cNvPr id="351" name="Shape 351"/>
+        <p:cNvPr id="349" name="Shape 349"/>
         <p:cNvGrpSpPr/>
         <p:nvPr/>
       </p:nvGrpSpPr>
@@ -3975,7 +3979,7 @@
       </p:grpSpPr>
       <p:sp>
         <p:nvSpPr>
-          <p:cNvPr id="352" name="Google Shape;352;g27ba4e28dd2_0_189:notes"/>
+          <p:cNvPr id="350" name="Google Shape;350;g27ba4e28dd2_0_137:notes"/>
           <p:cNvSpPr txBox="1"/>
           <p:nvPr>
             <p:ph idx="1" type="body"/>
@@ -4022,7 +4026,7 @@
       </p:sp>
       <p:sp>
         <p:nvSpPr>
-          <p:cNvPr id="353" name="Google Shape;353;g27ba4e28dd2_0_189:notes"/>
+          <p:cNvPr id="351" name="Google Shape;351;g27ba4e28dd2_0_137:notes"/>
           <p:cNvSpPr/>
           <p:nvPr>
             <p:ph idx="2" type="sldImg"/>
@@ -4078,7 +4082,7 @@
   <p:cSld>
     <p:spTree>
       <p:nvGrpSpPr>
-        <p:cNvPr id="361" name="Shape 361"/>
+        <p:cNvPr id="359" name="Shape 359"/>
         <p:cNvGrpSpPr/>
         <p:nvPr/>
       </p:nvGrpSpPr>
@@ -4092,7 +4096,7 @@
       </p:grpSpPr>
       <p:sp>
         <p:nvSpPr>
-          <p:cNvPr id="362" name="Google Shape;362;g27ba4e28dd2_0_198:notes"/>
+          <p:cNvPr id="360" name="Google Shape;360;g27ba4e28dd2_0_146:notes"/>
           <p:cNvSpPr txBox="1"/>
           <p:nvPr>
             <p:ph idx="1" type="body"/>
@@ -4139,7 +4143,7 @@
       </p:sp>
       <p:sp>
         <p:nvSpPr>
-          <p:cNvPr id="363" name="Google Shape;363;g27ba4e28dd2_0_198:notes"/>
+          <p:cNvPr id="361" name="Google Shape;361;g27ba4e28dd2_0_146:notes"/>
           <p:cNvSpPr/>
           <p:nvPr>
             <p:ph idx="2" type="sldImg"/>
@@ -4195,7 +4199,7 @@
   <p:cSld>
     <p:spTree>
       <p:nvGrpSpPr>
-        <p:cNvPr id="372" name="Shape 372"/>
+        <p:cNvPr id="370" name="Shape 370"/>
         <p:cNvGrpSpPr/>
         <p:nvPr/>
       </p:nvGrpSpPr>
@@ -4209,7 +4213,7 @@
       </p:grpSpPr>
       <p:sp>
         <p:nvSpPr>
-          <p:cNvPr id="373" name="Google Shape;373;g27ba4e28dd2_0_218:notes"/>
+          <p:cNvPr id="371" name="Google Shape;371;g27ba4e28dd2_0_163:notes"/>
           <p:cNvSpPr txBox="1"/>
           <p:nvPr>
             <p:ph idx="1" type="body"/>
@@ -4256,7 +4260,7 @@
       </p:sp>
       <p:sp>
         <p:nvSpPr>
-          <p:cNvPr id="374" name="Google Shape;374;g27ba4e28dd2_0_218:notes"/>
+          <p:cNvPr id="372" name="Google Shape;372;g27ba4e28dd2_0_163:notes"/>
           <p:cNvSpPr/>
           <p:nvPr>
             <p:ph idx="2" type="sldImg"/>
@@ -4429,7 +4433,7 @@
   <p:cSld>
     <p:spTree>
       <p:nvGrpSpPr>
-        <p:cNvPr id="382" name="Shape 382"/>
+        <p:cNvPr id="380" name="Shape 380"/>
         <p:cNvGrpSpPr/>
         <p:nvPr/>
       </p:nvGrpSpPr>
@@ -4443,7 +4447,7 @@
       </p:grpSpPr>
       <p:sp>
         <p:nvSpPr>
-          <p:cNvPr id="383" name="Google Shape;383;g27ba4e28dd2_0_227:notes"/>
+          <p:cNvPr id="381" name="Google Shape;381;g27ba4e28dd2_0_172:notes"/>
           <p:cNvSpPr txBox="1"/>
           <p:nvPr>
             <p:ph idx="1" type="body"/>
@@ -4490,7 +4494,7 @@
       </p:sp>
       <p:sp>
         <p:nvSpPr>
-          <p:cNvPr id="384" name="Google Shape;384;g27ba4e28dd2_0_227:notes"/>
+          <p:cNvPr id="382" name="Google Shape;382;g27ba4e28dd2_0_172:notes"/>
           <p:cNvSpPr/>
           <p:nvPr>
             <p:ph idx="2" type="sldImg"/>
@@ -4546,7 +4550,7 @@
   <p:cSld>
     <p:spTree>
       <p:nvGrpSpPr>
-        <p:cNvPr id="393" name="Shape 393"/>
+        <p:cNvPr id="391" name="Shape 391"/>
         <p:cNvGrpSpPr/>
         <p:nvPr/>
       </p:nvGrpSpPr>
@@ -4560,7 +4564,7 @@
       </p:grpSpPr>
       <p:sp>
         <p:nvSpPr>
-          <p:cNvPr id="394" name="Google Shape;394;g27ba4e28dd2_0_245:notes"/>
+          <p:cNvPr id="392" name="Google Shape;392;g27ba4e28dd2_0_189:notes"/>
           <p:cNvSpPr txBox="1"/>
           <p:nvPr>
             <p:ph idx="1" type="body"/>
@@ -4607,7 +4611,7 @@
       </p:sp>
       <p:sp>
         <p:nvSpPr>
-          <p:cNvPr id="395" name="Google Shape;395;g27ba4e28dd2_0_245:notes"/>
+          <p:cNvPr id="393" name="Google Shape;393;g27ba4e28dd2_0_189:notes"/>
           <p:cNvSpPr/>
           <p:nvPr>
             <p:ph idx="2" type="sldImg"/>
@@ -4663,7 +4667,7 @@
   <p:cSld>
     <p:spTree>
       <p:nvGrpSpPr>
-        <p:cNvPr id="403" name="Shape 403"/>
+        <p:cNvPr id="401" name="Shape 401"/>
         <p:cNvGrpSpPr/>
         <p:nvPr/>
       </p:nvGrpSpPr>
@@ -4677,7 +4681,7 @@
       </p:grpSpPr>
       <p:sp>
         <p:nvSpPr>
-          <p:cNvPr id="404" name="Google Shape;404;g27ba4e28dd2_0_254:notes"/>
+          <p:cNvPr id="402" name="Google Shape;402;g27ba4e28dd2_0_198:notes"/>
           <p:cNvSpPr txBox="1"/>
           <p:nvPr>
             <p:ph idx="1" type="body"/>
@@ -4724,7 +4728,7 @@
       </p:sp>
       <p:sp>
         <p:nvSpPr>
-          <p:cNvPr id="405" name="Google Shape;405;g27ba4e28dd2_0_254:notes"/>
+          <p:cNvPr id="403" name="Google Shape;403;g27ba4e28dd2_0_198:notes"/>
           <p:cNvSpPr/>
           <p:nvPr>
             <p:ph idx="2" type="sldImg"/>
@@ -4780,7 +4784,7 @@
   <p:cSld>
     <p:spTree>
       <p:nvGrpSpPr>
-        <p:cNvPr id="414" name="Shape 414"/>
+        <p:cNvPr id="412" name="Shape 412"/>
         <p:cNvGrpSpPr/>
         <p:nvPr/>
       </p:nvGrpSpPr>
@@ -4794,7 +4798,7 @@
       </p:grpSpPr>
       <p:sp>
         <p:nvSpPr>
-          <p:cNvPr id="415" name="Google Shape;415;g27ba4e28dd2_0_272:notes"/>
+          <p:cNvPr id="413" name="Google Shape;413;g27ba4e28dd2_0_218:notes"/>
           <p:cNvSpPr txBox="1"/>
           <p:nvPr>
             <p:ph idx="1" type="body"/>
@@ -4841,7 +4845,7 @@
       </p:sp>
       <p:sp>
         <p:nvSpPr>
-          <p:cNvPr id="416" name="Google Shape;416;g27ba4e28dd2_0_272:notes"/>
+          <p:cNvPr id="414" name="Google Shape;414;g27ba4e28dd2_0_218:notes"/>
           <p:cNvSpPr/>
           <p:nvPr>
             <p:ph idx="2" type="sldImg"/>
@@ -4897,7 +4901,7 @@
   <p:cSld>
     <p:spTree>
       <p:nvGrpSpPr>
-        <p:cNvPr id="424" name="Shape 424"/>
+        <p:cNvPr id="422" name="Shape 422"/>
         <p:cNvGrpSpPr/>
         <p:nvPr/>
       </p:nvGrpSpPr>
@@ -4911,7 +4915,475 @@
       </p:grpSpPr>
       <p:sp>
         <p:nvSpPr>
-          <p:cNvPr id="425" name="Google Shape;425;p23:notes"/>
+          <p:cNvPr id="423" name="Google Shape;423;g27ba4e28dd2_0_227:notes"/>
+          <p:cNvSpPr txBox="1"/>
+          <p:nvPr>
+            <p:ph idx="1" type="body"/>
+          </p:nvPr>
+        </p:nvSpPr>
+        <p:spPr>
+          <a:xfrm>
+            <a:off x="685800" y="4400550"/>
+            <a:ext cx="5486400" cy="3600600"/>
+          </a:xfrm>
+          <a:prstGeom prst="rect">
+            <a:avLst/>
+          </a:prstGeom>
+          <a:noFill/>
+          <a:ln>
+            <a:noFill/>
+          </a:ln>
+        </p:spPr>
+        <p:txBody>
+          <a:bodyPr anchorCtr="0" anchor="t" bIns="45700" lIns="91425" spcFirstLastPara="1" rIns="91425" wrap="square" tIns="45700">
+            <a:noAutofit/>
+          </a:bodyPr>
+          <a:lstStyle/>
+          <a:p>
+            <a:pPr indent="0" lvl="0" marL="0" rtl="0" algn="l">
+              <a:lnSpc>
+                <a:spcPct val="100000"/>
+              </a:lnSpc>
+              <a:spcBef>
+                <a:spcPts val="0"/>
+              </a:spcBef>
+              <a:spcAft>
+                <a:spcPts val="0"/>
+              </a:spcAft>
+              <a:buSzPts val="1400"/>
+              <a:buNone/>
+            </a:pPr>
+            <a:r>
+              <a:t/>
+            </a:r>
+            <a:endParaRPr/>
+          </a:p>
+        </p:txBody>
+      </p:sp>
+      <p:sp>
+        <p:nvSpPr>
+          <p:cNvPr id="424" name="Google Shape;424;g27ba4e28dd2_0_227:notes"/>
+          <p:cNvSpPr/>
+          <p:nvPr>
+            <p:ph idx="2" type="sldImg"/>
+          </p:nvPr>
+        </p:nvSpPr>
+        <p:spPr>
+          <a:xfrm>
+            <a:off x="1371600" y="1143000"/>
+            <a:ext cx="4114800" cy="3086100"/>
+          </a:xfrm>
+          <a:custGeom>
+            <a:rect b="b" l="l" r="r" t="t"/>
+            <a:pathLst>
+              <a:path extrusionOk="0" h="120000" w="120000">
+                <a:moveTo>
+                  <a:pt x="0" y="0"/>
+                </a:moveTo>
+                <a:lnTo>
+                  <a:pt x="120000" y="0"/>
+                </a:lnTo>
+                <a:lnTo>
+                  <a:pt x="120000" y="120000"/>
+                </a:lnTo>
+                <a:lnTo>
+                  <a:pt x="0" y="120000"/>
+                </a:lnTo>
+                <a:close/>
+              </a:path>
+            </a:pathLst>
+          </a:custGeom>
+          <a:noFill/>
+          <a:ln cap="flat" cmpd="sng" w="12700">
+            <a:solidFill>
+              <a:srgbClr val="000000"/>
+            </a:solidFill>
+            <a:prstDash val="solid"/>
+            <a:round/>
+            <a:headEnd len="sm" w="sm" type="none"/>
+            <a:tailEnd len="sm" w="sm" type="none"/>
+          </a:ln>
+        </p:spPr>
+      </p:sp>
+    </p:spTree>
+  </p:cSld>
+  <p:clrMapOvr>
+    <a:masterClrMapping/>
+  </p:clrMapOvr>
+</p:notes>
+</file>
+
+<file path=ppt/notesSlides/notesSlide35.xml><?xml version="1.0" encoding="utf-8"?>
+<p:notes xmlns:a="http://schemas.openxmlformats.org/drawingml/2006/main" xmlns:r="http://schemas.openxmlformats.org/officeDocument/2006/relationships" xmlns:mc="http://schemas.openxmlformats.org/markup-compatibility/2006" xmlns:mv="urn:schemas-microsoft-com:mac:vml" xmlns:p="http://schemas.openxmlformats.org/presentationml/2006/main" xmlns:c="http://schemas.openxmlformats.org/drawingml/2006/chart" xmlns:dgm="http://schemas.openxmlformats.org/drawingml/2006/diagram" xmlns:o="urn:schemas-microsoft-com:office:office" xmlns:v="urn:schemas-microsoft-com:vml" xmlns:pvml="urn:schemas-microsoft-com:office:powerpoint" xmlns:com="http://schemas.openxmlformats.org/drawingml/2006/compatibility" xmlns:p14="http://schemas.microsoft.com/office/powerpoint/2010/main" xmlns:p15="http://schemas.microsoft.com/office/powerpoint/2012/main" xmlns:ahyp="http://schemas.microsoft.com/office/drawing/2018/hyperlinkcolor" showMasterPhAnim="0" showMasterSp="0">
+  <p:cSld>
+    <p:spTree>
+      <p:nvGrpSpPr>
+        <p:cNvPr id="433" name="Shape 433"/>
+        <p:cNvGrpSpPr/>
+        <p:nvPr/>
+      </p:nvGrpSpPr>
+      <p:grpSpPr>
+        <a:xfrm>
+          <a:off x="0" y="0"/>
+          <a:ext cx="0" cy="0"/>
+          <a:chOff x="0" y="0"/>
+          <a:chExt cx="0" cy="0"/>
+        </a:xfrm>
+      </p:grpSpPr>
+      <p:sp>
+        <p:nvSpPr>
+          <p:cNvPr id="434" name="Google Shape;434;g27ba4e28dd2_0_245:notes"/>
+          <p:cNvSpPr txBox="1"/>
+          <p:nvPr>
+            <p:ph idx="1" type="body"/>
+          </p:nvPr>
+        </p:nvSpPr>
+        <p:spPr>
+          <a:xfrm>
+            <a:off x="685800" y="4400550"/>
+            <a:ext cx="5486400" cy="3600600"/>
+          </a:xfrm>
+          <a:prstGeom prst="rect">
+            <a:avLst/>
+          </a:prstGeom>
+          <a:noFill/>
+          <a:ln>
+            <a:noFill/>
+          </a:ln>
+        </p:spPr>
+        <p:txBody>
+          <a:bodyPr anchorCtr="0" anchor="t" bIns="45700" lIns="91425" spcFirstLastPara="1" rIns="91425" wrap="square" tIns="45700">
+            <a:noAutofit/>
+          </a:bodyPr>
+          <a:lstStyle/>
+          <a:p>
+            <a:pPr indent="0" lvl="0" marL="0" rtl="0" algn="l">
+              <a:lnSpc>
+                <a:spcPct val="100000"/>
+              </a:lnSpc>
+              <a:spcBef>
+                <a:spcPts val="0"/>
+              </a:spcBef>
+              <a:spcAft>
+                <a:spcPts val="0"/>
+              </a:spcAft>
+              <a:buSzPts val="1400"/>
+              <a:buNone/>
+            </a:pPr>
+            <a:r>
+              <a:t/>
+            </a:r>
+            <a:endParaRPr/>
+          </a:p>
+        </p:txBody>
+      </p:sp>
+      <p:sp>
+        <p:nvSpPr>
+          <p:cNvPr id="435" name="Google Shape;435;g27ba4e28dd2_0_245:notes"/>
+          <p:cNvSpPr/>
+          <p:nvPr>
+            <p:ph idx="2" type="sldImg"/>
+          </p:nvPr>
+        </p:nvSpPr>
+        <p:spPr>
+          <a:xfrm>
+            <a:off x="1371600" y="1143000"/>
+            <a:ext cx="4114800" cy="3086100"/>
+          </a:xfrm>
+          <a:custGeom>
+            <a:rect b="b" l="l" r="r" t="t"/>
+            <a:pathLst>
+              <a:path extrusionOk="0" h="120000" w="120000">
+                <a:moveTo>
+                  <a:pt x="0" y="0"/>
+                </a:moveTo>
+                <a:lnTo>
+                  <a:pt x="120000" y="0"/>
+                </a:lnTo>
+                <a:lnTo>
+                  <a:pt x="120000" y="120000"/>
+                </a:lnTo>
+                <a:lnTo>
+                  <a:pt x="0" y="120000"/>
+                </a:lnTo>
+                <a:close/>
+              </a:path>
+            </a:pathLst>
+          </a:custGeom>
+          <a:noFill/>
+          <a:ln cap="flat" cmpd="sng" w="12700">
+            <a:solidFill>
+              <a:srgbClr val="000000"/>
+            </a:solidFill>
+            <a:prstDash val="solid"/>
+            <a:round/>
+            <a:headEnd len="sm" w="sm" type="none"/>
+            <a:tailEnd len="sm" w="sm" type="none"/>
+          </a:ln>
+        </p:spPr>
+      </p:sp>
+    </p:spTree>
+  </p:cSld>
+  <p:clrMapOvr>
+    <a:masterClrMapping/>
+  </p:clrMapOvr>
+</p:notes>
+</file>
+
+<file path=ppt/notesSlides/notesSlide36.xml><?xml version="1.0" encoding="utf-8"?>
+<p:notes xmlns:a="http://schemas.openxmlformats.org/drawingml/2006/main" xmlns:r="http://schemas.openxmlformats.org/officeDocument/2006/relationships" xmlns:mc="http://schemas.openxmlformats.org/markup-compatibility/2006" xmlns:mv="urn:schemas-microsoft-com:mac:vml" xmlns:p="http://schemas.openxmlformats.org/presentationml/2006/main" xmlns:c="http://schemas.openxmlformats.org/drawingml/2006/chart" xmlns:dgm="http://schemas.openxmlformats.org/drawingml/2006/diagram" xmlns:o="urn:schemas-microsoft-com:office:office" xmlns:v="urn:schemas-microsoft-com:vml" xmlns:pvml="urn:schemas-microsoft-com:office:powerpoint" xmlns:com="http://schemas.openxmlformats.org/drawingml/2006/compatibility" xmlns:p14="http://schemas.microsoft.com/office/powerpoint/2010/main" xmlns:p15="http://schemas.microsoft.com/office/powerpoint/2012/main" xmlns:ahyp="http://schemas.microsoft.com/office/drawing/2018/hyperlinkcolor" showMasterPhAnim="0" showMasterSp="0">
+  <p:cSld>
+    <p:spTree>
+      <p:nvGrpSpPr>
+        <p:cNvPr id="443" name="Shape 443"/>
+        <p:cNvGrpSpPr/>
+        <p:nvPr/>
+      </p:nvGrpSpPr>
+      <p:grpSpPr>
+        <a:xfrm>
+          <a:off x="0" y="0"/>
+          <a:ext cx="0" cy="0"/>
+          <a:chOff x="0" y="0"/>
+          <a:chExt cx="0" cy="0"/>
+        </a:xfrm>
+      </p:grpSpPr>
+      <p:sp>
+        <p:nvSpPr>
+          <p:cNvPr id="444" name="Google Shape;444;g27ba4e28dd2_0_254:notes"/>
+          <p:cNvSpPr txBox="1"/>
+          <p:nvPr>
+            <p:ph idx="1" type="body"/>
+          </p:nvPr>
+        </p:nvSpPr>
+        <p:spPr>
+          <a:xfrm>
+            <a:off x="685800" y="4400550"/>
+            <a:ext cx="5486400" cy="3600600"/>
+          </a:xfrm>
+          <a:prstGeom prst="rect">
+            <a:avLst/>
+          </a:prstGeom>
+          <a:noFill/>
+          <a:ln>
+            <a:noFill/>
+          </a:ln>
+        </p:spPr>
+        <p:txBody>
+          <a:bodyPr anchorCtr="0" anchor="t" bIns="45700" lIns="91425" spcFirstLastPara="1" rIns="91425" wrap="square" tIns="45700">
+            <a:noAutofit/>
+          </a:bodyPr>
+          <a:lstStyle/>
+          <a:p>
+            <a:pPr indent="0" lvl="0" marL="0" rtl="0" algn="l">
+              <a:lnSpc>
+                <a:spcPct val="100000"/>
+              </a:lnSpc>
+              <a:spcBef>
+                <a:spcPts val="0"/>
+              </a:spcBef>
+              <a:spcAft>
+                <a:spcPts val="0"/>
+              </a:spcAft>
+              <a:buSzPts val="1400"/>
+              <a:buNone/>
+            </a:pPr>
+            <a:r>
+              <a:t/>
+            </a:r>
+            <a:endParaRPr/>
+          </a:p>
+        </p:txBody>
+      </p:sp>
+      <p:sp>
+        <p:nvSpPr>
+          <p:cNvPr id="445" name="Google Shape;445;g27ba4e28dd2_0_254:notes"/>
+          <p:cNvSpPr/>
+          <p:nvPr>
+            <p:ph idx="2" type="sldImg"/>
+          </p:nvPr>
+        </p:nvSpPr>
+        <p:spPr>
+          <a:xfrm>
+            <a:off x="1371600" y="1143000"/>
+            <a:ext cx="4114800" cy="3086100"/>
+          </a:xfrm>
+          <a:custGeom>
+            <a:rect b="b" l="l" r="r" t="t"/>
+            <a:pathLst>
+              <a:path extrusionOk="0" h="120000" w="120000">
+                <a:moveTo>
+                  <a:pt x="0" y="0"/>
+                </a:moveTo>
+                <a:lnTo>
+                  <a:pt x="120000" y="0"/>
+                </a:lnTo>
+                <a:lnTo>
+                  <a:pt x="120000" y="120000"/>
+                </a:lnTo>
+                <a:lnTo>
+                  <a:pt x="0" y="120000"/>
+                </a:lnTo>
+                <a:close/>
+              </a:path>
+            </a:pathLst>
+          </a:custGeom>
+          <a:noFill/>
+          <a:ln cap="flat" cmpd="sng" w="12700">
+            <a:solidFill>
+              <a:srgbClr val="000000"/>
+            </a:solidFill>
+            <a:prstDash val="solid"/>
+            <a:round/>
+            <a:headEnd len="sm" w="sm" type="none"/>
+            <a:tailEnd len="sm" w="sm" type="none"/>
+          </a:ln>
+        </p:spPr>
+      </p:sp>
+    </p:spTree>
+  </p:cSld>
+  <p:clrMapOvr>
+    <a:masterClrMapping/>
+  </p:clrMapOvr>
+</p:notes>
+</file>
+
+<file path=ppt/notesSlides/notesSlide37.xml><?xml version="1.0" encoding="utf-8"?>
+<p:notes xmlns:a="http://schemas.openxmlformats.org/drawingml/2006/main" xmlns:r="http://schemas.openxmlformats.org/officeDocument/2006/relationships" xmlns:mc="http://schemas.openxmlformats.org/markup-compatibility/2006" xmlns:mv="urn:schemas-microsoft-com:mac:vml" xmlns:p="http://schemas.openxmlformats.org/presentationml/2006/main" xmlns:c="http://schemas.openxmlformats.org/drawingml/2006/chart" xmlns:dgm="http://schemas.openxmlformats.org/drawingml/2006/diagram" xmlns:o="urn:schemas-microsoft-com:office:office" xmlns:v="urn:schemas-microsoft-com:vml" xmlns:pvml="urn:schemas-microsoft-com:office:powerpoint" xmlns:com="http://schemas.openxmlformats.org/drawingml/2006/compatibility" xmlns:p14="http://schemas.microsoft.com/office/powerpoint/2010/main" xmlns:p15="http://schemas.microsoft.com/office/powerpoint/2012/main" xmlns:ahyp="http://schemas.microsoft.com/office/drawing/2018/hyperlinkcolor" showMasterPhAnim="0" showMasterSp="0">
+  <p:cSld>
+    <p:spTree>
+      <p:nvGrpSpPr>
+        <p:cNvPr id="454" name="Shape 454"/>
+        <p:cNvGrpSpPr/>
+        <p:nvPr/>
+      </p:nvGrpSpPr>
+      <p:grpSpPr>
+        <a:xfrm>
+          <a:off x="0" y="0"/>
+          <a:ext cx="0" cy="0"/>
+          <a:chOff x="0" y="0"/>
+          <a:chExt cx="0" cy="0"/>
+        </a:xfrm>
+      </p:grpSpPr>
+      <p:sp>
+        <p:nvSpPr>
+          <p:cNvPr id="455" name="Google Shape;455;g27ba4e28dd2_0_272:notes"/>
+          <p:cNvSpPr txBox="1"/>
+          <p:nvPr>
+            <p:ph idx="1" type="body"/>
+          </p:nvPr>
+        </p:nvSpPr>
+        <p:spPr>
+          <a:xfrm>
+            <a:off x="685800" y="4400550"/>
+            <a:ext cx="5486400" cy="3600600"/>
+          </a:xfrm>
+          <a:prstGeom prst="rect">
+            <a:avLst/>
+          </a:prstGeom>
+          <a:noFill/>
+          <a:ln>
+            <a:noFill/>
+          </a:ln>
+        </p:spPr>
+        <p:txBody>
+          <a:bodyPr anchorCtr="0" anchor="t" bIns="45700" lIns="91425" spcFirstLastPara="1" rIns="91425" wrap="square" tIns="45700">
+            <a:noAutofit/>
+          </a:bodyPr>
+          <a:lstStyle/>
+          <a:p>
+            <a:pPr indent="0" lvl="0" marL="0" rtl="0" algn="l">
+              <a:lnSpc>
+                <a:spcPct val="100000"/>
+              </a:lnSpc>
+              <a:spcBef>
+                <a:spcPts val="0"/>
+              </a:spcBef>
+              <a:spcAft>
+                <a:spcPts val="0"/>
+              </a:spcAft>
+              <a:buSzPts val="1400"/>
+              <a:buNone/>
+            </a:pPr>
+            <a:r>
+              <a:t/>
+            </a:r>
+            <a:endParaRPr/>
+          </a:p>
+        </p:txBody>
+      </p:sp>
+      <p:sp>
+        <p:nvSpPr>
+          <p:cNvPr id="456" name="Google Shape;456;g27ba4e28dd2_0_272:notes"/>
+          <p:cNvSpPr/>
+          <p:nvPr>
+            <p:ph idx="2" type="sldImg"/>
+          </p:nvPr>
+        </p:nvSpPr>
+        <p:spPr>
+          <a:xfrm>
+            <a:off x="1371600" y="1143000"/>
+            <a:ext cx="4114800" cy="3086100"/>
+          </a:xfrm>
+          <a:custGeom>
+            <a:rect b="b" l="l" r="r" t="t"/>
+            <a:pathLst>
+              <a:path extrusionOk="0" h="120000" w="120000">
+                <a:moveTo>
+                  <a:pt x="0" y="0"/>
+                </a:moveTo>
+                <a:lnTo>
+                  <a:pt x="120000" y="0"/>
+                </a:lnTo>
+                <a:lnTo>
+                  <a:pt x="120000" y="120000"/>
+                </a:lnTo>
+                <a:lnTo>
+                  <a:pt x="0" y="120000"/>
+                </a:lnTo>
+                <a:close/>
+              </a:path>
+            </a:pathLst>
+          </a:custGeom>
+          <a:noFill/>
+          <a:ln cap="flat" cmpd="sng" w="12700">
+            <a:solidFill>
+              <a:srgbClr val="000000"/>
+            </a:solidFill>
+            <a:prstDash val="solid"/>
+            <a:round/>
+            <a:headEnd len="sm" w="sm" type="none"/>
+            <a:tailEnd len="sm" w="sm" type="none"/>
+          </a:ln>
+        </p:spPr>
+      </p:sp>
+    </p:spTree>
+  </p:cSld>
+  <p:clrMapOvr>
+    <a:masterClrMapping/>
+  </p:clrMapOvr>
+</p:notes>
+</file>
+
+<file path=ppt/notesSlides/notesSlide38.xml><?xml version="1.0" encoding="utf-8"?>
+<p:notes xmlns:a="http://schemas.openxmlformats.org/drawingml/2006/main" xmlns:r="http://schemas.openxmlformats.org/officeDocument/2006/relationships" xmlns:mc="http://schemas.openxmlformats.org/markup-compatibility/2006" xmlns:mv="urn:schemas-microsoft-com:mac:vml" xmlns:p="http://schemas.openxmlformats.org/presentationml/2006/main" xmlns:c="http://schemas.openxmlformats.org/drawingml/2006/chart" xmlns:dgm="http://schemas.openxmlformats.org/drawingml/2006/diagram" xmlns:o="urn:schemas-microsoft-com:office:office" xmlns:v="urn:schemas-microsoft-com:vml" xmlns:pvml="urn:schemas-microsoft-com:office:powerpoint" xmlns:com="http://schemas.openxmlformats.org/drawingml/2006/compatibility" xmlns:p14="http://schemas.microsoft.com/office/powerpoint/2010/main" xmlns:p15="http://schemas.microsoft.com/office/powerpoint/2012/main" xmlns:ahyp="http://schemas.microsoft.com/office/drawing/2018/hyperlinkcolor" showMasterPhAnim="0" showMasterSp="0">
+  <p:cSld>
+    <p:spTree>
+      <p:nvGrpSpPr>
+        <p:cNvPr id="464" name="Shape 464"/>
+        <p:cNvGrpSpPr/>
+        <p:nvPr/>
+      </p:nvGrpSpPr>
+      <p:grpSpPr>
+        <a:xfrm>
+          <a:off x="0" y="0"/>
+          <a:ext cx="0" cy="0"/>
+          <a:chOff x="0" y="0"/>
+          <a:chExt cx="0" cy="0"/>
+        </a:xfrm>
+      </p:grpSpPr>
+      <p:sp>
+        <p:nvSpPr>
+          <p:cNvPr id="465" name="Google Shape;465;p23:notes"/>
           <p:cNvSpPr txBox="1"/>
           <p:nvPr>
             <p:ph idx="1" type="body"/>
@@ -4958,7 +5430,7 @@
       </p:sp>
       <p:sp>
         <p:nvSpPr>
-          <p:cNvPr id="426" name="Google Shape;426;p23:notes"/>
+          <p:cNvPr id="466" name="Google Shape;466;p23:notes"/>
           <p:cNvSpPr/>
           <p:nvPr>
             <p:ph idx="2" type="sldImg"/>
@@ -19460,7 +19932,7 @@
       </p:grpSpPr>
       <p:sp>
         <p:nvSpPr>
-          <p:cNvPr id="178" name="Google Shape;178;p21"/>
+          <p:cNvPr id="178" name="Google Shape;178;g27bfefe69db_0_0"/>
           <p:cNvSpPr txBox="1"/>
           <p:nvPr>
             <p:ph idx="1" type="body"/>
@@ -19469,7 +19941,7 @@
         <p:spPr>
           <a:xfrm>
             <a:off x="457200" y="1600200"/>
-            <a:ext cx="8229600" cy="4525963"/>
+            <a:ext cx="8229600" cy="4526100"/>
           </a:xfrm>
           <a:prstGeom prst="rect">
             <a:avLst/>
@@ -19505,7 +19977,7 @@
                 <a:cs typeface="Times New Roman"/>
                 <a:sym typeface="Times New Roman"/>
               </a:rPr>
-              <a:t>Intermediate Results and Discussion</a:t>
+              <a:t>Algorithms</a:t>
             </a:r>
             <a:endParaRPr/>
           </a:p>
@@ -19513,7 +19985,7 @@
       </p:sp>
       <p:pic>
         <p:nvPicPr>
-          <p:cNvPr id="179" name="Google Shape;179;p21"/>
+          <p:cNvPr id="179" name="Google Shape;179;g27bfefe69db_0_0"/>
           <p:cNvPicPr preferRelativeResize="0"/>
           <p:nvPr/>
         </p:nvPicPr>
@@ -19540,7 +20012,2090 @@
       </p:pic>
       <p:sp>
         <p:nvSpPr>
-          <p:cNvPr id="180" name="Google Shape;180;p21"/>
+          <p:cNvPr id="180" name="Google Shape;180;g27bfefe69db_0_0"/>
+          <p:cNvSpPr txBox="1"/>
+          <p:nvPr>
+            <p:ph idx="10" type="dt"/>
+          </p:nvPr>
+        </p:nvSpPr>
+        <p:spPr>
+          <a:xfrm>
+            <a:off x="457200" y="6356350"/>
+            <a:ext cx="2133600" cy="365100"/>
+          </a:xfrm>
+          <a:prstGeom prst="rect">
+            <a:avLst/>
+          </a:prstGeom>
+          <a:noFill/>
+          <a:ln>
+            <a:noFill/>
+          </a:ln>
+        </p:spPr>
+        <p:txBody>
+          <a:bodyPr anchorCtr="0" anchor="ctr" bIns="45700" lIns="91425" spcFirstLastPara="1" rIns="91425" wrap="square" tIns="45700">
+            <a:noAutofit/>
+          </a:bodyPr>
+          <a:lstStyle/>
+          <a:p>
+            <a:pPr indent="0" lvl="0" marL="0" rtl="0" algn="l">
+              <a:lnSpc>
+                <a:spcPct val="100000"/>
+              </a:lnSpc>
+              <a:spcBef>
+                <a:spcPts val="0"/>
+              </a:spcBef>
+              <a:spcAft>
+                <a:spcPts val="0"/>
+              </a:spcAft>
+              <a:buSzPts val="1400"/>
+              <a:buNone/>
+            </a:pPr>
+            <a:r>
+              <a:rPr b="1" lang="en-US"/>
+              <a:t>6-9-2023</a:t>
+            </a:r>
+            <a:endParaRPr/>
+          </a:p>
+        </p:txBody>
+      </p:sp>
+      <p:sp>
+        <p:nvSpPr>
+          <p:cNvPr id="181" name="Google Shape;181;g27bfefe69db_0_0"/>
+          <p:cNvSpPr txBox="1"/>
+          <p:nvPr>
+            <p:ph idx="12" type="sldNum"/>
+          </p:nvPr>
+        </p:nvSpPr>
+        <p:spPr>
+          <a:xfrm>
+            <a:off x="6553200" y="6356350"/>
+            <a:ext cx="2133600" cy="365100"/>
+          </a:xfrm>
+          <a:prstGeom prst="rect">
+            <a:avLst/>
+          </a:prstGeom>
+          <a:noFill/>
+          <a:ln>
+            <a:noFill/>
+          </a:ln>
+        </p:spPr>
+        <p:txBody>
+          <a:bodyPr anchorCtr="0" anchor="ctr" bIns="45700" lIns="91425" spcFirstLastPara="1" rIns="91425" wrap="square" tIns="45700">
+            <a:noAutofit/>
+          </a:bodyPr>
+          <a:lstStyle/>
+          <a:p>
+            <a:pPr indent="0" lvl="0" marL="0" rtl="0" algn="r">
+              <a:lnSpc>
+                <a:spcPct val="100000"/>
+              </a:lnSpc>
+              <a:spcBef>
+                <a:spcPts val="0"/>
+              </a:spcBef>
+              <a:spcAft>
+                <a:spcPts val="0"/>
+              </a:spcAft>
+              <a:buSzPts val="1200"/>
+              <a:buNone/>
+            </a:pPr>
+            <a:fld id="{00000000-1234-1234-1234-123412341234}" type="slidenum">
+              <a:rPr lang="en-US"/>
+              <a:t>‹#›</a:t>
+            </a:fld>
+            <a:endParaRPr/>
+          </a:p>
+        </p:txBody>
+      </p:sp>
+      <p:sp>
+        <p:nvSpPr>
+          <p:cNvPr id="182" name="Google Shape;182;g27bfefe69db_0_0"/>
+          <p:cNvSpPr txBox="1"/>
+          <p:nvPr/>
+        </p:nvSpPr>
+        <p:spPr>
+          <a:xfrm>
+            <a:off x="457200" y="2306638"/>
+            <a:ext cx="8686800" cy="3709500"/>
+          </a:xfrm>
+          <a:prstGeom prst="rect">
+            <a:avLst/>
+          </a:prstGeom>
+          <a:noFill/>
+          <a:ln>
+            <a:noFill/>
+          </a:ln>
+        </p:spPr>
+        <p:txBody>
+          <a:bodyPr anchorCtr="0" anchor="t" bIns="91425" lIns="91425" spcFirstLastPara="1" rIns="91425" wrap="square" tIns="91425">
+            <a:spAutoFit/>
+          </a:bodyPr>
+          <a:lstStyle/>
+          <a:p>
+            <a:pPr indent="0" lvl="0" marL="0" rtl="0" algn="just">
+              <a:spcBef>
+                <a:spcPts val="0"/>
+              </a:spcBef>
+              <a:spcAft>
+                <a:spcPts val="0"/>
+              </a:spcAft>
+              <a:buNone/>
+            </a:pPr>
+            <a:r>
+              <a:rPr lang="en-US" sz="1800">
+                <a:solidFill>
+                  <a:srgbClr val="343541"/>
+                </a:solidFill>
+                <a:latin typeface="Times New Roman"/>
+                <a:ea typeface="Times New Roman"/>
+                <a:cs typeface="Times New Roman"/>
+                <a:sym typeface="Times New Roman"/>
+              </a:rPr>
+              <a:t>The project utilizes the following algorithms:</a:t>
+            </a:r>
+            <a:endParaRPr sz="1800">
+              <a:solidFill>
+                <a:srgbClr val="343541"/>
+              </a:solidFill>
+              <a:latin typeface="Times New Roman"/>
+              <a:ea typeface="Times New Roman"/>
+              <a:cs typeface="Times New Roman"/>
+              <a:sym typeface="Times New Roman"/>
+            </a:endParaRPr>
+          </a:p>
+          <a:p>
+            <a:pPr indent="0" lvl="0" marL="0" rtl="0" algn="just">
+              <a:spcBef>
+                <a:spcPts val="0"/>
+              </a:spcBef>
+              <a:spcAft>
+                <a:spcPts val="0"/>
+              </a:spcAft>
+              <a:buNone/>
+            </a:pPr>
+            <a:r>
+              <a:t/>
+            </a:r>
+            <a:endParaRPr sz="1800">
+              <a:solidFill>
+                <a:srgbClr val="343541"/>
+              </a:solidFill>
+              <a:latin typeface="Times New Roman"/>
+              <a:ea typeface="Times New Roman"/>
+              <a:cs typeface="Times New Roman"/>
+              <a:sym typeface="Times New Roman"/>
+            </a:endParaRPr>
+          </a:p>
+          <a:p>
+            <a:pPr indent="-355600" lvl="0" marL="457200" rtl="0" algn="just">
+              <a:spcBef>
+                <a:spcPts val="0"/>
+              </a:spcBef>
+              <a:spcAft>
+                <a:spcPts val="0"/>
+              </a:spcAft>
+              <a:buClr>
+                <a:srgbClr val="343541"/>
+              </a:buClr>
+              <a:buSzPts val="2000"/>
+              <a:buFont typeface="Times New Roman"/>
+              <a:buAutoNum type="arabicPeriod"/>
+            </a:pPr>
+            <a:r>
+              <a:rPr b="1" lang="en-US" sz="2000">
+                <a:solidFill>
+                  <a:schemeClr val="dk1"/>
+                </a:solidFill>
+                <a:latin typeface="Times New Roman"/>
+                <a:ea typeface="Times New Roman"/>
+                <a:cs typeface="Times New Roman"/>
+                <a:sym typeface="Times New Roman"/>
+              </a:rPr>
+              <a:t>Vectorization</a:t>
+            </a:r>
+            <a:endParaRPr b="1" sz="2000">
+              <a:solidFill>
+                <a:srgbClr val="343541"/>
+              </a:solidFill>
+              <a:latin typeface="Times New Roman"/>
+              <a:ea typeface="Times New Roman"/>
+              <a:cs typeface="Times New Roman"/>
+              <a:sym typeface="Times New Roman"/>
+            </a:endParaRPr>
+          </a:p>
+          <a:p>
+            <a:pPr indent="0" lvl="0" marL="457200" rtl="0" algn="just">
+              <a:spcBef>
+                <a:spcPts val="0"/>
+              </a:spcBef>
+              <a:spcAft>
+                <a:spcPts val="0"/>
+              </a:spcAft>
+              <a:buNone/>
+            </a:pPr>
+            <a:r>
+              <a:t/>
+            </a:r>
+            <a:endParaRPr sz="1800">
+              <a:solidFill>
+                <a:srgbClr val="343541"/>
+              </a:solidFill>
+              <a:latin typeface="Times New Roman"/>
+              <a:ea typeface="Times New Roman"/>
+              <a:cs typeface="Times New Roman"/>
+              <a:sym typeface="Times New Roman"/>
+            </a:endParaRPr>
+          </a:p>
+          <a:p>
+            <a:pPr indent="0" lvl="0" marL="0" rtl="0" algn="just">
+              <a:spcBef>
+                <a:spcPts val="0"/>
+              </a:spcBef>
+              <a:spcAft>
+                <a:spcPts val="0"/>
+              </a:spcAft>
+              <a:buNone/>
+            </a:pPr>
+            <a:r>
+              <a:rPr lang="en-US" sz="1800">
+                <a:solidFill>
+                  <a:schemeClr val="dk1"/>
+                </a:solidFill>
+                <a:latin typeface="Times New Roman"/>
+                <a:ea typeface="Times New Roman"/>
+                <a:cs typeface="Times New Roman"/>
+                <a:sym typeface="Times New Roman"/>
+              </a:rPr>
+              <a:t>Vectorization is jargon for a classic approach of converting input data from its raw format (i.e. text ) into vectors of real numbers which is the format that ML models support. This approach has been there ever since computers were first built, it has worked wonderfully across various domains, and it’s now used in NLP. In Machine Learning, vectorization is a step in feature extraction. The idea is to get some distinct features out of the text for the model to train on, by converting text to numerical vectors.</a:t>
+            </a:r>
+            <a:endParaRPr sz="1800">
+              <a:solidFill>
+                <a:schemeClr val="dk1"/>
+              </a:solidFill>
+              <a:latin typeface="Times New Roman"/>
+              <a:ea typeface="Times New Roman"/>
+              <a:cs typeface="Times New Roman"/>
+              <a:sym typeface="Times New Roman"/>
+            </a:endParaRPr>
+          </a:p>
+          <a:p>
+            <a:pPr indent="0" lvl="0" marL="0" rtl="0" algn="just">
+              <a:spcBef>
+                <a:spcPts val="0"/>
+              </a:spcBef>
+              <a:spcAft>
+                <a:spcPts val="0"/>
+              </a:spcAft>
+              <a:buNone/>
+            </a:pPr>
+            <a:r>
+              <a:t/>
+            </a:r>
+            <a:endParaRPr sz="1100">
+              <a:solidFill>
+                <a:schemeClr val="dk1"/>
+              </a:solidFill>
+              <a:latin typeface="Calibri"/>
+              <a:ea typeface="Calibri"/>
+              <a:cs typeface="Calibri"/>
+              <a:sym typeface="Calibri"/>
+            </a:endParaRPr>
+          </a:p>
+          <a:p>
+            <a:pPr indent="0" lvl="0" marL="0" rtl="0" algn="just">
+              <a:spcBef>
+                <a:spcPts val="0"/>
+              </a:spcBef>
+              <a:spcAft>
+                <a:spcPts val="0"/>
+              </a:spcAft>
+              <a:buNone/>
+            </a:pPr>
+            <a:r>
+              <a:rPr lang="en-US" sz="1800" u="sng">
+                <a:solidFill>
+                  <a:srgbClr val="0000FF"/>
+                </a:solidFill>
+                <a:latin typeface="Calibri"/>
+                <a:ea typeface="Calibri"/>
+                <a:cs typeface="Calibri"/>
+                <a:sym typeface="Calibri"/>
+              </a:rPr>
+              <a:t>https://neptune.ai/blog/vectorization-techniques-in-nlp-guide</a:t>
+            </a:r>
+            <a:endParaRPr sz="1800" u="sng">
+              <a:solidFill>
+                <a:srgbClr val="0000FF"/>
+              </a:solidFill>
+              <a:latin typeface="Calibri"/>
+              <a:ea typeface="Calibri"/>
+              <a:cs typeface="Calibri"/>
+              <a:sym typeface="Calibri"/>
+            </a:endParaRPr>
+          </a:p>
+          <a:p>
+            <a:pPr indent="0" lvl="0" marL="0" rtl="0" algn="l">
+              <a:lnSpc>
+                <a:spcPct val="115000"/>
+              </a:lnSpc>
+              <a:spcBef>
+                <a:spcPts val="0"/>
+              </a:spcBef>
+              <a:spcAft>
+                <a:spcPts val="0"/>
+              </a:spcAft>
+              <a:buNone/>
+            </a:pPr>
+            <a:r>
+              <a:t/>
+            </a:r>
+            <a:endParaRPr sz="1800">
+              <a:solidFill>
+                <a:srgbClr val="D1D5DB"/>
+              </a:solidFill>
+              <a:highlight>
+                <a:srgbClr val="444654"/>
+              </a:highlight>
+              <a:latin typeface="Times New Roman"/>
+              <a:ea typeface="Times New Roman"/>
+              <a:cs typeface="Times New Roman"/>
+              <a:sym typeface="Times New Roman"/>
+            </a:endParaRPr>
+          </a:p>
+        </p:txBody>
+      </p:sp>
+      <p:sp>
+        <p:nvSpPr>
+          <p:cNvPr id="183" name="Google Shape;183;g27bfefe69db_0_0"/>
+          <p:cNvSpPr txBox="1"/>
+          <p:nvPr/>
+        </p:nvSpPr>
+        <p:spPr>
+          <a:xfrm>
+            <a:off x="3553200" y="350325"/>
+            <a:ext cx="3000000" cy="861900"/>
+          </a:xfrm>
+          <a:prstGeom prst="rect">
+            <a:avLst/>
+          </a:prstGeom>
+          <a:noFill/>
+          <a:ln>
+            <a:noFill/>
+          </a:ln>
+        </p:spPr>
+        <p:txBody>
+          <a:bodyPr anchorCtr="0" anchor="t" bIns="91425" lIns="91425" spcFirstLastPara="1" rIns="91425" wrap="square" tIns="91425">
+            <a:spAutoFit/>
+          </a:bodyPr>
+          <a:lstStyle/>
+          <a:p>
+            <a:pPr indent="0" lvl="0" marL="0" rtl="0" algn="ctr">
+              <a:spcBef>
+                <a:spcPts val="0"/>
+              </a:spcBef>
+              <a:spcAft>
+                <a:spcPts val="0"/>
+              </a:spcAft>
+              <a:buNone/>
+            </a:pPr>
+            <a:r>
+              <a:rPr lang="en-US" sz="4400">
+                <a:solidFill>
+                  <a:schemeClr val="dk1"/>
+                </a:solidFill>
+                <a:latin typeface="Calibri"/>
+                <a:ea typeface="Calibri"/>
+                <a:cs typeface="Calibri"/>
+                <a:sym typeface="Calibri"/>
+              </a:rPr>
+              <a:t> MEDIWISE</a:t>
+            </a:r>
+            <a:endParaRPr/>
+          </a:p>
+        </p:txBody>
+      </p:sp>
+    </p:spTree>
+  </p:cSld>
+  <p:clrMapOvr>
+    <a:masterClrMapping/>
+  </p:clrMapOvr>
+</p:sld>
+</file>
+
+<file path=ppt/slides/slide11.xml><?xml version="1.0" encoding="utf-8"?>
+<p:sld xmlns:a="http://schemas.openxmlformats.org/drawingml/2006/main" xmlns:r="http://schemas.openxmlformats.org/officeDocument/2006/relationships" xmlns:mc="http://schemas.openxmlformats.org/markup-compatibility/2006" xmlns:mv="urn:schemas-microsoft-com:mac:vml" xmlns:p="http://schemas.openxmlformats.org/presentationml/2006/main" xmlns:c="http://schemas.openxmlformats.org/drawingml/2006/chart" xmlns:dgm="http://schemas.openxmlformats.org/drawingml/2006/diagram" xmlns:o="urn:schemas-microsoft-com:office:office" xmlns:v="urn:schemas-microsoft-com:vml" xmlns:pvml="urn:schemas-microsoft-com:office:powerpoint" xmlns:com="http://schemas.openxmlformats.org/drawingml/2006/compatibility" xmlns:p14="http://schemas.microsoft.com/office/powerpoint/2010/main" xmlns:p15="http://schemas.microsoft.com/office/powerpoint/2012/main" xmlns:ahyp="http://schemas.microsoft.com/office/drawing/2018/hyperlinkcolor">
+  <p:cSld>
+    <p:spTree>
+      <p:nvGrpSpPr>
+        <p:cNvPr id="187" name="Shape 187"/>
+        <p:cNvGrpSpPr/>
+        <p:nvPr/>
+      </p:nvGrpSpPr>
+      <p:grpSpPr>
+        <a:xfrm>
+          <a:off x="0" y="0"/>
+          <a:ext cx="0" cy="0"/>
+          <a:chOff x="0" y="0"/>
+          <a:chExt cx="0" cy="0"/>
+        </a:xfrm>
+      </p:grpSpPr>
+      <p:sp>
+        <p:nvSpPr>
+          <p:cNvPr id="188" name="Google Shape;188;g27bfefe69db_0_13"/>
+          <p:cNvSpPr txBox="1"/>
+          <p:nvPr>
+            <p:ph idx="1" type="body"/>
+          </p:nvPr>
+        </p:nvSpPr>
+        <p:spPr>
+          <a:xfrm>
+            <a:off x="457200" y="1600200"/>
+            <a:ext cx="8229600" cy="4526100"/>
+          </a:xfrm>
+          <a:prstGeom prst="rect">
+            <a:avLst/>
+          </a:prstGeom>
+          <a:noFill/>
+          <a:ln>
+            <a:noFill/>
+          </a:ln>
+        </p:spPr>
+        <p:txBody>
+          <a:bodyPr anchorCtr="0" anchor="t" bIns="45700" lIns="91425" spcFirstLastPara="1" rIns="91425" wrap="square" tIns="45700">
+            <a:normAutofit/>
+          </a:bodyPr>
+          <a:lstStyle/>
+          <a:p>
+            <a:pPr indent="0" lvl="1" marL="0" rtl="0" algn="l">
+              <a:lnSpc>
+                <a:spcPct val="100000"/>
+              </a:lnSpc>
+              <a:spcBef>
+                <a:spcPts val="360"/>
+              </a:spcBef>
+              <a:spcAft>
+                <a:spcPts val="0"/>
+              </a:spcAft>
+              <a:buSzPts val="1800"/>
+              <a:buNone/>
+            </a:pPr>
+            <a:r>
+              <a:rPr lang="en-US">
+                <a:latin typeface="Times New Roman"/>
+                <a:ea typeface="Times New Roman"/>
+                <a:cs typeface="Times New Roman"/>
+                <a:sym typeface="Times New Roman"/>
+              </a:rPr>
+              <a:t>Algorithms</a:t>
+            </a:r>
+            <a:endParaRPr/>
+          </a:p>
+        </p:txBody>
+      </p:sp>
+      <p:pic>
+        <p:nvPicPr>
+          <p:cNvPr id="189" name="Google Shape;189;g27bfefe69db_0_13"/>
+          <p:cNvPicPr preferRelativeResize="0"/>
+          <p:nvPr/>
+        </p:nvPicPr>
+        <p:blipFill rotWithShape="1">
+          <a:blip r:embed="rId3">
+            <a:alphaModFix/>
+          </a:blip>
+          <a:srcRect b="0" l="0" r="0" t="0"/>
+          <a:stretch/>
+        </p:blipFill>
+        <p:spPr>
+          <a:xfrm>
+            <a:off x="381000" y="457200"/>
+            <a:ext cx="2237740" cy="755015"/>
+          </a:xfrm>
+          <a:prstGeom prst="rect">
+            <a:avLst/>
+          </a:prstGeom>
+          <a:noFill/>
+          <a:ln>
+            <a:noFill/>
+          </a:ln>
+        </p:spPr>
+      </p:pic>
+      <p:sp>
+        <p:nvSpPr>
+          <p:cNvPr id="190" name="Google Shape;190;g27bfefe69db_0_13"/>
+          <p:cNvSpPr txBox="1"/>
+          <p:nvPr>
+            <p:ph idx="10" type="dt"/>
+          </p:nvPr>
+        </p:nvSpPr>
+        <p:spPr>
+          <a:xfrm>
+            <a:off x="457200" y="6356350"/>
+            <a:ext cx="2133600" cy="365100"/>
+          </a:xfrm>
+          <a:prstGeom prst="rect">
+            <a:avLst/>
+          </a:prstGeom>
+          <a:noFill/>
+          <a:ln>
+            <a:noFill/>
+          </a:ln>
+        </p:spPr>
+        <p:txBody>
+          <a:bodyPr anchorCtr="0" anchor="ctr" bIns="45700" lIns="91425" spcFirstLastPara="1" rIns="91425" wrap="square" tIns="45700">
+            <a:noAutofit/>
+          </a:bodyPr>
+          <a:lstStyle/>
+          <a:p>
+            <a:pPr indent="0" lvl="0" marL="0" rtl="0" algn="l">
+              <a:lnSpc>
+                <a:spcPct val="100000"/>
+              </a:lnSpc>
+              <a:spcBef>
+                <a:spcPts val="0"/>
+              </a:spcBef>
+              <a:spcAft>
+                <a:spcPts val="0"/>
+              </a:spcAft>
+              <a:buSzPts val="1400"/>
+              <a:buNone/>
+            </a:pPr>
+            <a:r>
+              <a:rPr b="1" lang="en-US"/>
+              <a:t>6-9-2023</a:t>
+            </a:r>
+            <a:endParaRPr/>
+          </a:p>
+        </p:txBody>
+      </p:sp>
+      <p:sp>
+        <p:nvSpPr>
+          <p:cNvPr id="191" name="Google Shape;191;g27bfefe69db_0_13"/>
+          <p:cNvSpPr txBox="1"/>
+          <p:nvPr>
+            <p:ph idx="12" type="sldNum"/>
+          </p:nvPr>
+        </p:nvSpPr>
+        <p:spPr>
+          <a:xfrm>
+            <a:off x="6553200" y="6356350"/>
+            <a:ext cx="2133600" cy="365100"/>
+          </a:xfrm>
+          <a:prstGeom prst="rect">
+            <a:avLst/>
+          </a:prstGeom>
+          <a:noFill/>
+          <a:ln>
+            <a:noFill/>
+          </a:ln>
+        </p:spPr>
+        <p:txBody>
+          <a:bodyPr anchorCtr="0" anchor="ctr" bIns="45700" lIns="91425" spcFirstLastPara="1" rIns="91425" wrap="square" tIns="45700">
+            <a:noAutofit/>
+          </a:bodyPr>
+          <a:lstStyle/>
+          <a:p>
+            <a:pPr indent="0" lvl="0" marL="0" rtl="0" algn="r">
+              <a:lnSpc>
+                <a:spcPct val="100000"/>
+              </a:lnSpc>
+              <a:spcBef>
+                <a:spcPts val="0"/>
+              </a:spcBef>
+              <a:spcAft>
+                <a:spcPts val="0"/>
+              </a:spcAft>
+              <a:buSzPts val="1200"/>
+              <a:buNone/>
+            </a:pPr>
+            <a:fld id="{00000000-1234-1234-1234-123412341234}" type="slidenum">
+              <a:rPr lang="en-US"/>
+              <a:t>‹#›</a:t>
+            </a:fld>
+            <a:endParaRPr/>
+          </a:p>
+        </p:txBody>
+      </p:sp>
+      <p:sp>
+        <p:nvSpPr>
+          <p:cNvPr id="192" name="Google Shape;192;g27bfefe69db_0_13"/>
+          <p:cNvSpPr txBox="1"/>
+          <p:nvPr/>
+        </p:nvSpPr>
+        <p:spPr>
+          <a:xfrm>
+            <a:off x="457200" y="2306638"/>
+            <a:ext cx="8686800" cy="3263100"/>
+          </a:xfrm>
+          <a:prstGeom prst="rect">
+            <a:avLst/>
+          </a:prstGeom>
+          <a:noFill/>
+          <a:ln>
+            <a:noFill/>
+          </a:ln>
+        </p:spPr>
+        <p:txBody>
+          <a:bodyPr anchorCtr="0" anchor="t" bIns="91425" lIns="91425" spcFirstLastPara="1" rIns="91425" wrap="square" tIns="91425">
+            <a:spAutoFit/>
+          </a:bodyPr>
+          <a:lstStyle/>
+          <a:p>
+            <a:pPr indent="0" lvl="0" marL="0" rtl="0" algn="just">
+              <a:spcBef>
+                <a:spcPts val="0"/>
+              </a:spcBef>
+              <a:spcAft>
+                <a:spcPts val="0"/>
+              </a:spcAft>
+              <a:buNone/>
+            </a:pPr>
+            <a:r>
+              <a:rPr lang="en-US" sz="1800">
+                <a:solidFill>
+                  <a:srgbClr val="343541"/>
+                </a:solidFill>
+                <a:latin typeface="Times New Roman"/>
+                <a:ea typeface="Times New Roman"/>
+                <a:cs typeface="Times New Roman"/>
+                <a:sym typeface="Times New Roman"/>
+              </a:rPr>
+              <a:t>The project utilizes the following algorithms:</a:t>
+            </a:r>
+            <a:endParaRPr sz="1800">
+              <a:solidFill>
+                <a:srgbClr val="343541"/>
+              </a:solidFill>
+              <a:latin typeface="Times New Roman"/>
+              <a:ea typeface="Times New Roman"/>
+              <a:cs typeface="Times New Roman"/>
+              <a:sym typeface="Times New Roman"/>
+            </a:endParaRPr>
+          </a:p>
+          <a:p>
+            <a:pPr indent="0" lvl="0" marL="0" rtl="0" algn="just">
+              <a:spcBef>
+                <a:spcPts val="0"/>
+              </a:spcBef>
+              <a:spcAft>
+                <a:spcPts val="0"/>
+              </a:spcAft>
+              <a:buNone/>
+            </a:pPr>
+            <a:r>
+              <a:t/>
+            </a:r>
+            <a:endParaRPr sz="1800">
+              <a:solidFill>
+                <a:srgbClr val="343541"/>
+              </a:solidFill>
+              <a:latin typeface="Times New Roman"/>
+              <a:ea typeface="Times New Roman"/>
+              <a:cs typeface="Times New Roman"/>
+              <a:sym typeface="Times New Roman"/>
+            </a:endParaRPr>
+          </a:p>
+          <a:p>
+            <a:pPr indent="0" lvl="0" marL="0" rtl="0" algn="just">
+              <a:spcBef>
+                <a:spcPts val="0"/>
+              </a:spcBef>
+              <a:spcAft>
+                <a:spcPts val="0"/>
+              </a:spcAft>
+              <a:buNone/>
+            </a:pPr>
+            <a:r>
+              <a:rPr b="1" lang="en-US" sz="2000">
+                <a:solidFill>
+                  <a:schemeClr val="dk1"/>
+                </a:solidFill>
+                <a:latin typeface="Times New Roman"/>
+                <a:ea typeface="Times New Roman"/>
+                <a:cs typeface="Times New Roman"/>
+                <a:sym typeface="Times New Roman"/>
+              </a:rPr>
+              <a:t>2.	Cosine Similarity</a:t>
+            </a:r>
+            <a:endParaRPr b="1" sz="2000">
+              <a:solidFill>
+                <a:srgbClr val="343541"/>
+              </a:solidFill>
+              <a:latin typeface="Times New Roman"/>
+              <a:ea typeface="Times New Roman"/>
+              <a:cs typeface="Times New Roman"/>
+              <a:sym typeface="Times New Roman"/>
+            </a:endParaRPr>
+          </a:p>
+          <a:p>
+            <a:pPr indent="0" lvl="0" marL="457200" rtl="0" algn="just">
+              <a:spcBef>
+                <a:spcPts val="0"/>
+              </a:spcBef>
+              <a:spcAft>
+                <a:spcPts val="0"/>
+              </a:spcAft>
+              <a:buNone/>
+            </a:pPr>
+            <a:r>
+              <a:t/>
+            </a:r>
+            <a:endParaRPr sz="1800">
+              <a:solidFill>
+                <a:srgbClr val="343541"/>
+              </a:solidFill>
+              <a:latin typeface="Times New Roman"/>
+              <a:ea typeface="Times New Roman"/>
+              <a:cs typeface="Times New Roman"/>
+              <a:sym typeface="Times New Roman"/>
+            </a:endParaRPr>
+          </a:p>
+          <a:p>
+            <a:pPr indent="0" lvl="0" marL="0" rtl="0" algn="just">
+              <a:spcBef>
+                <a:spcPts val="0"/>
+              </a:spcBef>
+              <a:spcAft>
+                <a:spcPts val="0"/>
+              </a:spcAft>
+              <a:buNone/>
+            </a:pPr>
+            <a:r>
+              <a:rPr lang="en-US" sz="1800">
+                <a:solidFill>
+                  <a:schemeClr val="dk1"/>
+                </a:solidFill>
+                <a:latin typeface="Times New Roman"/>
+                <a:ea typeface="Times New Roman"/>
+                <a:cs typeface="Times New Roman"/>
+                <a:sym typeface="Times New Roman"/>
+              </a:rPr>
+              <a:t>After vectorizing the user's symptoms and a dataset of known symptoms (presumably from a medical database), the code calculates the cosine similarity between these vectors. Cosine similarity is often used to measure the similarity between two vectors in a high-dimensional space, such as text documents.</a:t>
+            </a:r>
+            <a:endParaRPr sz="1800">
+              <a:solidFill>
+                <a:schemeClr val="dk1"/>
+              </a:solidFill>
+              <a:latin typeface="Times New Roman"/>
+              <a:ea typeface="Times New Roman"/>
+              <a:cs typeface="Times New Roman"/>
+              <a:sym typeface="Times New Roman"/>
+            </a:endParaRPr>
+          </a:p>
+          <a:p>
+            <a:pPr indent="0" lvl="0" marL="0" rtl="0" algn="just">
+              <a:spcBef>
+                <a:spcPts val="0"/>
+              </a:spcBef>
+              <a:spcAft>
+                <a:spcPts val="0"/>
+              </a:spcAft>
+              <a:buNone/>
+            </a:pPr>
+            <a:r>
+              <a:t/>
+            </a:r>
+            <a:endParaRPr sz="1800">
+              <a:solidFill>
+                <a:schemeClr val="dk1"/>
+              </a:solidFill>
+              <a:latin typeface="Times New Roman"/>
+              <a:ea typeface="Times New Roman"/>
+              <a:cs typeface="Times New Roman"/>
+              <a:sym typeface="Times New Roman"/>
+            </a:endParaRPr>
+          </a:p>
+          <a:p>
+            <a:pPr indent="0" lvl="0" marL="0" rtl="0" algn="just">
+              <a:spcBef>
+                <a:spcPts val="0"/>
+              </a:spcBef>
+              <a:spcAft>
+                <a:spcPts val="0"/>
+              </a:spcAft>
+              <a:buNone/>
+            </a:pPr>
+            <a:r>
+              <a:rPr lang="en-US" sz="1800" u="sng">
+                <a:solidFill>
+                  <a:schemeClr val="hlink"/>
+                </a:solidFill>
+                <a:latin typeface="Times New Roman"/>
+                <a:ea typeface="Times New Roman"/>
+                <a:cs typeface="Times New Roman"/>
+                <a:sym typeface="Times New Roman"/>
+                <a:hlinkClick r:id="rId4"/>
+              </a:rPr>
+              <a:t>https://www.sciencedirect.com/topics/computer-science/cosine-similarity</a:t>
+            </a:r>
+            <a:endParaRPr sz="1800" u="sng">
+              <a:solidFill>
+                <a:srgbClr val="0000FF"/>
+              </a:solidFill>
+              <a:latin typeface="Times New Roman"/>
+              <a:ea typeface="Times New Roman"/>
+              <a:cs typeface="Times New Roman"/>
+              <a:sym typeface="Times New Roman"/>
+            </a:endParaRPr>
+          </a:p>
+          <a:p>
+            <a:pPr indent="0" lvl="0" marL="0" rtl="0" algn="l">
+              <a:lnSpc>
+                <a:spcPct val="115000"/>
+              </a:lnSpc>
+              <a:spcBef>
+                <a:spcPts val="0"/>
+              </a:spcBef>
+              <a:spcAft>
+                <a:spcPts val="0"/>
+              </a:spcAft>
+              <a:buNone/>
+            </a:pPr>
+            <a:r>
+              <a:t/>
+            </a:r>
+            <a:endParaRPr sz="1800">
+              <a:solidFill>
+                <a:srgbClr val="D1D5DB"/>
+              </a:solidFill>
+              <a:highlight>
+                <a:srgbClr val="444654"/>
+              </a:highlight>
+              <a:latin typeface="Times New Roman"/>
+              <a:ea typeface="Times New Roman"/>
+              <a:cs typeface="Times New Roman"/>
+              <a:sym typeface="Times New Roman"/>
+            </a:endParaRPr>
+          </a:p>
+        </p:txBody>
+      </p:sp>
+      <p:sp>
+        <p:nvSpPr>
+          <p:cNvPr id="193" name="Google Shape;193;g27bfefe69db_0_13"/>
+          <p:cNvSpPr txBox="1"/>
+          <p:nvPr/>
+        </p:nvSpPr>
+        <p:spPr>
+          <a:xfrm>
+            <a:off x="3553200" y="350325"/>
+            <a:ext cx="3000000" cy="861900"/>
+          </a:xfrm>
+          <a:prstGeom prst="rect">
+            <a:avLst/>
+          </a:prstGeom>
+          <a:noFill/>
+          <a:ln>
+            <a:noFill/>
+          </a:ln>
+        </p:spPr>
+        <p:txBody>
+          <a:bodyPr anchorCtr="0" anchor="t" bIns="91425" lIns="91425" spcFirstLastPara="1" rIns="91425" wrap="square" tIns="91425">
+            <a:spAutoFit/>
+          </a:bodyPr>
+          <a:lstStyle/>
+          <a:p>
+            <a:pPr indent="0" lvl="0" marL="0" rtl="0" algn="ctr">
+              <a:spcBef>
+                <a:spcPts val="0"/>
+              </a:spcBef>
+              <a:spcAft>
+                <a:spcPts val="0"/>
+              </a:spcAft>
+              <a:buNone/>
+            </a:pPr>
+            <a:r>
+              <a:rPr lang="en-US" sz="4400">
+                <a:solidFill>
+                  <a:schemeClr val="dk1"/>
+                </a:solidFill>
+                <a:latin typeface="Calibri"/>
+                <a:ea typeface="Calibri"/>
+                <a:cs typeface="Calibri"/>
+                <a:sym typeface="Calibri"/>
+              </a:rPr>
+              <a:t> MEDIWISE</a:t>
+            </a:r>
+            <a:endParaRPr/>
+          </a:p>
+        </p:txBody>
+      </p:sp>
+    </p:spTree>
+  </p:cSld>
+  <p:clrMapOvr>
+    <a:masterClrMapping/>
+  </p:clrMapOvr>
+</p:sld>
+</file>
+
+<file path=ppt/slides/slide12.xml><?xml version="1.0" encoding="utf-8"?>
+<p:sld xmlns:a="http://schemas.openxmlformats.org/drawingml/2006/main" xmlns:r="http://schemas.openxmlformats.org/officeDocument/2006/relationships" xmlns:mc="http://schemas.openxmlformats.org/markup-compatibility/2006" xmlns:mv="urn:schemas-microsoft-com:mac:vml" xmlns:p="http://schemas.openxmlformats.org/presentationml/2006/main" xmlns:c="http://schemas.openxmlformats.org/drawingml/2006/chart" xmlns:dgm="http://schemas.openxmlformats.org/drawingml/2006/diagram" xmlns:o="urn:schemas-microsoft-com:office:office" xmlns:v="urn:schemas-microsoft-com:vml" xmlns:pvml="urn:schemas-microsoft-com:office:powerpoint" xmlns:com="http://schemas.openxmlformats.org/drawingml/2006/compatibility" xmlns:p14="http://schemas.microsoft.com/office/powerpoint/2010/main" xmlns:p15="http://schemas.microsoft.com/office/powerpoint/2012/main" xmlns:ahyp="http://schemas.microsoft.com/office/drawing/2018/hyperlinkcolor">
+  <p:cSld>
+    <p:spTree>
+      <p:nvGrpSpPr>
+        <p:cNvPr id="197" name="Shape 197"/>
+        <p:cNvGrpSpPr/>
+        <p:nvPr/>
+      </p:nvGrpSpPr>
+      <p:grpSpPr>
+        <a:xfrm>
+          <a:off x="0" y="0"/>
+          <a:ext cx="0" cy="0"/>
+          <a:chOff x="0" y="0"/>
+          <a:chExt cx="0" cy="0"/>
+        </a:xfrm>
+      </p:grpSpPr>
+      <p:sp>
+        <p:nvSpPr>
+          <p:cNvPr id="198" name="Google Shape;198;g27bfefe69db_0_24"/>
+          <p:cNvSpPr txBox="1"/>
+          <p:nvPr>
+            <p:ph idx="1" type="body"/>
+          </p:nvPr>
+        </p:nvSpPr>
+        <p:spPr>
+          <a:xfrm>
+            <a:off x="457200" y="1600200"/>
+            <a:ext cx="8229600" cy="4526100"/>
+          </a:xfrm>
+          <a:prstGeom prst="rect">
+            <a:avLst/>
+          </a:prstGeom>
+          <a:noFill/>
+          <a:ln>
+            <a:noFill/>
+          </a:ln>
+        </p:spPr>
+        <p:txBody>
+          <a:bodyPr anchorCtr="0" anchor="t" bIns="45700" lIns="91425" spcFirstLastPara="1" rIns="91425" wrap="square" tIns="45700">
+            <a:normAutofit/>
+          </a:bodyPr>
+          <a:lstStyle/>
+          <a:p>
+            <a:pPr indent="0" lvl="1" marL="0" rtl="0" algn="l">
+              <a:lnSpc>
+                <a:spcPct val="100000"/>
+              </a:lnSpc>
+              <a:spcBef>
+                <a:spcPts val="360"/>
+              </a:spcBef>
+              <a:spcAft>
+                <a:spcPts val="0"/>
+              </a:spcAft>
+              <a:buSzPts val="1800"/>
+              <a:buNone/>
+            </a:pPr>
+            <a:r>
+              <a:rPr lang="en-US">
+                <a:latin typeface="Times New Roman"/>
+                <a:ea typeface="Times New Roman"/>
+                <a:cs typeface="Times New Roman"/>
+                <a:sym typeface="Times New Roman"/>
+              </a:rPr>
+              <a:t>Algorithms</a:t>
+            </a:r>
+            <a:endParaRPr/>
+          </a:p>
+        </p:txBody>
+      </p:sp>
+      <p:pic>
+        <p:nvPicPr>
+          <p:cNvPr id="199" name="Google Shape;199;g27bfefe69db_0_24"/>
+          <p:cNvPicPr preferRelativeResize="0"/>
+          <p:nvPr/>
+        </p:nvPicPr>
+        <p:blipFill rotWithShape="1">
+          <a:blip r:embed="rId3">
+            <a:alphaModFix/>
+          </a:blip>
+          <a:srcRect b="0" l="0" r="0" t="0"/>
+          <a:stretch/>
+        </p:blipFill>
+        <p:spPr>
+          <a:xfrm>
+            <a:off x="381000" y="457200"/>
+            <a:ext cx="2237740" cy="755015"/>
+          </a:xfrm>
+          <a:prstGeom prst="rect">
+            <a:avLst/>
+          </a:prstGeom>
+          <a:noFill/>
+          <a:ln>
+            <a:noFill/>
+          </a:ln>
+        </p:spPr>
+      </p:pic>
+      <p:sp>
+        <p:nvSpPr>
+          <p:cNvPr id="200" name="Google Shape;200;g27bfefe69db_0_24"/>
+          <p:cNvSpPr txBox="1"/>
+          <p:nvPr>
+            <p:ph idx="10" type="dt"/>
+          </p:nvPr>
+        </p:nvSpPr>
+        <p:spPr>
+          <a:xfrm>
+            <a:off x="457200" y="6356350"/>
+            <a:ext cx="2133600" cy="365100"/>
+          </a:xfrm>
+          <a:prstGeom prst="rect">
+            <a:avLst/>
+          </a:prstGeom>
+          <a:noFill/>
+          <a:ln>
+            <a:noFill/>
+          </a:ln>
+        </p:spPr>
+        <p:txBody>
+          <a:bodyPr anchorCtr="0" anchor="ctr" bIns="45700" lIns="91425" spcFirstLastPara="1" rIns="91425" wrap="square" tIns="45700">
+            <a:noAutofit/>
+          </a:bodyPr>
+          <a:lstStyle/>
+          <a:p>
+            <a:pPr indent="0" lvl="0" marL="0" rtl="0" algn="l">
+              <a:lnSpc>
+                <a:spcPct val="100000"/>
+              </a:lnSpc>
+              <a:spcBef>
+                <a:spcPts val="0"/>
+              </a:spcBef>
+              <a:spcAft>
+                <a:spcPts val="0"/>
+              </a:spcAft>
+              <a:buSzPts val="1400"/>
+              <a:buNone/>
+            </a:pPr>
+            <a:r>
+              <a:rPr b="1" lang="en-US"/>
+              <a:t>6-9-2023</a:t>
+            </a:r>
+            <a:endParaRPr/>
+          </a:p>
+        </p:txBody>
+      </p:sp>
+      <p:sp>
+        <p:nvSpPr>
+          <p:cNvPr id="201" name="Google Shape;201;g27bfefe69db_0_24"/>
+          <p:cNvSpPr txBox="1"/>
+          <p:nvPr>
+            <p:ph idx="12" type="sldNum"/>
+          </p:nvPr>
+        </p:nvSpPr>
+        <p:spPr>
+          <a:xfrm>
+            <a:off x="6553200" y="6356350"/>
+            <a:ext cx="2133600" cy="365100"/>
+          </a:xfrm>
+          <a:prstGeom prst="rect">
+            <a:avLst/>
+          </a:prstGeom>
+          <a:noFill/>
+          <a:ln>
+            <a:noFill/>
+          </a:ln>
+        </p:spPr>
+        <p:txBody>
+          <a:bodyPr anchorCtr="0" anchor="ctr" bIns="45700" lIns="91425" spcFirstLastPara="1" rIns="91425" wrap="square" tIns="45700">
+            <a:noAutofit/>
+          </a:bodyPr>
+          <a:lstStyle/>
+          <a:p>
+            <a:pPr indent="0" lvl="0" marL="0" rtl="0" algn="r">
+              <a:lnSpc>
+                <a:spcPct val="100000"/>
+              </a:lnSpc>
+              <a:spcBef>
+                <a:spcPts val="0"/>
+              </a:spcBef>
+              <a:spcAft>
+                <a:spcPts val="0"/>
+              </a:spcAft>
+              <a:buSzPts val="1200"/>
+              <a:buNone/>
+            </a:pPr>
+            <a:fld id="{00000000-1234-1234-1234-123412341234}" type="slidenum">
+              <a:rPr lang="en-US"/>
+              <a:t>‹#›</a:t>
+            </a:fld>
+            <a:endParaRPr/>
+          </a:p>
+        </p:txBody>
+      </p:sp>
+      <p:sp>
+        <p:nvSpPr>
+          <p:cNvPr id="202" name="Google Shape;202;g27bfefe69db_0_24"/>
+          <p:cNvSpPr txBox="1"/>
+          <p:nvPr/>
+        </p:nvSpPr>
+        <p:spPr>
+          <a:xfrm>
+            <a:off x="457200" y="2306638"/>
+            <a:ext cx="8686800" cy="3817200"/>
+          </a:xfrm>
+          <a:prstGeom prst="rect">
+            <a:avLst/>
+          </a:prstGeom>
+          <a:noFill/>
+          <a:ln>
+            <a:noFill/>
+          </a:ln>
+        </p:spPr>
+        <p:txBody>
+          <a:bodyPr anchorCtr="0" anchor="t" bIns="91425" lIns="91425" spcFirstLastPara="1" rIns="91425" wrap="square" tIns="91425">
+            <a:spAutoFit/>
+          </a:bodyPr>
+          <a:lstStyle/>
+          <a:p>
+            <a:pPr indent="0" lvl="0" marL="0" rtl="0" algn="just">
+              <a:spcBef>
+                <a:spcPts val="0"/>
+              </a:spcBef>
+              <a:spcAft>
+                <a:spcPts val="0"/>
+              </a:spcAft>
+              <a:buNone/>
+            </a:pPr>
+            <a:r>
+              <a:rPr lang="en-US" sz="1800">
+                <a:solidFill>
+                  <a:srgbClr val="343541"/>
+                </a:solidFill>
+                <a:latin typeface="Times New Roman"/>
+                <a:ea typeface="Times New Roman"/>
+                <a:cs typeface="Times New Roman"/>
+                <a:sym typeface="Times New Roman"/>
+              </a:rPr>
+              <a:t>The project utilizes the following algorithms:</a:t>
+            </a:r>
+            <a:endParaRPr sz="1800">
+              <a:solidFill>
+                <a:srgbClr val="343541"/>
+              </a:solidFill>
+              <a:latin typeface="Times New Roman"/>
+              <a:ea typeface="Times New Roman"/>
+              <a:cs typeface="Times New Roman"/>
+              <a:sym typeface="Times New Roman"/>
+            </a:endParaRPr>
+          </a:p>
+          <a:p>
+            <a:pPr indent="0" lvl="0" marL="0" rtl="0" algn="just">
+              <a:spcBef>
+                <a:spcPts val="0"/>
+              </a:spcBef>
+              <a:spcAft>
+                <a:spcPts val="0"/>
+              </a:spcAft>
+              <a:buNone/>
+            </a:pPr>
+            <a:r>
+              <a:t/>
+            </a:r>
+            <a:endParaRPr sz="1800">
+              <a:solidFill>
+                <a:srgbClr val="343541"/>
+              </a:solidFill>
+              <a:latin typeface="Times New Roman"/>
+              <a:ea typeface="Times New Roman"/>
+              <a:cs typeface="Times New Roman"/>
+              <a:sym typeface="Times New Roman"/>
+            </a:endParaRPr>
+          </a:p>
+          <a:p>
+            <a:pPr indent="0" lvl="0" marL="0" rtl="0" algn="just">
+              <a:spcBef>
+                <a:spcPts val="0"/>
+              </a:spcBef>
+              <a:spcAft>
+                <a:spcPts val="0"/>
+              </a:spcAft>
+              <a:buNone/>
+            </a:pPr>
+            <a:r>
+              <a:rPr b="1" lang="en-US" sz="2000">
+                <a:solidFill>
+                  <a:schemeClr val="dk1"/>
+                </a:solidFill>
+                <a:latin typeface="Times New Roman"/>
+                <a:ea typeface="Times New Roman"/>
+                <a:cs typeface="Times New Roman"/>
+                <a:sym typeface="Times New Roman"/>
+              </a:rPr>
+              <a:t>3.	Jump Search </a:t>
+            </a:r>
+            <a:endParaRPr b="1" sz="2000">
+              <a:solidFill>
+                <a:srgbClr val="343541"/>
+              </a:solidFill>
+              <a:latin typeface="Times New Roman"/>
+              <a:ea typeface="Times New Roman"/>
+              <a:cs typeface="Times New Roman"/>
+              <a:sym typeface="Times New Roman"/>
+            </a:endParaRPr>
+          </a:p>
+          <a:p>
+            <a:pPr indent="0" lvl="0" marL="457200" rtl="0" algn="just">
+              <a:spcBef>
+                <a:spcPts val="0"/>
+              </a:spcBef>
+              <a:spcAft>
+                <a:spcPts val="0"/>
+              </a:spcAft>
+              <a:buNone/>
+            </a:pPr>
+            <a:r>
+              <a:t/>
+            </a:r>
+            <a:endParaRPr sz="1800">
+              <a:solidFill>
+                <a:srgbClr val="343541"/>
+              </a:solidFill>
+              <a:latin typeface="Times New Roman"/>
+              <a:ea typeface="Times New Roman"/>
+              <a:cs typeface="Times New Roman"/>
+              <a:sym typeface="Times New Roman"/>
+            </a:endParaRPr>
+          </a:p>
+          <a:p>
+            <a:pPr indent="0" lvl="0" marL="0" rtl="0" algn="just">
+              <a:spcBef>
+                <a:spcPts val="0"/>
+              </a:spcBef>
+              <a:spcAft>
+                <a:spcPts val="0"/>
+              </a:spcAft>
+              <a:buClr>
+                <a:schemeClr val="dk1"/>
+              </a:buClr>
+              <a:buSzPts val="1100"/>
+              <a:buFont typeface="Arial"/>
+              <a:buNone/>
+            </a:pPr>
+            <a:r>
+              <a:rPr lang="en-US" sz="1800">
+                <a:solidFill>
+                  <a:schemeClr val="dk1"/>
+                </a:solidFill>
+                <a:latin typeface="Times New Roman"/>
+                <a:ea typeface="Times New Roman"/>
+                <a:cs typeface="Times New Roman"/>
+                <a:sym typeface="Times New Roman"/>
+              </a:rPr>
+              <a:t>Like Binary Search, Jump Search is a searching algorithm for sorted arrays. The basic idea is to check fewer elements (than linear search) by jumping ahead by fixed steps or skipping some elements in place of searching all elements.It identifies diseases that are most similar to the user's symptoms based on the cosine similarity scores. It finds the disease(s) with the highest similarity score(s) and returns them as predictions.</a:t>
+            </a:r>
+            <a:endParaRPr sz="1800">
+              <a:solidFill>
+                <a:schemeClr val="dk1"/>
+              </a:solidFill>
+              <a:latin typeface="Times New Roman"/>
+              <a:ea typeface="Times New Roman"/>
+              <a:cs typeface="Times New Roman"/>
+              <a:sym typeface="Times New Roman"/>
+            </a:endParaRPr>
+          </a:p>
+          <a:p>
+            <a:pPr indent="0" lvl="0" marL="0" rtl="0" algn="just">
+              <a:spcBef>
+                <a:spcPts val="0"/>
+              </a:spcBef>
+              <a:spcAft>
+                <a:spcPts val="0"/>
+              </a:spcAft>
+              <a:buNone/>
+            </a:pPr>
+            <a:r>
+              <a:t/>
+            </a:r>
+            <a:endParaRPr sz="1800">
+              <a:solidFill>
+                <a:schemeClr val="dk1"/>
+              </a:solidFill>
+              <a:latin typeface="Times New Roman"/>
+              <a:ea typeface="Times New Roman"/>
+              <a:cs typeface="Times New Roman"/>
+              <a:sym typeface="Times New Roman"/>
+            </a:endParaRPr>
+          </a:p>
+          <a:p>
+            <a:pPr indent="0" lvl="0" marL="0" rtl="0" algn="just">
+              <a:spcBef>
+                <a:spcPts val="0"/>
+              </a:spcBef>
+              <a:spcAft>
+                <a:spcPts val="0"/>
+              </a:spcAft>
+              <a:buNone/>
+            </a:pPr>
+            <a:r>
+              <a:t/>
+            </a:r>
+            <a:endParaRPr sz="1800">
+              <a:solidFill>
+                <a:schemeClr val="dk1"/>
+              </a:solidFill>
+              <a:latin typeface="Times New Roman"/>
+              <a:ea typeface="Times New Roman"/>
+              <a:cs typeface="Times New Roman"/>
+              <a:sym typeface="Times New Roman"/>
+            </a:endParaRPr>
+          </a:p>
+          <a:p>
+            <a:pPr indent="0" lvl="0" marL="0" rtl="0" algn="just">
+              <a:spcBef>
+                <a:spcPts val="0"/>
+              </a:spcBef>
+              <a:spcAft>
+                <a:spcPts val="0"/>
+              </a:spcAft>
+              <a:buNone/>
+            </a:pPr>
+            <a:r>
+              <a:rPr lang="en-US" sz="1800" u="sng">
+                <a:solidFill>
+                  <a:schemeClr val="hlink"/>
+                </a:solidFill>
+                <a:latin typeface="Times New Roman"/>
+                <a:ea typeface="Times New Roman"/>
+                <a:cs typeface="Times New Roman"/>
+                <a:sym typeface="Times New Roman"/>
+                <a:hlinkClick r:id="rId4"/>
+              </a:rPr>
+              <a:t>https://www.geeksforgeeks.org/jump-search/</a:t>
+            </a:r>
+            <a:endParaRPr sz="1800" u="sng">
+              <a:solidFill>
+                <a:srgbClr val="0000FF"/>
+              </a:solidFill>
+              <a:latin typeface="Times New Roman"/>
+              <a:ea typeface="Times New Roman"/>
+              <a:cs typeface="Times New Roman"/>
+              <a:sym typeface="Times New Roman"/>
+            </a:endParaRPr>
+          </a:p>
+          <a:p>
+            <a:pPr indent="0" lvl="0" marL="0" rtl="0" algn="l">
+              <a:lnSpc>
+                <a:spcPct val="115000"/>
+              </a:lnSpc>
+              <a:spcBef>
+                <a:spcPts val="0"/>
+              </a:spcBef>
+              <a:spcAft>
+                <a:spcPts val="0"/>
+              </a:spcAft>
+              <a:buNone/>
+            </a:pPr>
+            <a:r>
+              <a:t/>
+            </a:r>
+            <a:endParaRPr sz="1800">
+              <a:solidFill>
+                <a:srgbClr val="D1D5DB"/>
+              </a:solidFill>
+              <a:highlight>
+                <a:srgbClr val="444654"/>
+              </a:highlight>
+              <a:latin typeface="Times New Roman"/>
+              <a:ea typeface="Times New Roman"/>
+              <a:cs typeface="Times New Roman"/>
+              <a:sym typeface="Times New Roman"/>
+            </a:endParaRPr>
+          </a:p>
+        </p:txBody>
+      </p:sp>
+      <p:sp>
+        <p:nvSpPr>
+          <p:cNvPr id="203" name="Google Shape;203;g27bfefe69db_0_24"/>
+          <p:cNvSpPr txBox="1"/>
+          <p:nvPr/>
+        </p:nvSpPr>
+        <p:spPr>
+          <a:xfrm>
+            <a:off x="3553200" y="350325"/>
+            <a:ext cx="3000000" cy="861900"/>
+          </a:xfrm>
+          <a:prstGeom prst="rect">
+            <a:avLst/>
+          </a:prstGeom>
+          <a:noFill/>
+          <a:ln>
+            <a:noFill/>
+          </a:ln>
+        </p:spPr>
+        <p:txBody>
+          <a:bodyPr anchorCtr="0" anchor="t" bIns="91425" lIns="91425" spcFirstLastPara="1" rIns="91425" wrap="square" tIns="91425">
+            <a:spAutoFit/>
+          </a:bodyPr>
+          <a:lstStyle/>
+          <a:p>
+            <a:pPr indent="0" lvl="0" marL="0" rtl="0" algn="ctr">
+              <a:spcBef>
+                <a:spcPts val="0"/>
+              </a:spcBef>
+              <a:spcAft>
+                <a:spcPts val="0"/>
+              </a:spcAft>
+              <a:buNone/>
+            </a:pPr>
+            <a:r>
+              <a:rPr lang="en-US" sz="4400">
+                <a:solidFill>
+                  <a:schemeClr val="dk1"/>
+                </a:solidFill>
+                <a:latin typeface="Calibri"/>
+                <a:ea typeface="Calibri"/>
+                <a:cs typeface="Calibri"/>
+                <a:sym typeface="Calibri"/>
+              </a:rPr>
+              <a:t> MEDIWISE</a:t>
+            </a:r>
+            <a:endParaRPr/>
+          </a:p>
+        </p:txBody>
+      </p:sp>
+    </p:spTree>
+  </p:cSld>
+  <p:clrMapOvr>
+    <a:masterClrMapping/>
+  </p:clrMapOvr>
+</p:sld>
+</file>
+
+<file path=ppt/slides/slide13.xml><?xml version="1.0" encoding="utf-8"?>
+<p:sld xmlns:a="http://schemas.openxmlformats.org/drawingml/2006/main" xmlns:r="http://schemas.openxmlformats.org/officeDocument/2006/relationships" xmlns:mc="http://schemas.openxmlformats.org/markup-compatibility/2006" xmlns:mv="urn:schemas-microsoft-com:mac:vml" xmlns:p="http://schemas.openxmlformats.org/presentationml/2006/main" xmlns:c="http://schemas.openxmlformats.org/drawingml/2006/chart" xmlns:dgm="http://schemas.openxmlformats.org/drawingml/2006/diagram" xmlns:o="urn:schemas-microsoft-com:office:office" xmlns:v="urn:schemas-microsoft-com:vml" xmlns:pvml="urn:schemas-microsoft-com:office:powerpoint" xmlns:com="http://schemas.openxmlformats.org/drawingml/2006/compatibility" xmlns:p14="http://schemas.microsoft.com/office/powerpoint/2010/main" xmlns:p15="http://schemas.microsoft.com/office/powerpoint/2012/main" xmlns:ahyp="http://schemas.microsoft.com/office/drawing/2018/hyperlinkcolor">
+  <p:cSld>
+    <p:spTree>
+      <p:nvGrpSpPr>
+        <p:cNvPr id="207" name="Shape 207"/>
+        <p:cNvGrpSpPr/>
+        <p:nvPr/>
+      </p:nvGrpSpPr>
+      <p:grpSpPr>
+        <a:xfrm>
+          <a:off x="0" y="0"/>
+          <a:ext cx="0" cy="0"/>
+          <a:chOff x="0" y="0"/>
+          <a:chExt cx="0" cy="0"/>
+        </a:xfrm>
+      </p:grpSpPr>
+      <p:sp>
+        <p:nvSpPr>
+          <p:cNvPr id="208" name="Google Shape;208;g27bfefe69db_0_35"/>
+          <p:cNvSpPr txBox="1"/>
+          <p:nvPr>
+            <p:ph idx="1" type="body"/>
+          </p:nvPr>
+        </p:nvSpPr>
+        <p:spPr>
+          <a:xfrm>
+            <a:off x="457200" y="1600200"/>
+            <a:ext cx="8229600" cy="4526100"/>
+          </a:xfrm>
+          <a:prstGeom prst="rect">
+            <a:avLst/>
+          </a:prstGeom>
+          <a:noFill/>
+          <a:ln>
+            <a:noFill/>
+          </a:ln>
+        </p:spPr>
+        <p:txBody>
+          <a:bodyPr anchorCtr="0" anchor="t" bIns="45700" lIns="91425" spcFirstLastPara="1" rIns="91425" wrap="square" tIns="45700">
+            <a:normAutofit/>
+          </a:bodyPr>
+          <a:lstStyle/>
+          <a:p>
+            <a:pPr indent="0" lvl="1" marL="0" rtl="0" algn="l">
+              <a:lnSpc>
+                <a:spcPct val="100000"/>
+              </a:lnSpc>
+              <a:spcBef>
+                <a:spcPts val="360"/>
+              </a:spcBef>
+              <a:spcAft>
+                <a:spcPts val="0"/>
+              </a:spcAft>
+              <a:buSzPts val="1800"/>
+              <a:buNone/>
+            </a:pPr>
+            <a:r>
+              <a:rPr lang="en-US">
+                <a:latin typeface="Times New Roman"/>
+                <a:ea typeface="Times New Roman"/>
+                <a:cs typeface="Times New Roman"/>
+                <a:sym typeface="Times New Roman"/>
+              </a:rPr>
+              <a:t>Algorithms</a:t>
+            </a:r>
+            <a:endParaRPr/>
+          </a:p>
+        </p:txBody>
+      </p:sp>
+      <p:pic>
+        <p:nvPicPr>
+          <p:cNvPr id="209" name="Google Shape;209;g27bfefe69db_0_35"/>
+          <p:cNvPicPr preferRelativeResize="0"/>
+          <p:nvPr/>
+        </p:nvPicPr>
+        <p:blipFill rotWithShape="1">
+          <a:blip r:embed="rId3">
+            <a:alphaModFix/>
+          </a:blip>
+          <a:srcRect b="0" l="0" r="0" t="0"/>
+          <a:stretch/>
+        </p:blipFill>
+        <p:spPr>
+          <a:xfrm>
+            <a:off x="381000" y="457200"/>
+            <a:ext cx="2237740" cy="755015"/>
+          </a:xfrm>
+          <a:prstGeom prst="rect">
+            <a:avLst/>
+          </a:prstGeom>
+          <a:noFill/>
+          <a:ln>
+            <a:noFill/>
+          </a:ln>
+        </p:spPr>
+      </p:pic>
+      <p:sp>
+        <p:nvSpPr>
+          <p:cNvPr id="210" name="Google Shape;210;g27bfefe69db_0_35"/>
+          <p:cNvSpPr txBox="1"/>
+          <p:nvPr>
+            <p:ph idx="10" type="dt"/>
+          </p:nvPr>
+        </p:nvSpPr>
+        <p:spPr>
+          <a:xfrm>
+            <a:off x="457200" y="6356350"/>
+            <a:ext cx="2133600" cy="365100"/>
+          </a:xfrm>
+          <a:prstGeom prst="rect">
+            <a:avLst/>
+          </a:prstGeom>
+          <a:noFill/>
+          <a:ln>
+            <a:noFill/>
+          </a:ln>
+        </p:spPr>
+        <p:txBody>
+          <a:bodyPr anchorCtr="0" anchor="ctr" bIns="45700" lIns="91425" spcFirstLastPara="1" rIns="91425" wrap="square" tIns="45700">
+            <a:noAutofit/>
+          </a:bodyPr>
+          <a:lstStyle/>
+          <a:p>
+            <a:pPr indent="0" lvl="0" marL="0" rtl="0" algn="l">
+              <a:lnSpc>
+                <a:spcPct val="100000"/>
+              </a:lnSpc>
+              <a:spcBef>
+                <a:spcPts val="0"/>
+              </a:spcBef>
+              <a:spcAft>
+                <a:spcPts val="0"/>
+              </a:spcAft>
+              <a:buSzPts val="1400"/>
+              <a:buNone/>
+            </a:pPr>
+            <a:r>
+              <a:rPr b="1" lang="en-US"/>
+              <a:t>6-9-2023</a:t>
+            </a:r>
+            <a:endParaRPr/>
+          </a:p>
+        </p:txBody>
+      </p:sp>
+      <p:sp>
+        <p:nvSpPr>
+          <p:cNvPr id="211" name="Google Shape;211;g27bfefe69db_0_35"/>
+          <p:cNvSpPr txBox="1"/>
+          <p:nvPr>
+            <p:ph idx="12" type="sldNum"/>
+          </p:nvPr>
+        </p:nvSpPr>
+        <p:spPr>
+          <a:xfrm>
+            <a:off x="6553200" y="6356350"/>
+            <a:ext cx="2133600" cy="365100"/>
+          </a:xfrm>
+          <a:prstGeom prst="rect">
+            <a:avLst/>
+          </a:prstGeom>
+          <a:noFill/>
+          <a:ln>
+            <a:noFill/>
+          </a:ln>
+        </p:spPr>
+        <p:txBody>
+          <a:bodyPr anchorCtr="0" anchor="ctr" bIns="45700" lIns="91425" spcFirstLastPara="1" rIns="91425" wrap="square" tIns="45700">
+            <a:noAutofit/>
+          </a:bodyPr>
+          <a:lstStyle/>
+          <a:p>
+            <a:pPr indent="0" lvl="0" marL="0" rtl="0" algn="r">
+              <a:lnSpc>
+                <a:spcPct val="100000"/>
+              </a:lnSpc>
+              <a:spcBef>
+                <a:spcPts val="0"/>
+              </a:spcBef>
+              <a:spcAft>
+                <a:spcPts val="0"/>
+              </a:spcAft>
+              <a:buSzPts val="1200"/>
+              <a:buNone/>
+            </a:pPr>
+            <a:fld id="{00000000-1234-1234-1234-123412341234}" type="slidenum">
+              <a:rPr lang="en-US"/>
+              <a:t>‹#›</a:t>
+            </a:fld>
+            <a:endParaRPr/>
+          </a:p>
+        </p:txBody>
+      </p:sp>
+      <p:sp>
+        <p:nvSpPr>
+          <p:cNvPr id="212" name="Google Shape;212;g27bfefe69db_0_35"/>
+          <p:cNvSpPr txBox="1"/>
+          <p:nvPr/>
+        </p:nvSpPr>
+        <p:spPr>
+          <a:xfrm>
+            <a:off x="457200" y="2306638"/>
+            <a:ext cx="8686800" cy="3540300"/>
+          </a:xfrm>
+          <a:prstGeom prst="rect">
+            <a:avLst/>
+          </a:prstGeom>
+          <a:noFill/>
+          <a:ln>
+            <a:noFill/>
+          </a:ln>
+        </p:spPr>
+        <p:txBody>
+          <a:bodyPr anchorCtr="0" anchor="t" bIns="91425" lIns="91425" spcFirstLastPara="1" rIns="91425" wrap="square" tIns="91425">
+            <a:spAutoFit/>
+          </a:bodyPr>
+          <a:lstStyle/>
+          <a:p>
+            <a:pPr indent="0" lvl="0" marL="0" rtl="0" algn="just">
+              <a:spcBef>
+                <a:spcPts val="0"/>
+              </a:spcBef>
+              <a:spcAft>
+                <a:spcPts val="0"/>
+              </a:spcAft>
+              <a:buNone/>
+            </a:pPr>
+            <a:r>
+              <a:rPr lang="en-US" sz="1800">
+                <a:solidFill>
+                  <a:srgbClr val="343541"/>
+                </a:solidFill>
+                <a:latin typeface="Times New Roman"/>
+                <a:ea typeface="Times New Roman"/>
+                <a:cs typeface="Times New Roman"/>
+                <a:sym typeface="Times New Roman"/>
+              </a:rPr>
+              <a:t>The project utilizes the following algorithms:</a:t>
+            </a:r>
+            <a:endParaRPr sz="1800">
+              <a:solidFill>
+                <a:srgbClr val="343541"/>
+              </a:solidFill>
+              <a:latin typeface="Times New Roman"/>
+              <a:ea typeface="Times New Roman"/>
+              <a:cs typeface="Times New Roman"/>
+              <a:sym typeface="Times New Roman"/>
+            </a:endParaRPr>
+          </a:p>
+          <a:p>
+            <a:pPr indent="0" lvl="0" marL="0" rtl="0" algn="just">
+              <a:spcBef>
+                <a:spcPts val="0"/>
+              </a:spcBef>
+              <a:spcAft>
+                <a:spcPts val="0"/>
+              </a:spcAft>
+              <a:buNone/>
+            </a:pPr>
+            <a:r>
+              <a:t/>
+            </a:r>
+            <a:endParaRPr sz="1800">
+              <a:solidFill>
+                <a:srgbClr val="343541"/>
+              </a:solidFill>
+              <a:latin typeface="Times New Roman"/>
+              <a:ea typeface="Times New Roman"/>
+              <a:cs typeface="Times New Roman"/>
+              <a:sym typeface="Times New Roman"/>
+            </a:endParaRPr>
+          </a:p>
+          <a:p>
+            <a:pPr indent="0" lvl="0" marL="0" rtl="0" algn="just">
+              <a:spcBef>
+                <a:spcPts val="0"/>
+              </a:spcBef>
+              <a:spcAft>
+                <a:spcPts val="0"/>
+              </a:spcAft>
+              <a:buNone/>
+            </a:pPr>
+            <a:r>
+              <a:rPr b="1" lang="en-US" sz="2000">
+                <a:solidFill>
+                  <a:schemeClr val="dk1"/>
+                </a:solidFill>
+                <a:latin typeface="Times New Roman"/>
+                <a:ea typeface="Times New Roman"/>
+                <a:cs typeface="Times New Roman"/>
+                <a:sym typeface="Times New Roman"/>
+              </a:rPr>
+              <a:t>4.	</a:t>
+            </a:r>
+            <a:r>
+              <a:rPr b="1" lang="en-US" sz="2000">
+                <a:solidFill>
+                  <a:schemeClr val="dk1"/>
+                </a:solidFill>
+                <a:latin typeface="Times New Roman"/>
+                <a:ea typeface="Times New Roman"/>
+                <a:cs typeface="Times New Roman"/>
+                <a:sym typeface="Times New Roman"/>
+              </a:rPr>
+              <a:t>Data Cleaning</a:t>
+            </a:r>
+            <a:endParaRPr b="1" sz="2000">
+              <a:solidFill>
+                <a:srgbClr val="343541"/>
+              </a:solidFill>
+              <a:latin typeface="Times New Roman"/>
+              <a:ea typeface="Times New Roman"/>
+              <a:cs typeface="Times New Roman"/>
+              <a:sym typeface="Times New Roman"/>
+            </a:endParaRPr>
+          </a:p>
+          <a:p>
+            <a:pPr indent="0" lvl="0" marL="457200" rtl="0" algn="just">
+              <a:spcBef>
+                <a:spcPts val="0"/>
+              </a:spcBef>
+              <a:spcAft>
+                <a:spcPts val="0"/>
+              </a:spcAft>
+              <a:buNone/>
+            </a:pPr>
+            <a:r>
+              <a:t/>
+            </a:r>
+            <a:endParaRPr sz="1800">
+              <a:solidFill>
+                <a:srgbClr val="343541"/>
+              </a:solidFill>
+              <a:latin typeface="Times New Roman"/>
+              <a:ea typeface="Times New Roman"/>
+              <a:cs typeface="Times New Roman"/>
+              <a:sym typeface="Times New Roman"/>
+            </a:endParaRPr>
+          </a:p>
+          <a:p>
+            <a:pPr indent="0" lvl="0" marL="0" rtl="0" algn="just">
+              <a:spcBef>
+                <a:spcPts val="0"/>
+              </a:spcBef>
+              <a:spcAft>
+                <a:spcPts val="0"/>
+              </a:spcAft>
+              <a:buNone/>
+            </a:pPr>
+            <a:r>
+              <a:rPr lang="en-US" sz="1800">
+                <a:solidFill>
+                  <a:schemeClr val="dk1"/>
+                </a:solidFill>
+                <a:latin typeface="Times New Roman"/>
+                <a:ea typeface="Times New Roman"/>
+                <a:cs typeface="Times New Roman"/>
+                <a:sym typeface="Times New Roman"/>
+              </a:rPr>
+              <a:t>Data cleaning is a crucial step in the machine learning (ML) pipeline, as it involves identifying and removing any missing, duplicate, or irrelevant data. The goal of data cleaning is to ensure that the data is accurate, consistent, and free of errors, as incorrect or inconsistent data can negatively impact the performance of the ML model.</a:t>
+            </a:r>
+            <a:endParaRPr sz="1800">
+              <a:solidFill>
+                <a:schemeClr val="dk1"/>
+              </a:solidFill>
+              <a:latin typeface="Times New Roman"/>
+              <a:ea typeface="Times New Roman"/>
+              <a:cs typeface="Times New Roman"/>
+              <a:sym typeface="Times New Roman"/>
+            </a:endParaRPr>
+          </a:p>
+          <a:p>
+            <a:pPr indent="0" lvl="0" marL="0" rtl="0" algn="just">
+              <a:spcBef>
+                <a:spcPts val="0"/>
+              </a:spcBef>
+              <a:spcAft>
+                <a:spcPts val="0"/>
+              </a:spcAft>
+              <a:buNone/>
+            </a:pPr>
+            <a:r>
+              <a:t/>
+            </a:r>
+            <a:endParaRPr sz="1800">
+              <a:solidFill>
+                <a:schemeClr val="dk1"/>
+              </a:solidFill>
+              <a:latin typeface="Times New Roman"/>
+              <a:ea typeface="Times New Roman"/>
+              <a:cs typeface="Times New Roman"/>
+              <a:sym typeface="Times New Roman"/>
+            </a:endParaRPr>
+          </a:p>
+          <a:p>
+            <a:pPr indent="0" lvl="0" marL="0" rtl="0" algn="just">
+              <a:spcBef>
+                <a:spcPts val="0"/>
+              </a:spcBef>
+              <a:spcAft>
+                <a:spcPts val="0"/>
+              </a:spcAft>
+              <a:buNone/>
+            </a:pPr>
+            <a:r>
+              <a:t/>
+            </a:r>
+            <a:endParaRPr sz="1800">
+              <a:solidFill>
+                <a:schemeClr val="dk1"/>
+              </a:solidFill>
+              <a:latin typeface="Times New Roman"/>
+              <a:ea typeface="Times New Roman"/>
+              <a:cs typeface="Times New Roman"/>
+              <a:sym typeface="Times New Roman"/>
+            </a:endParaRPr>
+          </a:p>
+          <a:p>
+            <a:pPr indent="0" lvl="0" marL="0" rtl="0" algn="just">
+              <a:spcBef>
+                <a:spcPts val="0"/>
+              </a:spcBef>
+              <a:spcAft>
+                <a:spcPts val="0"/>
+              </a:spcAft>
+              <a:buNone/>
+            </a:pPr>
+            <a:r>
+              <a:rPr lang="en-US" sz="1800" u="sng">
+                <a:solidFill>
+                  <a:schemeClr val="hlink"/>
+                </a:solidFill>
+                <a:latin typeface="Times New Roman"/>
+                <a:ea typeface="Times New Roman"/>
+                <a:cs typeface="Times New Roman"/>
+                <a:sym typeface="Times New Roman"/>
+                <a:hlinkClick r:id="rId4"/>
+              </a:rPr>
+              <a:t>https://www.tableau.com/learn/articles/what-is-data-cleaning</a:t>
+            </a:r>
+            <a:endParaRPr sz="1800" u="sng">
+              <a:solidFill>
+                <a:srgbClr val="0000FF"/>
+              </a:solidFill>
+              <a:latin typeface="Times New Roman"/>
+              <a:ea typeface="Times New Roman"/>
+              <a:cs typeface="Times New Roman"/>
+              <a:sym typeface="Times New Roman"/>
+            </a:endParaRPr>
+          </a:p>
+          <a:p>
+            <a:pPr indent="0" lvl="0" marL="0" rtl="0" algn="l">
+              <a:lnSpc>
+                <a:spcPct val="115000"/>
+              </a:lnSpc>
+              <a:spcBef>
+                <a:spcPts val="0"/>
+              </a:spcBef>
+              <a:spcAft>
+                <a:spcPts val="0"/>
+              </a:spcAft>
+              <a:buNone/>
+            </a:pPr>
+            <a:r>
+              <a:t/>
+            </a:r>
+            <a:endParaRPr sz="1800">
+              <a:solidFill>
+                <a:srgbClr val="D1D5DB"/>
+              </a:solidFill>
+              <a:highlight>
+                <a:srgbClr val="444654"/>
+              </a:highlight>
+              <a:latin typeface="Times New Roman"/>
+              <a:ea typeface="Times New Roman"/>
+              <a:cs typeface="Times New Roman"/>
+              <a:sym typeface="Times New Roman"/>
+            </a:endParaRPr>
+          </a:p>
+        </p:txBody>
+      </p:sp>
+      <p:sp>
+        <p:nvSpPr>
+          <p:cNvPr id="213" name="Google Shape;213;g27bfefe69db_0_35"/>
+          <p:cNvSpPr txBox="1"/>
+          <p:nvPr/>
+        </p:nvSpPr>
+        <p:spPr>
+          <a:xfrm>
+            <a:off x="3553200" y="350325"/>
+            <a:ext cx="3000000" cy="861900"/>
+          </a:xfrm>
+          <a:prstGeom prst="rect">
+            <a:avLst/>
+          </a:prstGeom>
+          <a:noFill/>
+          <a:ln>
+            <a:noFill/>
+          </a:ln>
+        </p:spPr>
+        <p:txBody>
+          <a:bodyPr anchorCtr="0" anchor="t" bIns="91425" lIns="91425" spcFirstLastPara="1" rIns="91425" wrap="square" tIns="91425">
+            <a:spAutoFit/>
+          </a:bodyPr>
+          <a:lstStyle/>
+          <a:p>
+            <a:pPr indent="0" lvl="0" marL="0" rtl="0" algn="ctr">
+              <a:spcBef>
+                <a:spcPts val="0"/>
+              </a:spcBef>
+              <a:spcAft>
+                <a:spcPts val="0"/>
+              </a:spcAft>
+              <a:buNone/>
+            </a:pPr>
+            <a:r>
+              <a:rPr lang="en-US" sz="4400">
+                <a:solidFill>
+                  <a:schemeClr val="dk1"/>
+                </a:solidFill>
+                <a:latin typeface="Calibri"/>
+                <a:ea typeface="Calibri"/>
+                <a:cs typeface="Calibri"/>
+                <a:sym typeface="Calibri"/>
+              </a:rPr>
+              <a:t> MEDIWISE</a:t>
+            </a:r>
+            <a:endParaRPr/>
+          </a:p>
+        </p:txBody>
+      </p:sp>
+    </p:spTree>
+  </p:cSld>
+  <p:clrMapOvr>
+    <a:masterClrMapping/>
+  </p:clrMapOvr>
+</p:sld>
+</file>
+
+<file path=ppt/slides/slide14.xml><?xml version="1.0" encoding="utf-8"?>
+<p:sld xmlns:a="http://schemas.openxmlformats.org/drawingml/2006/main" xmlns:r="http://schemas.openxmlformats.org/officeDocument/2006/relationships" xmlns:mc="http://schemas.openxmlformats.org/markup-compatibility/2006" xmlns:mv="urn:schemas-microsoft-com:mac:vml" xmlns:p="http://schemas.openxmlformats.org/presentationml/2006/main" xmlns:c="http://schemas.openxmlformats.org/drawingml/2006/chart" xmlns:dgm="http://schemas.openxmlformats.org/drawingml/2006/diagram" xmlns:o="urn:schemas-microsoft-com:office:office" xmlns:v="urn:schemas-microsoft-com:vml" xmlns:pvml="urn:schemas-microsoft-com:office:powerpoint" xmlns:com="http://schemas.openxmlformats.org/drawingml/2006/compatibility" xmlns:p14="http://schemas.microsoft.com/office/powerpoint/2010/main" xmlns:p15="http://schemas.microsoft.com/office/powerpoint/2012/main" xmlns:ahyp="http://schemas.microsoft.com/office/drawing/2018/hyperlinkcolor">
+  <p:cSld>
+    <p:spTree>
+      <p:nvGrpSpPr>
+        <p:cNvPr id="217" name="Shape 217"/>
+        <p:cNvGrpSpPr/>
+        <p:nvPr/>
+      </p:nvGrpSpPr>
+      <p:grpSpPr>
+        <a:xfrm>
+          <a:off x="0" y="0"/>
+          <a:ext cx="0" cy="0"/>
+          <a:chOff x="0" y="0"/>
+          <a:chExt cx="0" cy="0"/>
+        </a:xfrm>
+      </p:grpSpPr>
+      <p:sp>
+        <p:nvSpPr>
+          <p:cNvPr id="218" name="Google Shape;218;p21"/>
+          <p:cNvSpPr txBox="1"/>
+          <p:nvPr>
+            <p:ph idx="1" type="body"/>
+          </p:nvPr>
+        </p:nvSpPr>
+        <p:spPr>
+          <a:xfrm>
+            <a:off x="457200" y="1600200"/>
+            <a:ext cx="8229600" cy="4525963"/>
+          </a:xfrm>
+          <a:prstGeom prst="rect">
+            <a:avLst/>
+          </a:prstGeom>
+          <a:noFill/>
+          <a:ln>
+            <a:noFill/>
+          </a:ln>
+        </p:spPr>
+        <p:txBody>
+          <a:bodyPr anchorCtr="0" anchor="t" bIns="45700" lIns="91425" spcFirstLastPara="1" rIns="91425" wrap="square" tIns="45700">
+            <a:normAutofit/>
+          </a:bodyPr>
+          <a:lstStyle/>
+          <a:p>
+            <a:pPr indent="0" lvl="1" marL="0" rtl="0" algn="l">
+              <a:lnSpc>
+                <a:spcPct val="100000"/>
+              </a:lnSpc>
+              <a:spcBef>
+                <a:spcPts val="360"/>
+              </a:spcBef>
+              <a:spcAft>
+                <a:spcPts val="0"/>
+              </a:spcAft>
+              <a:buSzPts val="1800"/>
+              <a:buNone/>
+            </a:pPr>
+            <a:r>
+              <a:rPr lang="en-US">
+                <a:latin typeface="Times New Roman"/>
+                <a:ea typeface="Times New Roman"/>
+                <a:cs typeface="Times New Roman"/>
+                <a:sym typeface="Times New Roman"/>
+              </a:rPr>
+              <a:t>Intermediate Results and Discussion</a:t>
+            </a:r>
+            <a:endParaRPr/>
+          </a:p>
+        </p:txBody>
+      </p:sp>
+      <p:pic>
+        <p:nvPicPr>
+          <p:cNvPr id="219" name="Google Shape;219;p21"/>
+          <p:cNvPicPr preferRelativeResize="0"/>
+          <p:nvPr/>
+        </p:nvPicPr>
+        <p:blipFill rotWithShape="1">
+          <a:blip r:embed="rId3">
+            <a:alphaModFix/>
+          </a:blip>
+          <a:srcRect b="0" l="0" r="0" t="0"/>
+          <a:stretch/>
+        </p:blipFill>
+        <p:spPr>
+          <a:xfrm>
+            <a:off x="381000" y="457200"/>
+            <a:ext cx="2237740" cy="755015"/>
+          </a:xfrm>
+          <a:prstGeom prst="rect">
+            <a:avLst/>
+          </a:prstGeom>
+          <a:noFill/>
+          <a:ln>
+            <a:noFill/>
+          </a:ln>
+        </p:spPr>
+      </p:pic>
+      <p:sp>
+        <p:nvSpPr>
+          <p:cNvPr id="220" name="Google Shape;220;p21"/>
           <p:cNvSpPr txBox="1"/>
           <p:nvPr>
             <p:ph idx="10" type="dt"/>
@@ -19588,7 +22143,7 @@
       </p:sp>
       <p:sp>
         <p:nvSpPr>
-          <p:cNvPr id="181" name="Google Shape;181;p21"/>
+          <p:cNvPr id="221" name="Google Shape;221;p21"/>
           <p:cNvSpPr txBox="1"/>
           <p:nvPr>
             <p:ph idx="12" type="sldNum"/>
@@ -19636,7 +22191,7 @@
       </p:sp>
       <p:sp>
         <p:nvSpPr>
-          <p:cNvPr id="182" name="Google Shape;182;p21"/>
+          <p:cNvPr id="222" name="Google Shape;222;p21"/>
           <p:cNvSpPr txBox="1"/>
           <p:nvPr/>
         </p:nvSpPr>
@@ -19686,7 +22241,7 @@
       </p:sp>
       <p:pic>
         <p:nvPicPr>
-          <p:cNvPr id="183" name="Google Shape;183;p21"/>
+          <p:cNvPr id="223" name="Google Shape;223;p21"/>
           <p:cNvPicPr preferRelativeResize="0"/>
           <p:nvPr/>
         </p:nvPicPr>
@@ -19719,12 +22274,12 @@
 </p:sld>
 </file>
 
-<file path=ppt/slides/slide11.xml><?xml version="1.0" encoding="utf-8"?>
+<file path=ppt/slides/slide15.xml><?xml version="1.0" encoding="utf-8"?>
 <p:sld xmlns:a="http://schemas.openxmlformats.org/drawingml/2006/main" xmlns:r="http://schemas.openxmlformats.org/officeDocument/2006/relationships" xmlns:mc="http://schemas.openxmlformats.org/markup-compatibility/2006" xmlns:mv="urn:schemas-microsoft-com:mac:vml" xmlns:p="http://schemas.openxmlformats.org/presentationml/2006/main" xmlns:c="http://schemas.openxmlformats.org/drawingml/2006/chart" xmlns:dgm="http://schemas.openxmlformats.org/drawingml/2006/diagram" xmlns:o="urn:schemas-microsoft-com:office:office" xmlns:v="urn:schemas-microsoft-com:vml" xmlns:pvml="urn:schemas-microsoft-com:office:powerpoint" xmlns:com="http://schemas.openxmlformats.org/drawingml/2006/compatibility" xmlns:p14="http://schemas.microsoft.com/office/powerpoint/2010/main" xmlns:p15="http://schemas.microsoft.com/office/powerpoint/2012/main" xmlns:ahyp="http://schemas.microsoft.com/office/drawing/2018/hyperlinkcolor">
   <p:cSld>
     <p:spTree>
       <p:nvGrpSpPr>
-        <p:cNvPr id="187" name="Shape 187"/>
+        <p:cNvPr id="227" name="Shape 227"/>
         <p:cNvGrpSpPr/>
         <p:nvPr/>
       </p:nvGrpSpPr>
@@ -19738,7 +22293,7 @@
       </p:grpSpPr>
       <p:sp>
         <p:nvSpPr>
-          <p:cNvPr id="188" name="Google Shape;188;g27b54a5cafb_0_30"/>
+          <p:cNvPr id="228" name="Google Shape;228;g27b54a5cafb_0_30"/>
           <p:cNvSpPr txBox="1"/>
           <p:nvPr>
             <p:ph idx="1" type="body"/>
@@ -19791,7 +22346,7 @@
       </p:sp>
       <p:pic>
         <p:nvPicPr>
-          <p:cNvPr id="189" name="Google Shape;189;g27b54a5cafb_0_30"/>
+          <p:cNvPr id="229" name="Google Shape;229;g27b54a5cafb_0_30"/>
           <p:cNvPicPr preferRelativeResize="0"/>
           <p:nvPr/>
         </p:nvPicPr>
@@ -19818,7 +22373,7 @@
       </p:pic>
       <p:sp>
         <p:nvSpPr>
-          <p:cNvPr id="190" name="Google Shape;190;g27b54a5cafb_0_30"/>
+          <p:cNvPr id="230" name="Google Shape;230;g27b54a5cafb_0_30"/>
           <p:cNvSpPr txBox="1"/>
           <p:nvPr>
             <p:ph idx="10" type="dt"/>
@@ -19866,7 +22421,7 @@
       </p:sp>
       <p:sp>
         <p:nvSpPr>
-          <p:cNvPr id="191" name="Google Shape;191;g27b54a5cafb_0_30"/>
+          <p:cNvPr id="231" name="Google Shape;231;g27b54a5cafb_0_30"/>
           <p:cNvSpPr txBox="1"/>
           <p:nvPr>
             <p:ph idx="12" type="sldNum"/>
@@ -19914,7 +22469,7 @@
       </p:sp>
       <p:sp>
         <p:nvSpPr>
-          <p:cNvPr id="192" name="Google Shape;192;g27b54a5cafb_0_30"/>
+          <p:cNvPr id="232" name="Google Shape;232;g27b54a5cafb_0_30"/>
           <p:cNvSpPr txBox="1"/>
           <p:nvPr/>
         </p:nvSpPr>
@@ -19964,7 +22519,7 @@
       </p:sp>
       <p:pic>
         <p:nvPicPr>
-          <p:cNvPr id="193" name="Google Shape;193;g27b54a5cafb_0_30"/>
+          <p:cNvPr id="233" name="Google Shape;233;g27b54a5cafb_0_30"/>
           <p:cNvPicPr preferRelativeResize="0"/>
           <p:nvPr/>
         </p:nvPicPr>
@@ -19997,12 +22552,12 @@
 </p:sld>
 </file>
 
-<file path=ppt/slides/slide12.xml><?xml version="1.0" encoding="utf-8"?>
+<file path=ppt/slides/slide16.xml><?xml version="1.0" encoding="utf-8"?>
 <p:sld xmlns:a="http://schemas.openxmlformats.org/drawingml/2006/main" xmlns:r="http://schemas.openxmlformats.org/officeDocument/2006/relationships" xmlns:mc="http://schemas.openxmlformats.org/markup-compatibility/2006" xmlns:mv="urn:schemas-microsoft-com:mac:vml" xmlns:p="http://schemas.openxmlformats.org/presentationml/2006/main" xmlns:c="http://schemas.openxmlformats.org/drawingml/2006/chart" xmlns:dgm="http://schemas.openxmlformats.org/drawingml/2006/diagram" xmlns:o="urn:schemas-microsoft-com:office:office" xmlns:v="urn:schemas-microsoft-com:vml" xmlns:pvml="urn:schemas-microsoft-com:office:powerpoint" xmlns:com="http://schemas.openxmlformats.org/drawingml/2006/compatibility" xmlns:p14="http://schemas.microsoft.com/office/powerpoint/2010/main" xmlns:p15="http://schemas.microsoft.com/office/powerpoint/2012/main" xmlns:ahyp="http://schemas.microsoft.com/office/drawing/2018/hyperlinkcolor">
   <p:cSld>
     <p:spTree>
       <p:nvGrpSpPr>
-        <p:cNvPr id="197" name="Shape 197"/>
+        <p:cNvPr id="237" name="Shape 237"/>
         <p:cNvGrpSpPr/>
         <p:nvPr/>
       </p:nvGrpSpPr>
@@ -20016,7 +22571,7 @@
       </p:grpSpPr>
       <p:sp>
         <p:nvSpPr>
-          <p:cNvPr id="198" name="Google Shape;198;g27b54a5cafb_0_39"/>
+          <p:cNvPr id="238" name="Google Shape;238;g27b54a5cafb_0_39"/>
           <p:cNvSpPr txBox="1"/>
           <p:nvPr>
             <p:ph idx="1" type="body"/>
@@ -20069,7 +22624,7 @@
       </p:sp>
       <p:pic>
         <p:nvPicPr>
-          <p:cNvPr id="199" name="Google Shape;199;g27b54a5cafb_0_39"/>
+          <p:cNvPr id="239" name="Google Shape;239;g27b54a5cafb_0_39"/>
           <p:cNvPicPr preferRelativeResize="0"/>
           <p:nvPr/>
         </p:nvPicPr>
@@ -20096,7 +22651,7 @@
       </p:pic>
       <p:sp>
         <p:nvSpPr>
-          <p:cNvPr id="200" name="Google Shape;200;g27b54a5cafb_0_39"/>
+          <p:cNvPr id="240" name="Google Shape;240;g27b54a5cafb_0_39"/>
           <p:cNvSpPr txBox="1"/>
           <p:nvPr>
             <p:ph idx="10" type="dt"/>
@@ -20144,7 +22699,7 @@
       </p:sp>
       <p:sp>
         <p:nvSpPr>
-          <p:cNvPr id="201" name="Google Shape;201;g27b54a5cafb_0_39"/>
+          <p:cNvPr id="241" name="Google Shape;241;g27b54a5cafb_0_39"/>
           <p:cNvSpPr txBox="1"/>
           <p:nvPr>
             <p:ph idx="12" type="sldNum"/>
@@ -20192,7 +22747,7 @@
       </p:sp>
       <p:sp>
         <p:nvSpPr>
-          <p:cNvPr id="202" name="Google Shape;202;g27b54a5cafb_0_39"/>
+          <p:cNvPr id="242" name="Google Shape;242;g27b54a5cafb_0_39"/>
           <p:cNvSpPr txBox="1"/>
           <p:nvPr/>
         </p:nvSpPr>
@@ -20242,7 +22797,7 @@
       </p:sp>
       <p:pic>
         <p:nvPicPr>
-          <p:cNvPr id="203" name="Google Shape;203;g27b54a5cafb_0_39"/>
+          <p:cNvPr id="243" name="Google Shape;243;g27b54a5cafb_0_39"/>
           <p:cNvPicPr preferRelativeResize="0"/>
           <p:nvPr/>
         </p:nvPicPr>
@@ -20275,12 +22830,12 @@
 </p:sld>
 </file>
 
-<file path=ppt/slides/slide13.xml><?xml version="1.0" encoding="utf-8"?>
+<file path=ppt/slides/slide17.xml><?xml version="1.0" encoding="utf-8"?>
 <p:sld xmlns:a="http://schemas.openxmlformats.org/drawingml/2006/main" xmlns:r="http://schemas.openxmlformats.org/officeDocument/2006/relationships" xmlns:mc="http://schemas.openxmlformats.org/markup-compatibility/2006" xmlns:mv="urn:schemas-microsoft-com:mac:vml" xmlns:p="http://schemas.openxmlformats.org/presentationml/2006/main" xmlns:c="http://schemas.openxmlformats.org/drawingml/2006/chart" xmlns:dgm="http://schemas.openxmlformats.org/drawingml/2006/diagram" xmlns:o="urn:schemas-microsoft-com:office:office" xmlns:v="urn:schemas-microsoft-com:vml" xmlns:pvml="urn:schemas-microsoft-com:office:powerpoint" xmlns:com="http://schemas.openxmlformats.org/drawingml/2006/compatibility" xmlns:p14="http://schemas.microsoft.com/office/powerpoint/2010/main" xmlns:p15="http://schemas.microsoft.com/office/powerpoint/2012/main" xmlns:ahyp="http://schemas.microsoft.com/office/drawing/2018/hyperlinkcolor">
   <p:cSld>
     <p:spTree>
       <p:nvGrpSpPr>
-        <p:cNvPr id="207" name="Shape 207"/>
+        <p:cNvPr id="247" name="Shape 247"/>
         <p:cNvGrpSpPr/>
         <p:nvPr/>
       </p:nvGrpSpPr>
@@ -20294,7 +22849,7 @@
       </p:grpSpPr>
       <p:sp>
         <p:nvSpPr>
-          <p:cNvPr id="208" name="Google Shape;208;p22"/>
+          <p:cNvPr id="248" name="Google Shape;248;p22"/>
           <p:cNvSpPr txBox="1"/>
           <p:nvPr>
             <p:ph idx="1" type="body"/>
@@ -20386,7 +22941,7 @@
       </p:sp>
       <p:pic>
         <p:nvPicPr>
-          <p:cNvPr id="209" name="Google Shape;209;p22"/>
+          <p:cNvPr id="249" name="Google Shape;249;p22"/>
           <p:cNvPicPr preferRelativeResize="0"/>
           <p:nvPr/>
         </p:nvPicPr>
@@ -20413,7 +22968,7 @@
       </p:pic>
       <p:sp>
         <p:nvSpPr>
-          <p:cNvPr id="210" name="Google Shape;210;p22"/>
+          <p:cNvPr id="250" name="Google Shape;250;p22"/>
           <p:cNvSpPr txBox="1"/>
           <p:nvPr>
             <p:ph idx="10" type="dt"/>
@@ -20461,7 +23016,7 @@
       </p:sp>
       <p:sp>
         <p:nvSpPr>
-          <p:cNvPr id="211" name="Google Shape;211;p22"/>
+          <p:cNvPr id="251" name="Google Shape;251;p22"/>
           <p:cNvSpPr txBox="1"/>
           <p:nvPr>
             <p:ph idx="12" type="sldNum"/>
@@ -20509,7 +23064,7 @@
       </p:sp>
       <p:sp>
         <p:nvSpPr>
-          <p:cNvPr id="212" name="Google Shape;212;p22"/>
+          <p:cNvPr id="252" name="Google Shape;252;p22"/>
           <p:cNvSpPr txBox="1"/>
           <p:nvPr/>
         </p:nvSpPr>
@@ -20559,14 +23114,14 @@
       </p:sp>
       <p:sp>
         <p:nvSpPr>
-          <p:cNvPr id="213" name="Google Shape;213;p22"/>
+          <p:cNvPr id="253" name="Google Shape;253;p22"/>
           <p:cNvSpPr txBox="1"/>
           <p:nvPr/>
         </p:nvSpPr>
         <p:spPr>
           <a:xfrm>
             <a:off x="712925" y="2611450"/>
-            <a:ext cx="8229600" cy="3232500"/>
+            <a:ext cx="8229600" cy="3263100"/>
           </a:xfrm>
           <a:prstGeom prst="rect">
             <a:avLst/>
@@ -20592,7 +23147,7 @@
               <a:buNone/>
             </a:pPr>
             <a:r>
-              <a:rPr b="1" lang="en-US" sz="1800">
+              <a:rPr b="1" lang="en-US" sz="2000">
                 <a:solidFill>
                   <a:schemeClr val="dk1"/>
                 </a:solidFill>
@@ -20601,10 +23156,10 @@
                 <a:cs typeface="Times New Roman"/>
                 <a:sym typeface="Times New Roman"/>
               </a:rPr>
-              <a:t>Paper</a:t>
-            </a:r>
-            <a:r>
-              <a:rPr b="1" lang="en-US" sz="1800">
+              <a:t>Paper 1</a:t>
+            </a:r>
+            <a:r>
+              <a:rPr b="1" lang="en-US" sz="2000">
                 <a:solidFill>
                   <a:schemeClr val="dk1"/>
                 </a:solidFill>
@@ -20613,22 +23168,10 @@
                 <a:cs typeface="Times New Roman"/>
                 <a:sym typeface="Times New Roman"/>
               </a:rPr>
-              <a:t>:</a:t>
-            </a:r>
-            <a:r>
-              <a:rPr lang="en-US" sz="1800">
-                <a:solidFill>
-                  <a:schemeClr val="dk1"/>
-                </a:solidFill>
-                <a:latin typeface="Times New Roman"/>
-                <a:ea typeface="Times New Roman"/>
-                <a:cs typeface="Times New Roman"/>
-                <a:sym typeface="Times New Roman"/>
-              </a:rPr>
-              <a:t> </a:t>
-            </a:r>
-            <a:r>
-              <a:rPr lang="en-US" sz="1800" u="sng">
+              <a:t>: </a:t>
+            </a:r>
+            <a:r>
+              <a:rPr b="1" i="1" lang="en-US" sz="2000">
                 <a:solidFill>
                   <a:schemeClr val="dk1"/>
                 </a:solidFill>
@@ -20639,7 +23182,7 @@
               </a:rPr>
               <a:t>Chatbot for Healthcare System Using Artificial Intelligence</a:t>
             </a:r>
-            <a:endParaRPr sz="1800" u="sng">
+            <a:endParaRPr b="1" i="1" sz="2000">
               <a:solidFill>
                 <a:schemeClr val="dk1"/>
               </a:solidFill>
@@ -20964,12 +23507,12 @@
 </p:sld>
 </file>
 
-<file path=ppt/slides/slide14.xml><?xml version="1.0" encoding="utf-8"?>
+<file path=ppt/slides/slide18.xml><?xml version="1.0" encoding="utf-8"?>
 <p:sld xmlns:a="http://schemas.openxmlformats.org/drawingml/2006/main" xmlns:r="http://schemas.openxmlformats.org/officeDocument/2006/relationships" xmlns:mc="http://schemas.openxmlformats.org/markup-compatibility/2006" xmlns:mv="urn:schemas-microsoft-com:mac:vml" xmlns:p="http://schemas.openxmlformats.org/presentationml/2006/main" xmlns:c="http://schemas.openxmlformats.org/drawingml/2006/chart" xmlns:dgm="http://schemas.openxmlformats.org/drawingml/2006/diagram" xmlns:o="urn:schemas-microsoft-com:office:office" xmlns:v="urn:schemas-microsoft-com:vml" xmlns:pvml="urn:schemas-microsoft-com:office:powerpoint" xmlns:com="http://schemas.openxmlformats.org/drawingml/2006/compatibility" xmlns:p14="http://schemas.microsoft.com/office/powerpoint/2010/main" xmlns:p15="http://schemas.microsoft.com/office/powerpoint/2012/main" xmlns:ahyp="http://schemas.microsoft.com/office/drawing/2018/hyperlinkcolor">
   <p:cSld>
     <p:spTree>
       <p:nvGrpSpPr>
-        <p:cNvPr id="217" name="Shape 217"/>
+        <p:cNvPr id="257" name="Shape 257"/>
         <p:cNvGrpSpPr/>
         <p:nvPr/>
       </p:nvGrpSpPr>
@@ -20983,7 +23526,7 @@
       </p:grpSpPr>
       <p:sp>
         <p:nvSpPr>
-          <p:cNvPr id="218" name="Google Shape;218;g27ba4e28dd2_0_15"/>
+          <p:cNvPr id="258" name="Google Shape;258;g27ba4e28dd2_0_15"/>
           <p:cNvSpPr txBox="1"/>
           <p:nvPr>
             <p:ph idx="1" type="body"/>
@@ -21060,7 +23603,7 @@
       </p:sp>
       <p:pic>
         <p:nvPicPr>
-          <p:cNvPr id="219" name="Google Shape;219;g27ba4e28dd2_0_15"/>
+          <p:cNvPr id="259" name="Google Shape;259;g27ba4e28dd2_0_15"/>
           <p:cNvPicPr preferRelativeResize="0"/>
           <p:nvPr/>
         </p:nvPicPr>
@@ -21087,7 +23630,7 @@
       </p:pic>
       <p:sp>
         <p:nvSpPr>
-          <p:cNvPr id="220" name="Google Shape;220;g27ba4e28dd2_0_15"/>
+          <p:cNvPr id="260" name="Google Shape;260;g27ba4e28dd2_0_15"/>
           <p:cNvSpPr txBox="1"/>
           <p:nvPr>
             <p:ph idx="10" type="dt"/>
@@ -21135,7 +23678,7 @@
       </p:sp>
       <p:sp>
         <p:nvSpPr>
-          <p:cNvPr id="221" name="Google Shape;221;g27ba4e28dd2_0_15"/>
+          <p:cNvPr id="261" name="Google Shape;261;g27ba4e28dd2_0_15"/>
           <p:cNvSpPr txBox="1"/>
           <p:nvPr>
             <p:ph idx="12" type="sldNum"/>
@@ -21183,7 +23726,7 @@
       </p:sp>
       <p:sp>
         <p:nvSpPr>
-          <p:cNvPr id="222" name="Google Shape;222;g27ba4e28dd2_0_15"/>
+          <p:cNvPr id="262" name="Google Shape;262;g27ba4e28dd2_0_15"/>
           <p:cNvSpPr txBox="1"/>
           <p:nvPr/>
         </p:nvSpPr>
@@ -21233,7 +23776,7 @@
       </p:sp>
       <p:sp>
         <p:nvSpPr>
-          <p:cNvPr id="223" name="Google Shape;223;g27ba4e28dd2_0_15"/>
+          <p:cNvPr id="263" name="Google Shape;263;g27ba4e28dd2_0_15"/>
           <p:cNvSpPr txBox="1"/>
           <p:nvPr/>
         </p:nvSpPr>
@@ -21275,7 +23818,7 @@
                 <a:cs typeface="Times New Roman"/>
                 <a:sym typeface="Times New Roman"/>
               </a:rPr>
-              <a:t>Paper:</a:t>
+              <a:t>Paper 1:</a:t>
             </a:r>
             <a:r>
               <a:rPr lang="en-US" sz="1800">
@@ -21290,7 +23833,7 @@
               <a:t> </a:t>
             </a:r>
             <a:r>
-              <a:rPr lang="en-US" sz="1800" u="sng">
+              <a:rPr i="1" lang="en-US" sz="1800">
                 <a:solidFill>
                   <a:schemeClr val="dk1"/>
                 </a:solidFill>
@@ -21301,7 +23844,7 @@
               </a:rPr>
               <a:t>Chatbot for Healthcare System Using Artificial Intelligence</a:t>
             </a:r>
-            <a:endParaRPr sz="1800" u="sng">
+            <a:endParaRPr i="1" sz="1800">
               <a:solidFill>
                 <a:schemeClr val="dk1"/>
               </a:solidFill>
@@ -21430,7 +23973,7 @@
       </p:sp>
       <p:graphicFrame>
         <p:nvGraphicFramePr>
-          <p:cNvPr id="224" name="Google Shape;224;g27ba4e28dd2_0_15"/>
+          <p:cNvPr id="264" name="Google Shape;264;g27ba4e28dd2_0_15"/>
           <p:cNvGraphicFramePr/>
           <p:nvPr/>
         </p:nvGraphicFramePr>
@@ -21443,7 +23986,7 @@
             <a:tbl>
               <a:tblPr>
                 <a:noFill/>
-                <a:tableStyleId>{E29442A0-7909-495E-A6CD-14AAAE505F85}</a:tableStyleId>
+                <a:tableStyleId>{FBB833D0-C8CD-4BB4-B632-36587DD76A75}</a:tableStyleId>
               </a:tblPr>
               <a:tblGrid>
                 <a:gridCol w="4294200"/>
@@ -22148,12 +24691,12 @@
 </p:sld>
 </file>
 
-<file path=ppt/slides/slide15.xml><?xml version="1.0" encoding="utf-8"?>
+<file path=ppt/slides/slide19.xml><?xml version="1.0" encoding="utf-8"?>
 <p:sld xmlns:a="http://schemas.openxmlformats.org/drawingml/2006/main" xmlns:r="http://schemas.openxmlformats.org/officeDocument/2006/relationships" xmlns:mc="http://schemas.openxmlformats.org/markup-compatibility/2006" xmlns:mv="urn:schemas-microsoft-com:mac:vml" xmlns:p="http://schemas.openxmlformats.org/presentationml/2006/main" xmlns:c="http://schemas.openxmlformats.org/drawingml/2006/chart" xmlns:dgm="http://schemas.openxmlformats.org/drawingml/2006/diagram" xmlns:o="urn:schemas-microsoft-com:office:office" xmlns:v="urn:schemas-microsoft-com:vml" xmlns:pvml="urn:schemas-microsoft-com:office:powerpoint" xmlns:com="http://schemas.openxmlformats.org/drawingml/2006/compatibility" xmlns:p14="http://schemas.microsoft.com/office/powerpoint/2010/main" xmlns:p15="http://schemas.microsoft.com/office/powerpoint/2012/main" xmlns:ahyp="http://schemas.microsoft.com/office/drawing/2018/hyperlinkcolor">
   <p:cSld>
     <p:spTree>
       <p:nvGrpSpPr>
-        <p:cNvPr id="228" name="Shape 228"/>
+        <p:cNvPr id="268" name="Shape 268"/>
         <p:cNvGrpSpPr/>
         <p:nvPr/>
       </p:nvGrpSpPr>
@@ -22167,7 +24710,7 @@
       </p:grpSpPr>
       <p:sp>
         <p:nvSpPr>
-          <p:cNvPr id="229" name="Google Shape;229;g27ba4e28dd2_0_26"/>
+          <p:cNvPr id="269" name="Google Shape;269;g27ba4e28dd2_0_26"/>
           <p:cNvSpPr txBox="1"/>
           <p:nvPr>
             <p:ph idx="1" type="body"/>
@@ -22250,7 +24793,7 @@
       </p:sp>
       <p:pic>
         <p:nvPicPr>
-          <p:cNvPr id="230" name="Google Shape;230;g27ba4e28dd2_0_26"/>
+          <p:cNvPr id="270" name="Google Shape;270;g27ba4e28dd2_0_26"/>
           <p:cNvPicPr preferRelativeResize="0"/>
           <p:nvPr/>
         </p:nvPicPr>
@@ -22277,7 +24820,7 @@
       </p:pic>
       <p:sp>
         <p:nvSpPr>
-          <p:cNvPr id="231" name="Google Shape;231;g27ba4e28dd2_0_26"/>
+          <p:cNvPr id="271" name="Google Shape;271;g27ba4e28dd2_0_26"/>
           <p:cNvSpPr txBox="1"/>
           <p:nvPr>
             <p:ph idx="10" type="dt"/>
@@ -22325,7 +24868,7 @@
       </p:sp>
       <p:sp>
         <p:nvSpPr>
-          <p:cNvPr id="232" name="Google Shape;232;g27ba4e28dd2_0_26"/>
+          <p:cNvPr id="272" name="Google Shape;272;g27ba4e28dd2_0_26"/>
           <p:cNvSpPr txBox="1"/>
           <p:nvPr>
             <p:ph idx="12" type="sldNum"/>
@@ -22373,7 +24916,7 @@
       </p:sp>
       <p:sp>
         <p:nvSpPr>
-          <p:cNvPr id="233" name="Google Shape;233;g27ba4e28dd2_0_26"/>
+          <p:cNvPr id="273" name="Google Shape;273;g27ba4e28dd2_0_26"/>
           <p:cNvSpPr txBox="1"/>
           <p:nvPr/>
         </p:nvSpPr>
@@ -22423,14 +24966,14 @@
       </p:sp>
       <p:sp>
         <p:nvSpPr>
-          <p:cNvPr id="234" name="Google Shape;234;g27ba4e28dd2_0_26"/>
+          <p:cNvPr id="274" name="Google Shape;274;g27ba4e28dd2_0_26"/>
           <p:cNvSpPr txBox="1"/>
           <p:nvPr/>
         </p:nvSpPr>
         <p:spPr>
           <a:xfrm>
             <a:off x="712925" y="2611450"/>
-            <a:ext cx="8229600" cy="2678100"/>
+            <a:ext cx="8229600" cy="2709000"/>
           </a:xfrm>
           <a:prstGeom prst="rect">
             <a:avLst/>
@@ -22456,7 +24999,7 @@
               <a:buNone/>
             </a:pPr>
             <a:r>
-              <a:rPr b="1" lang="en-US" sz="1800">
+              <a:rPr b="1" lang="en-US" sz="2000">
                 <a:solidFill>
                   <a:schemeClr val="dk1"/>
                 </a:solidFill>
@@ -22465,10 +25008,10 @@
                 <a:cs typeface="Times New Roman"/>
                 <a:sym typeface="Times New Roman"/>
               </a:rPr>
-              <a:t>Paper:</a:t>
-            </a:r>
-            <a:r>
-              <a:rPr lang="en-US" sz="1800">
+              <a:t>Paper 2:</a:t>
+            </a:r>
+            <a:r>
+              <a:rPr lang="en-US" sz="2000">
                 <a:solidFill>
                   <a:schemeClr val="dk1"/>
                 </a:solidFill>
@@ -22480,7 +25023,7 @@
               <a:t> </a:t>
             </a:r>
             <a:r>
-              <a:rPr lang="en-US" sz="1800" u="sng">
+              <a:rPr b="1" i="1" lang="en-US" sz="2000">
                 <a:solidFill>
                   <a:schemeClr val="dk1"/>
                 </a:solidFill>
@@ -22491,7 +25034,7 @@
               </a:rPr>
               <a:t>Mega Bot – The Healthcare Chatbot</a:t>
             </a:r>
-            <a:endParaRPr sz="1800" u="sng">
+            <a:endParaRPr b="1" i="1" sz="2000">
               <a:solidFill>
                 <a:schemeClr val="dk1"/>
               </a:solidFill>
@@ -22816,12 +25359,12 @@
 </p:sld>
 </file>
 
-<file path=ppt/slides/slide16.xml><?xml version="1.0" encoding="utf-8"?>
+<file path=ppt/slides/slide2.xml><?xml version="1.0" encoding="utf-8"?>
 <p:sld xmlns:a="http://schemas.openxmlformats.org/drawingml/2006/main" xmlns:r="http://schemas.openxmlformats.org/officeDocument/2006/relationships" xmlns:mc="http://schemas.openxmlformats.org/markup-compatibility/2006" xmlns:mv="urn:schemas-microsoft-com:mac:vml" xmlns:p="http://schemas.openxmlformats.org/presentationml/2006/main" xmlns:c="http://schemas.openxmlformats.org/drawingml/2006/chart" xmlns:dgm="http://schemas.openxmlformats.org/drawingml/2006/diagram" xmlns:o="urn:schemas-microsoft-com:office:office" xmlns:v="urn:schemas-microsoft-com:vml" xmlns:pvml="urn:schemas-microsoft-com:office:powerpoint" xmlns:com="http://schemas.openxmlformats.org/drawingml/2006/compatibility" xmlns:p14="http://schemas.microsoft.com/office/powerpoint/2010/main" xmlns:p15="http://schemas.microsoft.com/office/powerpoint/2012/main" xmlns:ahyp="http://schemas.microsoft.com/office/drawing/2018/hyperlinkcolor">
   <p:cSld>
     <p:spTree>
       <p:nvGrpSpPr>
-        <p:cNvPr id="238" name="Shape 238"/>
+        <p:cNvPr id="96" name="Shape 96"/>
         <p:cNvGrpSpPr/>
         <p:nvPr/>
       </p:nvGrpSpPr>
@@ -22835,7 +25378,589 @@
       </p:grpSpPr>
       <p:sp>
         <p:nvSpPr>
-          <p:cNvPr id="239" name="Google Shape;239;g27ba4e28dd2_0_35"/>
+          <p:cNvPr id="97" name="Google Shape;97;p2"/>
+          <p:cNvSpPr txBox="1"/>
+          <p:nvPr>
+            <p:ph type="title"/>
+          </p:nvPr>
+        </p:nvSpPr>
+        <p:spPr>
+          <a:xfrm>
+            <a:off x="457200" y="274638"/>
+            <a:ext cx="8229600" cy="1143000"/>
+          </a:xfrm>
+          <a:prstGeom prst="rect">
+            <a:avLst/>
+          </a:prstGeom>
+          <a:noFill/>
+          <a:ln>
+            <a:noFill/>
+          </a:ln>
+        </p:spPr>
+        <p:txBody>
+          <a:bodyPr anchorCtr="0" anchor="ctr" bIns="45700" lIns="91425" spcFirstLastPara="1" rIns="91425" wrap="square" tIns="45700">
+            <a:normAutofit/>
+          </a:bodyPr>
+          <a:lstStyle/>
+          <a:p>
+            <a:pPr indent="0" lvl="0" marL="0" rtl="0" algn="ctr">
+              <a:lnSpc>
+                <a:spcPct val="100000"/>
+              </a:lnSpc>
+              <a:spcBef>
+                <a:spcPts val="0"/>
+              </a:spcBef>
+              <a:spcAft>
+                <a:spcPts val="0"/>
+              </a:spcAft>
+              <a:buClr>
+                <a:schemeClr val="dk1"/>
+              </a:buClr>
+              <a:buSzPts val="4400"/>
+              <a:buFont typeface="Calibri"/>
+              <a:buNone/>
+            </a:pPr>
+            <a:r>
+              <a:rPr lang="en-US"/>
+              <a:t>      MEDIWISE</a:t>
+            </a:r>
+            <a:endParaRPr/>
+          </a:p>
+        </p:txBody>
+      </p:sp>
+      <p:sp>
+        <p:nvSpPr>
+          <p:cNvPr id="98" name="Google Shape;98;p2"/>
+          <p:cNvSpPr txBox="1"/>
+          <p:nvPr>
+            <p:ph idx="1" type="body"/>
+          </p:nvPr>
+        </p:nvSpPr>
+        <p:spPr>
+          <a:xfrm>
+            <a:off x="457200" y="1600200"/>
+            <a:ext cx="8229600" cy="4525963"/>
+          </a:xfrm>
+          <a:prstGeom prst="rect">
+            <a:avLst/>
+          </a:prstGeom>
+          <a:noFill/>
+          <a:ln>
+            <a:noFill/>
+          </a:ln>
+        </p:spPr>
+        <p:txBody>
+          <a:bodyPr anchorCtr="0" anchor="t" bIns="45700" lIns="91425" spcFirstLastPara="1" rIns="91425" wrap="square" tIns="45700">
+            <a:normAutofit/>
+          </a:bodyPr>
+          <a:lstStyle/>
+          <a:p>
+            <a:pPr indent="0" lvl="0" marL="0" rtl="0" algn="l">
+              <a:lnSpc>
+                <a:spcPct val="100000"/>
+              </a:lnSpc>
+              <a:spcBef>
+                <a:spcPts val="0"/>
+              </a:spcBef>
+              <a:spcAft>
+                <a:spcPts val="0"/>
+              </a:spcAft>
+              <a:buClr>
+                <a:schemeClr val="dk1"/>
+              </a:buClr>
+              <a:buSzPts val="3200"/>
+              <a:buNone/>
+            </a:pPr>
+            <a:r>
+              <a:rPr lang="en-US" sz="6700">
+                <a:latin typeface="Times New Roman"/>
+                <a:ea typeface="Times New Roman"/>
+                <a:cs typeface="Times New Roman"/>
+                <a:sym typeface="Times New Roman"/>
+              </a:rPr>
+              <a:t> </a:t>
+            </a:r>
+            <a:r>
+              <a:rPr lang="en-US">
+                <a:latin typeface="Times New Roman"/>
+                <a:ea typeface="Times New Roman"/>
+                <a:cs typeface="Times New Roman"/>
+                <a:sym typeface="Times New Roman"/>
+              </a:rPr>
+              <a:t> Abstract </a:t>
+            </a:r>
+            <a:r>
+              <a:rPr lang="en-US" sz="4702">
+                <a:latin typeface="Times New Roman"/>
+                <a:ea typeface="Times New Roman"/>
+                <a:cs typeface="Times New Roman"/>
+                <a:sym typeface="Times New Roman"/>
+              </a:rPr>
+              <a:t> </a:t>
+            </a:r>
+            <a:r>
+              <a:rPr lang="en-US">
+                <a:latin typeface="Times New Roman"/>
+                <a:ea typeface="Times New Roman"/>
+                <a:cs typeface="Times New Roman"/>
+                <a:sym typeface="Times New Roman"/>
+              </a:rPr>
+              <a:t>                  </a:t>
+            </a:r>
+            <a:endParaRPr>
+              <a:latin typeface="Times New Roman"/>
+              <a:ea typeface="Times New Roman"/>
+              <a:cs typeface="Times New Roman"/>
+              <a:sym typeface="Times New Roman"/>
+            </a:endParaRPr>
+          </a:p>
+          <a:p>
+            <a:pPr indent="0" lvl="0" marL="203200" rtl="0" algn="l">
+              <a:lnSpc>
+                <a:spcPct val="100000"/>
+              </a:lnSpc>
+              <a:spcBef>
+                <a:spcPts val="640"/>
+              </a:spcBef>
+              <a:spcAft>
+                <a:spcPts val="0"/>
+              </a:spcAft>
+              <a:buClr>
+                <a:schemeClr val="dk1"/>
+              </a:buClr>
+              <a:buSzPts val="3200"/>
+              <a:buNone/>
+            </a:pPr>
+            <a:r>
+              <a:t/>
+            </a:r>
+            <a:endParaRPr>
+              <a:latin typeface="Times New Roman"/>
+              <a:ea typeface="Times New Roman"/>
+              <a:cs typeface="Times New Roman"/>
+              <a:sym typeface="Times New Roman"/>
+            </a:endParaRPr>
+          </a:p>
+        </p:txBody>
+      </p:sp>
+      <p:pic>
+        <p:nvPicPr>
+          <p:cNvPr id="99" name="Google Shape;99;p2"/>
+          <p:cNvPicPr preferRelativeResize="0"/>
+          <p:nvPr/>
+        </p:nvPicPr>
+        <p:blipFill rotWithShape="1">
+          <a:blip r:embed="rId3">
+            <a:alphaModFix/>
+          </a:blip>
+          <a:srcRect b="0" l="0" r="0" t="0"/>
+          <a:stretch/>
+        </p:blipFill>
+        <p:spPr>
+          <a:xfrm>
+            <a:off x="228600" y="553353"/>
+            <a:ext cx="2237740" cy="755015"/>
+          </a:xfrm>
+          <a:prstGeom prst="rect">
+            <a:avLst/>
+          </a:prstGeom>
+          <a:noFill/>
+          <a:ln>
+            <a:noFill/>
+          </a:ln>
+        </p:spPr>
+      </p:pic>
+      <p:sp>
+        <p:nvSpPr>
+          <p:cNvPr id="100" name="Google Shape;100;p2"/>
+          <p:cNvSpPr txBox="1"/>
+          <p:nvPr>
+            <p:ph idx="10" type="dt"/>
+          </p:nvPr>
+        </p:nvSpPr>
+        <p:spPr>
+          <a:xfrm>
+            <a:off x="457200" y="6356350"/>
+            <a:ext cx="2133600" cy="365100"/>
+          </a:xfrm>
+          <a:prstGeom prst="rect">
+            <a:avLst/>
+          </a:prstGeom>
+          <a:noFill/>
+          <a:ln>
+            <a:noFill/>
+          </a:ln>
+        </p:spPr>
+        <p:txBody>
+          <a:bodyPr anchorCtr="0" anchor="ctr" bIns="45700" lIns="91425" spcFirstLastPara="1" rIns="91425" wrap="square" tIns="45700">
+            <a:noAutofit/>
+          </a:bodyPr>
+          <a:lstStyle/>
+          <a:p>
+            <a:pPr indent="0" lvl="0" marL="0" rtl="0" algn="l">
+              <a:lnSpc>
+                <a:spcPct val="100000"/>
+              </a:lnSpc>
+              <a:spcBef>
+                <a:spcPts val="0"/>
+              </a:spcBef>
+              <a:spcAft>
+                <a:spcPts val="0"/>
+              </a:spcAft>
+              <a:buSzPts val="1400"/>
+              <a:buNone/>
+            </a:pPr>
+            <a:r>
+              <a:rPr b="1" lang="en-US"/>
+              <a:t>6</a:t>
+            </a:r>
+            <a:r>
+              <a:rPr b="1" lang="en-US"/>
+              <a:t>-9-2023</a:t>
+            </a:r>
+            <a:endParaRPr/>
+          </a:p>
+        </p:txBody>
+      </p:sp>
+      <p:sp>
+        <p:nvSpPr>
+          <p:cNvPr id="101" name="Google Shape;101;p2"/>
+          <p:cNvSpPr txBox="1"/>
+          <p:nvPr>
+            <p:ph idx="12" type="sldNum"/>
+          </p:nvPr>
+        </p:nvSpPr>
+        <p:spPr>
+          <a:xfrm>
+            <a:off x="6553200" y="6356350"/>
+            <a:ext cx="2133600" cy="365125"/>
+          </a:xfrm>
+          <a:prstGeom prst="rect">
+            <a:avLst/>
+          </a:prstGeom>
+          <a:noFill/>
+          <a:ln>
+            <a:noFill/>
+          </a:ln>
+        </p:spPr>
+        <p:txBody>
+          <a:bodyPr anchorCtr="0" anchor="ctr" bIns="45700" lIns="91425" spcFirstLastPara="1" rIns="91425" wrap="square" tIns="45700">
+            <a:noAutofit/>
+          </a:bodyPr>
+          <a:lstStyle/>
+          <a:p>
+            <a:pPr indent="0" lvl="0" marL="0" rtl="0" algn="r">
+              <a:lnSpc>
+                <a:spcPct val="100000"/>
+              </a:lnSpc>
+              <a:spcBef>
+                <a:spcPts val="0"/>
+              </a:spcBef>
+              <a:spcAft>
+                <a:spcPts val="0"/>
+              </a:spcAft>
+              <a:buSzPts val="1200"/>
+              <a:buNone/>
+            </a:pPr>
+            <a:fld id="{00000000-1234-1234-1234-123412341234}" type="slidenum">
+              <a:rPr lang="en-US"/>
+              <a:t>‹#›</a:t>
+            </a:fld>
+            <a:endParaRPr/>
+          </a:p>
+        </p:txBody>
+      </p:sp>
+      <p:sp>
+        <p:nvSpPr>
+          <p:cNvPr id="102" name="Google Shape;102;p2"/>
+          <p:cNvSpPr txBox="1"/>
+          <p:nvPr/>
+        </p:nvSpPr>
+        <p:spPr>
+          <a:xfrm>
+            <a:off x="587000" y="2611425"/>
+            <a:ext cx="7427100" cy="3683700"/>
+          </a:xfrm>
+          <a:prstGeom prst="rect">
+            <a:avLst/>
+          </a:prstGeom>
+          <a:noFill/>
+          <a:ln>
+            <a:noFill/>
+          </a:ln>
+        </p:spPr>
+        <p:txBody>
+          <a:bodyPr anchorCtr="0" anchor="t" bIns="91425" lIns="91425" spcFirstLastPara="1" rIns="91425" wrap="square" tIns="91425">
+            <a:noAutofit/>
+          </a:bodyPr>
+          <a:lstStyle/>
+          <a:p>
+            <a:pPr indent="-342900" lvl="0" marL="457200" rtl="0" algn="just">
+              <a:spcBef>
+                <a:spcPts val="640"/>
+              </a:spcBef>
+              <a:spcAft>
+                <a:spcPts val="0"/>
+              </a:spcAft>
+              <a:buClr>
+                <a:schemeClr val="dk1"/>
+              </a:buClr>
+              <a:buSzPts val="1800"/>
+              <a:buFont typeface="Times New Roman"/>
+              <a:buChar char="●"/>
+            </a:pPr>
+            <a:r>
+              <a:rPr lang="en-US" sz="1800">
+                <a:solidFill>
+                  <a:schemeClr val="dk1"/>
+                </a:solidFill>
+                <a:latin typeface="Times New Roman"/>
+                <a:ea typeface="Times New Roman"/>
+                <a:cs typeface="Times New Roman"/>
+                <a:sym typeface="Times New Roman"/>
+              </a:rPr>
+              <a:t>This project aims to develop an innovative and intelligent conversational agent to enhance healthcare services and improve patient experiences.</a:t>
+            </a:r>
+            <a:endParaRPr sz="1800">
+              <a:solidFill>
+                <a:schemeClr val="dk1"/>
+              </a:solidFill>
+              <a:latin typeface="Times New Roman"/>
+              <a:ea typeface="Times New Roman"/>
+              <a:cs typeface="Times New Roman"/>
+              <a:sym typeface="Times New Roman"/>
+            </a:endParaRPr>
+          </a:p>
+          <a:p>
+            <a:pPr indent="-342900" lvl="0" marL="457200" rtl="0" algn="just">
+              <a:spcBef>
+                <a:spcPts val="0"/>
+              </a:spcBef>
+              <a:spcAft>
+                <a:spcPts val="0"/>
+              </a:spcAft>
+              <a:buClr>
+                <a:schemeClr val="dk1"/>
+              </a:buClr>
+              <a:buSzPts val="1800"/>
+              <a:buFont typeface="Times New Roman"/>
+              <a:buChar char="●"/>
+            </a:pPr>
+            <a:r>
+              <a:rPr lang="en-US" sz="1800">
+                <a:solidFill>
+                  <a:schemeClr val="dk1"/>
+                </a:solidFill>
+                <a:latin typeface="Times New Roman"/>
+                <a:ea typeface="Times New Roman"/>
+                <a:cs typeface="Times New Roman"/>
+                <a:sym typeface="Times New Roman"/>
+              </a:rPr>
+              <a:t>It is designed to provide a wide range of healthcare-related </a:t>
+            </a:r>
+            <a:endParaRPr sz="1800">
+              <a:solidFill>
+                <a:schemeClr val="dk1"/>
+              </a:solidFill>
+              <a:latin typeface="Times New Roman"/>
+              <a:ea typeface="Times New Roman"/>
+              <a:cs typeface="Times New Roman"/>
+              <a:sym typeface="Times New Roman"/>
+            </a:endParaRPr>
+          </a:p>
+          <a:p>
+            <a:pPr indent="0" lvl="0" marL="457200" rtl="0" algn="just">
+              <a:spcBef>
+                <a:spcPts val="0"/>
+              </a:spcBef>
+              <a:spcAft>
+                <a:spcPts val="0"/>
+              </a:spcAft>
+              <a:buNone/>
+            </a:pPr>
+            <a:r>
+              <a:rPr lang="en-US" sz="1800">
+                <a:solidFill>
+                  <a:schemeClr val="dk1"/>
+                </a:solidFill>
+                <a:latin typeface="Times New Roman"/>
+                <a:ea typeface="Times New Roman"/>
+                <a:cs typeface="Times New Roman"/>
+                <a:sym typeface="Times New Roman"/>
+              </a:rPr>
+              <a:t>services like symptom assessment, health education, and general medical inquiries. </a:t>
+            </a:r>
+            <a:endParaRPr sz="1800">
+              <a:solidFill>
+                <a:schemeClr val="dk1"/>
+              </a:solidFill>
+              <a:latin typeface="Times New Roman"/>
+              <a:ea typeface="Times New Roman"/>
+              <a:cs typeface="Times New Roman"/>
+              <a:sym typeface="Times New Roman"/>
+            </a:endParaRPr>
+          </a:p>
+          <a:p>
+            <a:pPr indent="-342900" lvl="0" marL="457200" rtl="0" algn="just">
+              <a:spcBef>
+                <a:spcPts val="0"/>
+              </a:spcBef>
+              <a:spcAft>
+                <a:spcPts val="0"/>
+              </a:spcAft>
+              <a:buClr>
+                <a:schemeClr val="dk1"/>
+              </a:buClr>
+              <a:buSzPts val="1800"/>
+              <a:buFont typeface="Times New Roman"/>
+              <a:buChar char="●"/>
+            </a:pPr>
+            <a:r>
+              <a:rPr lang="en-US" sz="1800">
+                <a:solidFill>
+                  <a:schemeClr val="dk1"/>
+                </a:solidFill>
+                <a:latin typeface="Times New Roman"/>
+                <a:ea typeface="Times New Roman"/>
+                <a:cs typeface="Times New Roman"/>
+                <a:sym typeface="Times New Roman"/>
+              </a:rPr>
+              <a:t>Through its intuitive interface and empathetic conversational style, the chatbot aims to bridge the gap between patients and healthcare providers, promoting efficient communication and reducing the burden on medical staff.</a:t>
+            </a:r>
+            <a:endParaRPr sz="1800">
+              <a:solidFill>
+                <a:schemeClr val="dk1"/>
+              </a:solidFill>
+              <a:latin typeface="Times New Roman"/>
+              <a:ea typeface="Times New Roman"/>
+              <a:cs typeface="Times New Roman"/>
+              <a:sym typeface="Times New Roman"/>
+            </a:endParaRPr>
+          </a:p>
+          <a:p>
+            <a:pPr indent="-342900" lvl="0" marL="457200" rtl="0" algn="just">
+              <a:spcBef>
+                <a:spcPts val="0"/>
+              </a:spcBef>
+              <a:spcAft>
+                <a:spcPts val="0"/>
+              </a:spcAft>
+              <a:buClr>
+                <a:schemeClr val="dk1"/>
+              </a:buClr>
+              <a:buSzPts val="1800"/>
+              <a:buFont typeface="Times New Roman"/>
+              <a:buChar char="●"/>
+            </a:pPr>
+            <a:r>
+              <a:rPr lang="en-US" sz="1800">
+                <a:solidFill>
+                  <a:schemeClr val="dk1"/>
+                </a:solidFill>
+                <a:latin typeface="Times New Roman"/>
+                <a:ea typeface="Times New Roman"/>
+                <a:cs typeface="Times New Roman"/>
+                <a:sym typeface="Times New Roman"/>
+              </a:rPr>
+              <a:t>This project aims to provide a scalable, accessible, and user-friendly solution </a:t>
+            </a:r>
+            <a:endParaRPr sz="1800">
+              <a:solidFill>
+                <a:schemeClr val="dk1"/>
+              </a:solidFill>
+              <a:latin typeface="Times New Roman"/>
+              <a:ea typeface="Times New Roman"/>
+              <a:cs typeface="Times New Roman"/>
+              <a:sym typeface="Times New Roman"/>
+            </a:endParaRPr>
+          </a:p>
+          <a:p>
+            <a:pPr indent="-342900" lvl="0" marL="457200" rtl="0" algn="just">
+              <a:spcBef>
+                <a:spcPts val="0"/>
+              </a:spcBef>
+              <a:spcAft>
+                <a:spcPts val="0"/>
+              </a:spcAft>
+              <a:buClr>
+                <a:schemeClr val="dk1"/>
+              </a:buClr>
+              <a:buSzPts val="1800"/>
+              <a:buFont typeface="Times New Roman"/>
+              <a:buChar char="●"/>
+            </a:pPr>
+            <a:r>
+              <a:rPr lang="en-US" sz="1800">
+                <a:solidFill>
+                  <a:schemeClr val="dk1"/>
+                </a:solidFill>
+                <a:latin typeface="Times New Roman"/>
+                <a:ea typeface="Times New Roman"/>
+                <a:cs typeface="Times New Roman"/>
+                <a:sym typeface="Times New Roman"/>
+              </a:rPr>
+              <a:t>that can be integrated into existing healthcare platforms contributing to the overall improvement of healthcare delivery and patient outcomes.</a:t>
+            </a:r>
+            <a:endParaRPr sz="1800">
+              <a:solidFill>
+                <a:schemeClr val="dk1"/>
+              </a:solidFill>
+              <a:latin typeface="Times New Roman"/>
+              <a:ea typeface="Times New Roman"/>
+              <a:cs typeface="Times New Roman"/>
+              <a:sym typeface="Times New Roman"/>
+            </a:endParaRPr>
+          </a:p>
+          <a:p>
+            <a:pPr indent="0" lvl="0" marL="457200" rtl="0" algn="l">
+              <a:spcBef>
+                <a:spcPts val="0"/>
+              </a:spcBef>
+              <a:spcAft>
+                <a:spcPts val="0"/>
+              </a:spcAft>
+              <a:buNone/>
+            </a:pPr>
+            <a:r>
+              <a:t/>
+            </a:r>
+            <a:endParaRPr>
+              <a:latin typeface="Times New Roman"/>
+              <a:ea typeface="Times New Roman"/>
+              <a:cs typeface="Times New Roman"/>
+              <a:sym typeface="Times New Roman"/>
+            </a:endParaRPr>
+          </a:p>
+        </p:txBody>
+      </p:sp>
+    </p:spTree>
+  </p:cSld>
+  <p:clrMapOvr>
+    <a:masterClrMapping/>
+  </p:clrMapOvr>
+</p:sld>
+</file>
+
+<file path=ppt/slides/slide20.xml><?xml version="1.0" encoding="utf-8"?>
+<p:sld xmlns:a="http://schemas.openxmlformats.org/drawingml/2006/main" xmlns:r="http://schemas.openxmlformats.org/officeDocument/2006/relationships" xmlns:mc="http://schemas.openxmlformats.org/markup-compatibility/2006" xmlns:mv="urn:schemas-microsoft-com:mac:vml" xmlns:p="http://schemas.openxmlformats.org/presentationml/2006/main" xmlns:c="http://schemas.openxmlformats.org/drawingml/2006/chart" xmlns:dgm="http://schemas.openxmlformats.org/drawingml/2006/diagram" xmlns:o="urn:schemas-microsoft-com:office:office" xmlns:v="urn:schemas-microsoft-com:vml" xmlns:pvml="urn:schemas-microsoft-com:office:powerpoint" xmlns:com="http://schemas.openxmlformats.org/drawingml/2006/compatibility" xmlns:p14="http://schemas.microsoft.com/office/powerpoint/2010/main" xmlns:p15="http://schemas.microsoft.com/office/powerpoint/2012/main" xmlns:ahyp="http://schemas.microsoft.com/office/drawing/2018/hyperlinkcolor">
+  <p:cSld>
+    <p:spTree>
+      <p:nvGrpSpPr>
+        <p:cNvPr id="278" name="Shape 278"/>
+        <p:cNvGrpSpPr/>
+        <p:nvPr/>
+      </p:nvGrpSpPr>
+      <p:grpSpPr>
+        <a:xfrm>
+          <a:off x="0" y="0"/>
+          <a:ext cx="0" cy="0"/>
+          <a:chOff x="0" y="0"/>
+          <a:chExt cx="0" cy="0"/>
+        </a:xfrm>
+      </p:grpSpPr>
+      <p:sp>
+        <p:nvSpPr>
+          <p:cNvPr id="279" name="Google Shape;279;g27ba4e28dd2_0_35"/>
           <p:cNvSpPr txBox="1"/>
           <p:nvPr>
             <p:ph idx="1" type="body"/>
@@ -22912,7 +26037,7 @@
       </p:sp>
       <p:pic>
         <p:nvPicPr>
-          <p:cNvPr id="240" name="Google Shape;240;g27ba4e28dd2_0_35"/>
+          <p:cNvPr id="280" name="Google Shape;280;g27ba4e28dd2_0_35"/>
           <p:cNvPicPr preferRelativeResize="0"/>
           <p:nvPr/>
         </p:nvPicPr>
@@ -22939,7 +26064,7 @@
       </p:pic>
       <p:sp>
         <p:nvSpPr>
-          <p:cNvPr id="241" name="Google Shape;241;g27ba4e28dd2_0_35"/>
+          <p:cNvPr id="281" name="Google Shape;281;g27ba4e28dd2_0_35"/>
           <p:cNvSpPr txBox="1"/>
           <p:nvPr>
             <p:ph idx="10" type="dt"/>
@@ -22987,7 +26112,7 @@
       </p:sp>
       <p:sp>
         <p:nvSpPr>
-          <p:cNvPr id="242" name="Google Shape;242;g27ba4e28dd2_0_35"/>
+          <p:cNvPr id="282" name="Google Shape;282;g27ba4e28dd2_0_35"/>
           <p:cNvSpPr txBox="1"/>
           <p:nvPr>
             <p:ph idx="12" type="sldNum"/>
@@ -23035,7 +26160,7 @@
       </p:sp>
       <p:sp>
         <p:nvSpPr>
-          <p:cNvPr id="243" name="Google Shape;243;g27ba4e28dd2_0_35"/>
+          <p:cNvPr id="283" name="Google Shape;283;g27ba4e28dd2_0_35"/>
           <p:cNvSpPr txBox="1"/>
           <p:nvPr/>
         </p:nvSpPr>
@@ -23085,7 +26210,7 @@
       </p:sp>
       <p:sp>
         <p:nvSpPr>
-          <p:cNvPr id="244" name="Google Shape;244;g27ba4e28dd2_0_35"/>
+          <p:cNvPr id="284" name="Google Shape;284;g27ba4e28dd2_0_35"/>
           <p:cNvSpPr txBox="1"/>
           <p:nvPr/>
         </p:nvSpPr>
@@ -23127,7 +26252,7 @@
                 <a:cs typeface="Times New Roman"/>
                 <a:sym typeface="Times New Roman"/>
               </a:rPr>
-              <a:t>Paper:</a:t>
+              <a:t>Paper 2:</a:t>
             </a:r>
             <a:r>
               <a:rPr lang="en-US" sz="1800">
@@ -23142,7 +26267,7 @@
               <a:t> </a:t>
             </a:r>
             <a:r>
-              <a:rPr lang="en-US" sz="1800" u="sng">
+              <a:rPr i="1" lang="en-US" sz="1800">
                 <a:solidFill>
                   <a:schemeClr val="dk1"/>
                 </a:solidFill>
@@ -23153,7 +26278,7 @@
               </a:rPr>
               <a:t>Mega Bot – The Healthcare Chatbot</a:t>
             </a:r>
-            <a:endParaRPr sz="1800" u="sng">
+            <a:endParaRPr i="1" sz="1800">
               <a:solidFill>
                 <a:schemeClr val="dk1"/>
               </a:solidFill>
@@ -23282,7 +26407,7 @@
       </p:sp>
       <p:graphicFrame>
         <p:nvGraphicFramePr>
-          <p:cNvPr id="245" name="Google Shape;245;g27ba4e28dd2_0_35"/>
+          <p:cNvPr id="285" name="Google Shape;285;g27ba4e28dd2_0_35"/>
           <p:cNvGraphicFramePr/>
           <p:nvPr/>
         </p:nvGraphicFramePr>
@@ -23295,7 +26420,7 @@
             <a:tbl>
               <a:tblPr>
                 <a:noFill/>
-                <a:tableStyleId>{E29442A0-7909-495E-A6CD-14AAAE505F85}</a:tableStyleId>
+                <a:tableStyleId>{FBB833D0-C8CD-4BB4-B632-36587DD76A75}</a:tableStyleId>
               </a:tblPr>
               <a:tblGrid>
                 <a:gridCol w="4242200"/>
@@ -23767,12 +26892,12 @@
 </p:sld>
 </file>
 
-<file path=ppt/slides/slide17.xml><?xml version="1.0" encoding="utf-8"?>
+<file path=ppt/slides/slide21.xml><?xml version="1.0" encoding="utf-8"?>
 <p:sld xmlns:a="http://schemas.openxmlformats.org/drawingml/2006/main" xmlns:r="http://schemas.openxmlformats.org/officeDocument/2006/relationships" xmlns:mc="http://schemas.openxmlformats.org/markup-compatibility/2006" xmlns:mv="urn:schemas-microsoft-com:mac:vml" xmlns:p="http://schemas.openxmlformats.org/presentationml/2006/main" xmlns:c="http://schemas.openxmlformats.org/drawingml/2006/chart" xmlns:dgm="http://schemas.openxmlformats.org/drawingml/2006/diagram" xmlns:o="urn:schemas-microsoft-com:office:office" xmlns:v="urn:schemas-microsoft-com:vml" xmlns:pvml="urn:schemas-microsoft-com:office:powerpoint" xmlns:com="http://schemas.openxmlformats.org/drawingml/2006/compatibility" xmlns:p14="http://schemas.microsoft.com/office/powerpoint/2010/main" xmlns:p15="http://schemas.microsoft.com/office/powerpoint/2012/main" xmlns:ahyp="http://schemas.microsoft.com/office/drawing/2018/hyperlinkcolor">
   <p:cSld>
     <p:spTree>
       <p:nvGrpSpPr>
-        <p:cNvPr id="249" name="Shape 249"/>
+        <p:cNvPr id="289" name="Shape 289"/>
         <p:cNvGrpSpPr/>
         <p:nvPr/>
       </p:nvGrpSpPr>
@@ -23786,7 +26911,7 @@
       </p:grpSpPr>
       <p:sp>
         <p:nvSpPr>
-          <p:cNvPr id="250" name="Google Shape;250;g27ba4e28dd2_0_53"/>
+          <p:cNvPr id="290" name="Google Shape;290;g27ba4e28dd2_0_53"/>
           <p:cNvSpPr txBox="1"/>
           <p:nvPr>
             <p:ph idx="1" type="body"/>
@@ -23869,7 +26994,7 @@
       </p:sp>
       <p:pic>
         <p:nvPicPr>
-          <p:cNvPr id="251" name="Google Shape;251;g27ba4e28dd2_0_53"/>
+          <p:cNvPr id="291" name="Google Shape;291;g27ba4e28dd2_0_53"/>
           <p:cNvPicPr preferRelativeResize="0"/>
           <p:nvPr/>
         </p:nvPicPr>
@@ -23896,7 +27021,7 @@
       </p:pic>
       <p:sp>
         <p:nvSpPr>
-          <p:cNvPr id="252" name="Google Shape;252;g27ba4e28dd2_0_53"/>
+          <p:cNvPr id="292" name="Google Shape;292;g27ba4e28dd2_0_53"/>
           <p:cNvSpPr txBox="1"/>
           <p:nvPr>
             <p:ph idx="10" type="dt"/>
@@ -23944,7 +27069,7 @@
       </p:sp>
       <p:sp>
         <p:nvSpPr>
-          <p:cNvPr id="253" name="Google Shape;253;g27ba4e28dd2_0_53"/>
+          <p:cNvPr id="293" name="Google Shape;293;g27ba4e28dd2_0_53"/>
           <p:cNvSpPr txBox="1"/>
           <p:nvPr>
             <p:ph idx="12" type="sldNum"/>
@@ -23992,7 +27117,7 @@
       </p:sp>
       <p:sp>
         <p:nvSpPr>
-          <p:cNvPr id="254" name="Google Shape;254;g27ba4e28dd2_0_53"/>
+          <p:cNvPr id="294" name="Google Shape;294;g27ba4e28dd2_0_53"/>
           <p:cNvSpPr txBox="1"/>
           <p:nvPr/>
         </p:nvSpPr>
@@ -24042,14 +27167,14 @@
       </p:sp>
       <p:sp>
         <p:nvSpPr>
-          <p:cNvPr id="255" name="Google Shape;255;g27ba4e28dd2_0_53"/>
+          <p:cNvPr id="295" name="Google Shape;295;g27ba4e28dd2_0_53"/>
           <p:cNvSpPr txBox="1"/>
           <p:nvPr/>
         </p:nvSpPr>
         <p:spPr>
           <a:xfrm>
             <a:off x="727900" y="2431775"/>
-            <a:ext cx="8229600" cy="3509400"/>
+            <a:ext cx="8229600" cy="3570900"/>
           </a:xfrm>
           <a:prstGeom prst="rect">
             <a:avLst/>
@@ -24075,7 +27200,7 @@
               <a:buNone/>
             </a:pPr>
             <a:r>
-              <a:rPr b="1" lang="en-US" sz="1800">
+              <a:rPr b="1" lang="en-US" sz="2000">
                 <a:solidFill>
                   <a:schemeClr val="dk1"/>
                 </a:solidFill>
@@ -24084,22 +27209,10 @@
                 <a:cs typeface="Times New Roman"/>
                 <a:sym typeface="Times New Roman"/>
               </a:rPr>
-              <a:t>Paper:</a:t>
-            </a:r>
-            <a:r>
-              <a:rPr lang="en-US" sz="1800">
-                <a:solidFill>
-                  <a:schemeClr val="dk1"/>
-                </a:solidFill>
-                <a:latin typeface="Times New Roman"/>
-                <a:ea typeface="Times New Roman"/>
-                <a:cs typeface="Times New Roman"/>
-                <a:sym typeface="Times New Roman"/>
-              </a:rPr>
-              <a:t> </a:t>
-            </a:r>
-            <a:r>
-              <a:rPr lang="en-US" sz="1800" u="sng">
+              <a:t>Paper 3: </a:t>
+            </a:r>
+            <a:r>
+              <a:rPr b="1" i="1" lang="en-US" sz="2000">
                 <a:solidFill>
                   <a:srgbClr val="1F1F1F"/>
                 </a:solidFill>
@@ -24113,7 +27226,7 @@
               </a:rPr>
               <a:t>Natural Language Processing and Its Applications in Machine Translation: A Diachronic Review</a:t>
             </a:r>
-            <a:endParaRPr sz="1800" u="sng">
+            <a:endParaRPr b="1" i="1" sz="2000">
               <a:solidFill>
                 <a:schemeClr val="dk1"/>
               </a:solidFill>
@@ -24438,12 +27551,12 @@
 </p:sld>
 </file>
 
-<file path=ppt/slides/slide18.xml><?xml version="1.0" encoding="utf-8"?>
+<file path=ppt/slides/slide22.xml><?xml version="1.0" encoding="utf-8"?>
 <p:sld xmlns:a="http://schemas.openxmlformats.org/drawingml/2006/main" xmlns:r="http://schemas.openxmlformats.org/officeDocument/2006/relationships" xmlns:mc="http://schemas.openxmlformats.org/markup-compatibility/2006" xmlns:mv="urn:schemas-microsoft-com:mac:vml" xmlns:p="http://schemas.openxmlformats.org/presentationml/2006/main" xmlns:c="http://schemas.openxmlformats.org/drawingml/2006/chart" xmlns:dgm="http://schemas.openxmlformats.org/drawingml/2006/diagram" xmlns:o="urn:schemas-microsoft-com:office:office" xmlns:v="urn:schemas-microsoft-com:vml" xmlns:pvml="urn:schemas-microsoft-com:office:powerpoint" xmlns:com="http://schemas.openxmlformats.org/drawingml/2006/compatibility" xmlns:p14="http://schemas.microsoft.com/office/powerpoint/2010/main" xmlns:p15="http://schemas.microsoft.com/office/powerpoint/2012/main" xmlns:ahyp="http://schemas.microsoft.com/office/drawing/2018/hyperlinkcolor">
   <p:cSld>
     <p:spTree>
       <p:nvGrpSpPr>
-        <p:cNvPr id="259" name="Shape 259"/>
+        <p:cNvPr id="299" name="Shape 299"/>
         <p:cNvGrpSpPr/>
         <p:nvPr/>
       </p:nvGrpSpPr>
@@ -24457,7 +27570,7 @@
       </p:grpSpPr>
       <p:sp>
         <p:nvSpPr>
-          <p:cNvPr id="260" name="Google Shape;260;g27ba4e28dd2_0_76"/>
+          <p:cNvPr id="300" name="Google Shape;300;g27ba4e28dd2_0_76"/>
           <p:cNvSpPr txBox="1"/>
           <p:nvPr>
             <p:ph idx="1" type="body"/>
@@ -24534,7 +27647,7 @@
       </p:sp>
       <p:pic>
         <p:nvPicPr>
-          <p:cNvPr id="261" name="Google Shape;261;g27ba4e28dd2_0_76"/>
+          <p:cNvPr id="301" name="Google Shape;301;g27ba4e28dd2_0_76"/>
           <p:cNvPicPr preferRelativeResize="0"/>
           <p:nvPr/>
         </p:nvPicPr>
@@ -24561,7 +27674,7 @@
       </p:pic>
       <p:sp>
         <p:nvSpPr>
-          <p:cNvPr id="262" name="Google Shape;262;g27ba4e28dd2_0_76"/>
+          <p:cNvPr id="302" name="Google Shape;302;g27ba4e28dd2_0_76"/>
           <p:cNvSpPr txBox="1"/>
           <p:nvPr>
             <p:ph idx="10" type="dt"/>
@@ -24609,7 +27722,7 @@
       </p:sp>
       <p:sp>
         <p:nvSpPr>
-          <p:cNvPr id="263" name="Google Shape;263;g27ba4e28dd2_0_76"/>
+          <p:cNvPr id="303" name="Google Shape;303;g27ba4e28dd2_0_76"/>
           <p:cNvSpPr txBox="1"/>
           <p:nvPr>
             <p:ph idx="12" type="sldNum"/>
@@ -24657,7 +27770,7 @@
       </p:sp>
       <p:sp>
         <p:nvSpPr>
-          <p:cNvPr id="264" name="Google Shape;264;g27ba4e28dd2_0_76"/>
+          <p:cNvPr id="304" name="Google Shape;304;g27ba4e28dd2_0_76"/>
           <p:cNvSpPr txBox="1"/>
           <p:nvPr/>
         </p:nvSpPr>
@@ -24707,7 +27820,7 @@
       </p:sp>
       <p:sp>
         <p:nvSpPr>
-          <p:cNvPr id="265" name="Google Shape;265;g27ba4e28dd2_0_76"/>
+          <p:cNvPr id="305" name="Google Shape;305;g27ba4e28dd2_0_76"/>
           <p:cNvSpPr txBox="1"/>
           <p:nvPr/>
         </p:nvSpPr>
@@ -24749,7 +27862,7 @@
                 <a:cs typeface="Times New Roman"/>
                 <a:sym typeface="Times New Roman"/>
               </a:rPr>
-              <a:t>Paper:</a:t>
+              <a:t>Paper 3:</a:t>
             </a:r>
             <a:r>
               <a:rPr lang="en-US" sz="1800">
@@ -24764,7 +27877,7 @@
               <a:t> </a:t>
             </a:r>
             <a:r>
-              <a:rPr lang="en-US" sz="1800" u="sng">
+              <a:rPr i="1" lang="en-US" sz="1800">
                 <a:solidFill>
                   <a:srgbClr val="1F1F1F"/>
                 </a:solidFill>
@@ -24778,7 +27891,7 @@
               </a:rPr>
               <a:t>Natural Language Processing and Its Applications in Machine Translation: A Diachronic Review</a:t>
             </a:r>
-            <a:endParaRPr sz="1800" u="sng">
+            <a:endParaRPr i="1" sz="1800">
               <a:solidFill>
                 <a:schemeClr val="dk1"/>
               </a:solidFill>
@@ -24907,7 +28020,7 @@
       </p:sp>
       <p:graphicFrame>
         <p:nvGraphicFramePr>
-          <p:cNvPr id="266" name="Google Shape;266;g27ba4e28dd2_0_76"/>
+          <p:cNvPr id="306" name="Google Shape;306;g27ba4e28dd2_0_76"/>
           <p:cNvGraphicFramePr/>
           <p:nvPr/>
         </p:nvGraphicFramePr>
@@ -24920,7 +28033,7 @@
             <a:tbl>
               <a:tblPr>
                 <a:noFill/>
-                <a:tableStyleId>{E29442A0-7909-495E-A6CD-14AAAE505F85}</a:tableStyleId>
+                <a:tableStyleId>{FBB833D0-C8CD-4BB4-B632-36587DD76A75}</a:tableStyleId>
               </a:tblPr>
               <a:tblGrid>
                 <a:gridCol w="4113625"/>
@@ -25431,12 +28544,12 @@
 </p:sld>
 </file>
 
-<file path=ppt/slides/slide19.xml><?xml version="1.0" encoding="utf-8"?>
+<file path=ppt/slides/slide23.xml><?xml version="1.0" encoding="utf-8"?>
 <p:sld xmlns:a="http://schemas.openxmlformats.org/drawingml/2006/main" xmlns:r="http://schemas.openxmlformats.org/officeDocument/2006/relationships" xmlns:mc="http://schemas.openxmlformats.org/markup-compatibility/2006" xmlns:mv="urn:schemas-microsoft-com:mac:vml" xmlns:p="http://schemas.openxmlformats.org/presentationml/2006/main" xmlns:c="http://schemas.openxmlformats.org/drawingml/2006/chart" xmlns:dgm="http://schemas.openxmlformats.org/drawingml/2006/diagram" xmlns:o="urn:schemas-microsoft-com:office:office" xmlns:v="urn:schemas-microsoft-com:vml" xmlns:pvml="urn:schemas-microsoft-com:office:powerpoint" xmlns:com="http://schemas.openxmlformats.org/drawingml/2006/compatibility" xmlns:p14="http://schemas.microsoft.com/office/powerpoint/2010/main" xmlns:p15="http://schemas.microsoft.com/office/powerpoint/2012/main" xmlns:ahyp="http://schemas.microsoft.com/office/drawing/2018/hyperlinkcolor">
   <p:cSld>
     <p:spTree>
       <p:nvGrpSpPr>
-        <p:cNvPr id="270" name="Shape 270"/>
+        <p:cNvPr id="310" name="Shape 310"/>
         <p:cNvGrpSpPr/>
         <p:nvPr/>
       </p:nvGrpSpPr>
@@ -25450,7 +28563,7 @@
       </p:grpSpPr>
       <p:sp>
         <p:nvSpPr>
-          <p:cNvPr id="271" name="Google Shape;271;g27ba4e28dd2_0_88"/>
+          <p:cNvPr id="311" name="Google Shape;311;g27ba4e28dd2_0_88"/>
           <p:cNvSpPr txBox="1"/>
           <p:nvPr>
             <p:ph idx="1" type="body"/>
@@ -25533,7 +28646,7 @@
       </p:sp>
       <p:pic>
         <p:nvPicPr>
-          <p:cNvPr id="272" name="Google Shape;272;g27ba4e28dd2_0_88"/>
+          <p:cNvPr id="312" name="Google Shape;312;g27ba4e28dd2_0_88"/>
           <p:cNvPicPr preferRelativeResize="0"/>
           <p:nvPr/>
         </p:nvPicPr>
@@ -25560,7 +28673,7 @@
       </p:pic>
       <p:sp>
         <p:nvSpPr>
-          <p:cNvPr id="273" name="Google Shape;273;g27ba4e28dd2_0_88"/>
+          <p:cNvPr id="313" name="Google Shape;313;g27ba4e28dd2_0_88"/>
           <p:cNvSpPr txBox="1"/>
           <p:nvPr>
             <p:ph idx="10" type="dt"/>
@@ -25608,7 +28721,7 @@
       </p:sp>
       <p:sp>
         <p:nvSpPr>
-          <p:cNvPr id="274" name="Google Shape;274;g27ba4e28dd2_0_88"/>
+          <p:cNvPr id="314" name="Google Shape;314;g27ba4e28dd2_0_88"/>
           <p:cNvSpPr txBox="1"/>
           <p:nvPr>
             <p:ph idx="12" type="sldNum"/>
@@ -25656,7 +28769,7 @@
       </p:sp>
       <p:sp>
         <p:nvSpPr>
-          <p:cNvPr id="275" name="Google Shape;275;g27ba4e28dd2_0_88"/>
+          <p:cNvPr id="315" name="Google Shape;315;g27ba4e28dd2_0_88"/>
           <p:cNvSpPr txBox="1"/>
           <p:nvPr/>
         </p:nvSpPr>
@@ -25706,14 +28819,14 @@
       </p:sp>
       <p:sp>
         <p:nvSpPr>
-          <p:cNvPr id="276" name="Google Shape;276;g27ba4e28dd2_0_88"/>
+          <p:cNvPr id="316" name="Google Shape;316;g27ba4e28dd2_0_88"/>
           <p:cNvSpPr txBox="1"/>
           <p:nvPr/>
         </p:nvSpPr>
         <p:spPr>
           <a:xfrm>
             <a:off x="727900" y="2431775"/>
-            <a:ext cx="8229600" cy="2955300"/>
+            <a:ext cx="8229600" cy="3294000"/>
           </a:xfrm>
           <a:prstGeom prst="rect">
             <a:avLst/>
@@ -25739,7 +28852,7 @@
               <a:buNone/>
             </a:pPr>
             <a:r>
-              <a:rPr b="1" lang="en-US" sz="1800">
+              <a:rPr b="1" lang="en-US" sz="2000">
                 <a:solidFill>
                   <a:schemeClr val="dk1"/>
                 </a:solidFill>
@@ -25748,22 +28861,10 @@
                 <a:cs typeface="Times New Roman"/>
                 <a:sym typeface="Times New Roman"/>
               </a:rPr>
-              <a:t>Paper:</a:t>
-            </a:r>
-            <a:r>
-              <a:rPr lang="en-US" sz="1800">
-                <a:solidFill>
-                  <a:schemeClr val="dk1"/>
-                </a:solidFill>
-                <a:latin typeface="Times New Roman"/>
-                <a:ea typeface="Times New Roman"/>
-                <a:cs typeface="Times New Roman"/>
-                <a:sym typeface="Times New Roman"/>
-              </a:rPr>
-              <a:t> </a:t>
-            </a:r>
-            <a:r>
-              <a:rPr lang="en-US" sz="1800" u="sng">
+              <a:t>Paper 4: </a:t>
+            </a:r>
+            <a:r>
+              <a:rPr b="1" i="1" lang="en-US" sz="2000">
                 <a:solidFill>
                   <a:srgbClr val="333333"/>
                 </a:solidFill>
@@ -25774,7 +28875,7 @@
               </a:rPr>
               <a:t>An AI-Based Medical Chatbot Model for Infectious Disease Prediction</a:t>
             </a:r>
-            <a:endParaRPr sz="1800" u="sng">
+            <a:endParaRPr b="1" i="1" sz="2000">
               <a:solidFill>
                 <a:schemeClr val="dk1"/>
               </a:solidFill>
@@ -26131,12 +29232,12 @@
 </p:sld>
 </file>
 
-<file path=ppt/slides/slide2.xml><?xml version="1.0" encoding="utf-8"?>
+<file path=ppt/slides/slide24.xml><?xml version="1.0" encoding="utf-8"?>
 <p:sld xmlns:a="http://schemas.openxmlformats.org/drawingml/2006/main" xmlns:r="http://schemas.openxmlformats.org/officeDocument/2006/relationships" xmlns:mc="http://schemas.openxmlformats.org/markup-compatibility/2006" xmlns:mv="urn:schemas-microsoft-com:mac:vml" xmlns:p="http://schemas.openxmlformats.org/presentationml/2006/main" xmlns:c="http://schemas.openxmlformats.org/drawingml/2006/chart" xmlns:dgm="http://schemas.openxmlformats.org/drawingml/2006/diagram" xmlns:o="urn:schemas-microsoft-com:office:office" xmlns:v="urn:schemas-microsoft-com:vml" xmlns:pvml="urn:schemas-microsoft-com:office:powerpoint" xmlns:com="http://schemas.openxmlformats.org/drawingml/2006/compatibility" xmlns:p14="http://schemas.microsoft.com/office/powerpoint/2010/main" xmlns:p15="http://schemas.microsoft.com/office/powerpoint/2012/main" xmlns:ahyp="http://schemas.microsoft.com/office/drawing/2018/hyperlinkcolor">
   <p:cSld>
     <p:spTree>
       <p:nvGrpSpPr>
-        <p:cNvPr id="96" name="Shape 96"/>
+        <p:cNvPr id="320" name="Shape 320"/>
         <p:cNvGrpSpPr/>
         <p:nvPr/>
       </p:nvGrpSpPr>
@@ -26150,589 +29251,7 @@
       </p:grpSpPr>
       <p:sp>
         <p:nvSpPr>
-          <p:cNvPr id="97" name="Google Shape;97;p2"/>
-          <p:cNvSpPr txBox="1"/>
-          <p:nvPr>
-            <p:ph type="title"/>
-          </p:nvPr>
-        </p:nvSpPr>
-        <p:spPr>
-          <a:xfrm>
-            <a:off x="457200" y="274638"/>
-            <a:ext cx="8229600" cy="1143000"/>
-          </a:xfrm>
-          <a:prstGeom prst="rect">
-            <a:avLst/>
-          </a:prstGeom>
-          <a:noFill/>
-          <a:ln>
-            <a:noFill/>
-          </a:ln>
-        </p:spPr>
-        <p:txBody>
-          <a:bodyPr anchorCtr="0" anchor="ctr" bIns="45700" lIns="91425" spcFirstLastPara="1" rIns="91425" wrap="square" tIns="45700">
-            <a:normAutofit/>
-          </a:bodyPr>
-          <a:lstStyle/>
-          <a:p>
-            <a:pPr indent="0" lvl="0" marL="0" rtl="0" algn="ctr">
-              <a:lnSpc>
-                <a:spcPct val="100000"/>
-              </a:lnSpc>
-              <a:spcBef>
-                <a:spcPts val="0"/>
-              </a:spcBef>
-              <a:spcAft>
-                <a:spcPts val="0"/>
-              </a:spcAft>
-              <a:buClr>
-                <a:schemeClr val="dk1"/>
-              </a:buClr>
-              <a:buSzPts val="4400"/>
-              <a:buFont typeface="Calibri"/>
-              <a:buNone/>
-            </a:pPr>
-            <a:r>
-              <a:rPr lang="en-US"/>
-              <a:t>      MEDIWISE</a:t>
-            </a:r>
-            <a:endParaRPr/>
-          </a:p>
-        </p:txBody>
-      </p:sp>
-      <p:sp>
-        <p:nvSpPr>
-          <p:cNvPr id="98" name="Google Shape;98;p2"/>
-          <p:cNvSpPr txBox="1"/>
-          <p:nvPr>
-            <p:ph idx="1" type="body"/>
-          </p:nvPr>
-        </p:nvSpPr>
-        <p:spPr>
-          <a:xfrm>
-            <a:off x="457200" y="1600200"/>
-            <a:ext cx="8229600" cy="4525963"/>
-          </a:xfrm>
-          <a:prstGeom prst="rect">
-            <a:avLst/>
-          </a:prstGeom>
-          <a:noFill/>
-          <a:ln>
-            <a:noFill/>
-          </a:ln>
-        </p:spPr>
-        <p:txBody>
-          <a:bodyPr anchorCtr="0" anchor="t" bIns="45700" lIns="91425" spcFirstLastPara="1" rIns="91425" wrap="square" tIns="45700">
-            <a:normAutofit/>
-          </a:bodyPr>
-          <a:lstStyle/>
-          <a:p>
-            <a:pPr indent="0" lvl="0" marL="0" rtl="0" algn="l">
-              <a:lnSpc>
-                <a:spcPct val="100000"/>
-              </a:lnSpc>
-              <a:spcBef>
-                <a:spcPts val="0"/>
-              </a:spcBef>
-              <a:spcAft>
-                <a:spcPts val="0"/>
-              </a:spcAft>
-              <a:buClr>
-                <a:schemeClr val="dk1"/>
-              </a:buClr>
-              <a:buSzPts val="3200"/>
-              <a:buNone/>
-            </a:pPr>
-            <a:r>
-              <a:rPr lang="en-US" sz="6700">
-                <a:latin typeface="Times New Roman"/>
-                <a:ea typeface="Times New Roman"/>
-                <a:cs typeface="Times New Roman"/>
-                <a:sym typeface="Times New Roman"/>
-              </a:rPr>
-              <a:t> </a:t>
-            </a:r>
-            <a:r>
-              <a:rPr lang="en-US">
-                <a:latin typeface="Times New Roman"/>
-                <a:ea typeface="Times New Roman"/>
-                <a:cs typeface="Times New Roman"/>
-                <a:sym typeface="Times New Roman"/>
-              </a:rPr>
-              <a:t> Abstract </a:t>
-            </a:r>
-            <a:r>
-              <a:rPr lang="en-US" sz="4702">
-                <a:latin typeface="Times New Roman"/>
-                <a:ea typeface="Times New Roman"/>
-                <a:cs typeface="Times New Roman"/>
-                <a:sym typeface="Times New Roman"/>
-              </a:rPr>
-              <a:t> </a:t>
-            </a:r>
-            <a:r>
-              <a:rPr lang="en-US">
-                <a:latin typeface="Times New Roman"/>
-                <a:ea typeface="Times New Roman"/>
-                <a:cs typeface="Times New Roman"/>
-                <a:sym typeface="Times New Roman"/>
-              </a:rPr>
-              <a:t>                  </a:t>
-            </a:r>
-            <a:endParaRPr>
-              <a:latin typeface="Times New Roman"/>
-              <a:ea typeface="Times New Roman"/>
-              <a:cs typeface="Times New Roman"/>
-              <a:sym typeface="Times New Roman"/>
-            </a:endParaRPr>
-          </a:p>
-          <a:p>
-            <a:pPr indent="0" lvl="0" marL="203200" rtl="0" algn="l">
-              <a:lnSpc>
-                <a:spcPct val="100000"/>
-              </a:lnSpc>
-              <a:spcBef>
-                <a:spcPts val="640"/>
-              </a:spcBef>
-              <a:spcAft>
-                <a:spcPts val="0"/>
-              </a:spcAft>
-              <a:buClr>
-                <a:schemeClr val="dk1"/>
-              </a:buClr>
-              <a:buSzPts val="3200"/>
-              <a:buNone/>
-            </a:pPr>
-            <a:r>
-              <a:t/>
-            </a:r>
-            <a:endParaRPr>
-              <a:latin typeface="Times New Roman"/>
-              <a:ea typeface="Times New Roman"/>
-              <a:cs typeface="Times New Roman"/>
-              <a:sym typeface="Times New Roman"/>
-            </a:endParaRPr>
-          </a:p>
-        </p:txBody>
-      </p:sp>
-      <p:pic>
-        <p:nvPicPr>
-          <p:cNvPr id="99" name="Google Shape;99;p2"/>
-          <p:cNvPicPr preferRelativeResize="0"/>
-          <p:nvPr/>
-        </p:nvPicPr>
-        <p:blipFill rotWithShape="1">
-          <a:blip r:embed="rId3">
-            <a:alphaModFix/>
-          </a:blip>
-          <a:srcRect b="0" l="0" r="0" t="0"/>
-          <a:stretch/>
-        </p:blipFill>
-        <p:spPr>
-          <a:xfrm>
-            <a:off x="228600" y="553353"/>
-            <a:ext cx="2237740" cy="755015"/>
-          </a:xfrm>
-          <a:prstGeom prst="rect">
-            <a:avLst/>
-          </a:prstGeom>
-          <a:noFill/>
-          <a:ln>
-            <a:noFill/>
-          </a:ln>
-        </p:spPr>
-      </p:pic>
-      <p:sp>
-        <p:nvSpPr>
-          <p:cNvPr id="100" name="Google Shape;100;p2"/>
-          <p:cNvSpPr txBox="1"/>
-          <p:nvPr>
-            <p:ph idx="10" type="dt"/>
-          </p:nvPr>
-        </p:nvSpPr>
-        <p:spPr>
-          <a:xfrm>
-            <a:off x="457200" y="6356350"/>
-            <a:ext cx="2133600" cy="365100"/>
-          </a:xfrm>
-          <a:prstGeom prst="rect">
-            <a:avLst/>
-          </a:prstGeom>
-          <a:noFill/>
-          <a:ln>
-            <a:noFill/>
-          </a:ln>
-        </p:spPr>
-        <p:txBody>
-          <a:bodyPr anchorCtr="0" anchor="ctr" bIns="45700" lIns="91425" spcFirstLastPara="1" rIns="91425" wrap="square" tIns="45700">
-            <a:noAutofit/>
-          </a:bodyPr>
-          <a:lstStyle/>
-          <a:p>
-            <a:pPr indent="0" lvl="0" marL="0" rtl="0" algn="l">
-              <a:lnSpc>
-                <a:spcPct val="100000"/>
-              </a:lnSpc>
-              <a:spcBef>
-                <a:spcPts val="0"/>
-              </a:spcBef>
-              <a:spcAft>
-                <a:spcPts val="0"/>
-              </a:spcAft>
-              <a:buSzPts val="1400"/>
-              <a:buNone/>
-            </a:pPr>
-            <a:r>
-              <a:rPr b="1" lang="en-US"/>
-              <a:t>6</a:t>
-            </a:r>
-            <a:r>
-              <a:rPr b="1" lang="en-US"/>
-              <a:t>-9-2023</a:t>
-            </a:r>
-            <a:endParaRPr/>
-          </a:p>
-        </p:txBody>
-      </p:sp>
-      <p:sp>
-        <p:nvSpPr>
-          <p:cNvPr id="101" name="Google Shape;101;p2"/>
-          <p:cNvSpPr txBox="1"/>
-          <p:nvPr>
-            <p:ph idx="12" type="sldNum"/>
-          </p:nvPr>
-        </p:nvSpPr>
-        <p:spPr>
-          <a:xfrm>
-            <a:off x="6553200" y="6356350"/>
-            <a:ext cx="2133600" cy="365125"/>
-          </a:xfrm>
-          <a:prstGeom prst="rect">
-            <a:avLst/>
-          </a:prstGeom>
-          <a:noFill/>
-          <a:ln>
-            <a:noFill/>
-          </a:ln>
-        </p:spPr>
-        <p:txBody>
-          <a:bodyPr anchorCtr="0" anchor="ctr" bIns="45700" lIns="91425" spcFirstLastPara="1" rIns="91425" wrap="square" tIns="45700">
-            <a:noAutofit/>
-          </a:bodyPr>
-          <a:lstStyle/>
-          <a:p>
-            <a:pPr indent="0" lvl="0" marL="0" rtl="0" algn="r">
-              <a:lnSpc>
-                <a:spcPct val="100000"/>
-              </a:lnSpc>
-              <a:spcBef>
-                <a:spcPts val="0"/>
-              </a:spcBef>
-              <a:spcAft>
-                <a:spcPts val="0"/>
-              </a:spcAft>
-              <a:buSzPts val="1200"/>
-              <a:buNone/>
-            </a:pPr>
-            <a:fld id="{00000000-1234-1234-1234-123412341234}" type="slidenum">
-              <a:rPr lang="en-US"/>
-              <a:t>‹#›</a:t>
-            </a:fld>
-            <a:endParaRPr/>
-          </a:p>
-        </p:txBody>
-      </p:sp>
-      <p:sp>
-        <p:nvSpPr>
-          <p:cNvPr id="102" name="Google Shape;102;p2"/>
-          <p:cNvSpPr txBox="1"/>
-          <p:nvPr/>
-        </p:nvSpPr>
-        <p:spPr>
-          <a:xfrm>
-            <a:off x="587000" y="2611425"/>
-            <a:ext cx="7427100" cy="3683700"/>
-          </a:xfrm>
-          <a:prstGeom prst="rect">
-            <a:avLst/>
-          </a:prstGeom>
-          <a:noFill/>
-          <a:ln>
-            <a:noFill/>
-          </a:ln>
-        </p:spPr>
-        <p:txBody>
-          <a:bodyPr anchorCtr="0" anchor="t" bIns="91425" lIns="91425" spcFirstLastPara="1" rIns="91425" wrap="square" tIns="91425">
-            <a:noAutofit/>
-          </a:bodyPr>
-          <a:lstStyle/>
-          <a:p>
-            <a:pPr indent="-342900" lvl="0" marL="457200" rtl="0" algn="just">
-              <a:spcBef>
-                <a:spcPts val="640"/>
-              </a:spcBef>
-              <a:spcAft>
-                <a:spcPts val="0"/>
-              </a:spcAft>
-              <a:buClr>
-                <a:schemeClr val="dk1"/>
-              </a:buClr>
-              <a:buSzPts val="1800"/>
-              <a:buFont typeface="Times New Roman"/>
-              <a:buChar char="●"/>
-            </a:pPr>
-            <a:r>
-              <a:rPr lang="en-US" sz="1800">
-                <a:solidFill>
-                  <a:schemeClr val="dk1"/>
-                </a:solidFill>
-                <a:latin typeface="Times New Roman"/>
-                <a:ea typeface="Times New Roman"/>
-                <a:cs typeface="Times New Roman"/>
-                <a:sym typeface="Times New Roman"/>
-              </a:rPr>
-              <a:t>This project aims to develop an innovative and intelligent conversational agent to enhance healthcare services and improve patient experiences.</a:t>
-            </a:r>
-            <a:endParaRPr sz="1800">
-              <a:solidFill>
-                <a:schemeClr val="dk1"/>
-              </a:solidFill>
-              <a:latin typeface="Times New Roman"/>
-              <a:ea typeface="Times New Roman"/>
-              <a:cs typeface="Times New Roman"/>
-              <a:sym typeface="Times New Roman"/>
-            </a:endParaRPr>
-          </a:p>
-          <a:p>
-            <a:pPr indent="-342900" lvl="0" marL="457200" rtl="0" algn="just">
-              <a:spcBef>
-                <a:spcPts val="0"/>
-              </a:spcBef>
-              <a:spcAft>
-                <a:spcPts val="0"/>
-              </a:spcAft>
-              <a:buClr>
-                <a:schemeClr val="dk1"/>
-              </a:buClr>
-              <a:buSzPts val="1800"/>
-              <a:buFont typeface="Times New Roman"/>
-              <a:buChar char="●"/>
-            </a:pPr>
-            <a:r>
-              <a:rPr lang="en-US" sz="1800">
-                <a:solidFill>
-                  <a:schemeClr val="dk1"/>
-                </a:solidFill>
-                <a:latin typeface="Times New Roman"/>
-                <a:ea typeface="Times New Roman"/>
-                <a:cs typeface="Times New Roman"/>
-                <a:sym typeface="Times New Roman"/>
-              </a:rPr>
-              <a:t>It is designed to provide a wide range of healthcare-related </a:t>
-            </a:r>
-            <a:endParaRPr sz="1800">
-              <a:solidFill>
-                <a:schemeClr val="dk1"/>
-              </a:solidFill>
-              <a:latin typeface="Times New Roman"/>
-              <a:ea typeface="Times New Roman"/>
-              <a:cs typeface="Times New Roman"/>
-              <a:sym typeface="Times New Roman"/>
-            </a:endParaRPr>
-          </a:p>
-          <a:p>
-            <a:pPr indent="0" lvl="0" marL="457200" rtl="0" algn="just">
-              <a:spcBef>
-                <a:spcPts val="0"/>
-              </a:spcBef>
-              <a:spcAft>
-                <a:spcPts val="0"/>
-              </a:spcAft>
-              <a:buNone/>
-            </a:pPr>
-            <a:r>
-              <a:rPr lang="en-US" sz="1800">
-                <a:solidFill>
-                  <a:schemeClr val="dk1"/>
-                </a:solidFill>
-                <a:latin typeface="Times New Roman"/>
-                <a:ea typeface="Times New Roman"/>
-                <a:cs typeface="Times New Roman"/>
-                <a:sym typeface="Times New Roman"/>
-              </a:rPr>
-              <a:t>services like symptom assessment, health education, and general medical inquiries. </a:t>
-            </a:r>
-            <a:endParaRPr sz="1800">
-              <a:solidFill>
-                <a:schemeClr val="dk1"/>
-              </a:solidFill>
-              <a:latin typeface="Times New Roman"/>
-              <a:ea typeface="Times New Roman"/>
-              <a:cs typeface="Times New Roman"/>
-              <a:sym typeface="Times New Roman"/>
-            </a:endParaRPr>
-          </a:p>
-          <a:p>
-            <a:pPr indent="-342900" lvl="0" marL="457200" rtl="0" algn="just">
-              <a:spcBef>
-                <a:spcPts val="0"/>
-              </a:spcBef>
-              <a:spcAft>
-                <a:spcPts val="0"/>
-              </a:spcAft>
-              <a:buClr>
-                <a:schemeClr val="dk1"/>
-              </a:buClr>
-              <a:buSzPts val="1800"/>
-              <a:buFont typeface="Times New Roman"/>
-              <a:buChar char="●"/>
-            </a:pPr>
-            <a:r>
-              <a:rPr lang="en-US" sz="1800">
-                <a:solidFill>
-                  <a:schemeClr val="dk1"/>
-                </a:solidFill>
-                <a:latin typeface="Times New Roman"/>
-                <a:ea typeface="Times New Roman"/>
-                <a:cs typeface="Times New Roman"/>
-                <a:sym typeface="Times New Roman"/>
-              </a:rPr>
-              <a:t>Through its intuitive interface and empathetic conversational style, the chatbot aims to bridge the gap between patients and healthcare providers, promoting efficient communication and reducing the burden on medical staff.</a:t>
-            </a:r>
-            <a:endParaRPr sz="1800">
-              <a:solidFill>
-                <a:schemeClr val="dk1"/>
-              </a:solidFill>
-              <a:latin typeface="Times New Roman"/>
-              <a:ea typeface="Times New Roman"/>
-              <a:cs typeface="Times New Roman"/>
-              <a:sym typeface="Times New Roman"/>
-            </a:endParaRPr>
-          </a:p>
-          <a:p>
-            <a:pPr indent="-342900" lvl="0" marL="457200" rtl="0" algn="just">
-              <a:spcBef>
-                <a:spcPts val="0"/>
-              </a:spcBef>
-              <a:spcAft>
-                <a:spcPts val="0"/>
-              </a:spcAft>
-              <a:buClr>
-                <a:schemeClr val="dk1"/>
-              </a:buClr>
-              <a:buSzPts val="1800"/>
-              <a:buFont typeface="Times New Roman"/>
-              <a:buChar char="●"/>
-            </a:pPr>
-            <a:r>
-              <a:rPr lang="en-US" sz="1800">
-                <a:solidFill>
-                  <a:schemeClr val="dk1"/>
-                </a:solidFill>
-                <a:latin typeface="Times New Roman"/>
-                <a:ea typeface="Times New Roman"/>
-                <a:cs typeface="Times New Roman"/>
-                <a:sym typeface="Times New Roman"/>
-              </a:rPr>
-              <a:t>This project aims to provide a scalable, accessible, and user-friendly solution </a:t>
-            </a:r>
-            <a:endParaRPr sz="1800">
-              <a:solidFill>
-                <a:schemeClr val="dk1"/>
-              </a:solidFill>
-              <a:latin typeface="Times New Roman"/>
-              <a:ea typeface="Times New Roman"/>
-              <a:cs typeface="Times New Roman"/>
-              <a:sym typeface="Times New Roman"/>
-            </a:endParaRPr>
-          </a:p>
-          <a:p>
-            <a:pPr indent="-342900" lvl="0" marL="457200" rtl="0" algn="just">
-              <a:spcBef>
-                <a:spcPts val="0"/>
-              </a:spcBef>
-              <a:spcAft>
-                <a:spcPts val="0"/>
-              </a:spcAft>
-              <a:buClr>
-                <a:schemeClr val="dk1"/>
-              </a:buClr>
-              <a:buSzPts val="1800"/>
-              <a:buFont typeface="Times New Roman"/>
-              <a:buChar char="●"/>
-            </a:pPr>
-            <a:r>
-              <a:rPr lang="en-US" sz="1800">
-                <a:solidFill>
-                  <a:schemeClr val="dk1"/>
-                </a:solidFill>
-                <a:latin typeface="Times New Roman"/>
-                <a:ea typeface="Times New Roman"/>
-                <a:cs typeface="Times New Roman"/>
-                <a:sym typeface="Times New Roman"/>
-              </a:rPr>
-              <a:t>that can be integrated into existing healthcare platforms contributing to the overall improvement of healthcare delivery and patient outcomes.</a:t>
-            </a:r>
-            <a:endParaRPr sz="1800">
-              <a:solidFill>
-                <a:schemeClr val="dk1"/>
-              </a:solidFill>
-              <a:latin typeface="Times New Roman"/>
-              <a:ea typeface="Times New Roman"/>
-              <a:cs typeface="Times New Roman"/>
-              <a:sym typeface="Times New Roman"/>
-            </a:endParaRPr>
-          </a:p>
-          <a:p>
-            <a:pPr indent="0" lvl="0" marL="457200" rtl="0" algn="l">
-              <a:spcBef>
-                <a:spcPts val="0"/>
-              </a:spcBef>
-              <a:spcAft>
-                <a:spcPts val="0"/>
-              </a:spcAft>
-              <a:buNone/>
-            </a:pPr>
-            <a:r>
-              <a:t/>
-            </a:r>
-            <a:endParaRPr>
-              <a:latin typeface="Times New Roman"/>
-              <a:ea typeface="Times New Roman"/>
-              <a:cs typeface="Times New Roman"/>
-              <a:sym typeface="Times New Roman"/>
-            </a:endParaRPr>
-          </a:p>
-        </p:txBody>
-      </p:sp>
-    </p:spTree>
-  </p:cSld>
-  <p:clrMapOvr>
-    <a:masterClrMapping/>
-  </p:clrMapOvr>
-</p:sld>
-</file>
-
-<file path=ppt/slides/slide20.xml><?xml version="1.0" encoding="utf-8"?>
-<p:sld xmlns:a="http://schemas.openxmlformats.org/drawingml/2006/main" xmlns:r="http://schemas.openxmlformats.org/officeDocument/2006/relationships" xmlns:mc="http://schemas.openxmlformats.org/markup-compatibility/2006" xmlns:mv="urn:schemas-microsoft-com:mac:vml" xmlns:p="http://schemas.openxmlformats.org/presentationml/2006/main" xmlns:c="http://schemas.openxmlformats.org/drawingml/2006/chart" xmlns:dgm="http://schemas.openxmlformats.org/drawingml/2006/diagram" xmlns:o="urn:schemas-microsoft-com:office:office" xmlns:v="urn:schemas-microsoft-com:vml" xmlns:pvml="urn:schemas-microsoft-com:office:powerpoint" xmlns:com="http://schemas.openxmlformats.org/drawingml/2006/compatibility" xmlns:p14="http://schemas.microsoft.com/office/powerpoint/2010/main" xmlns:p15="http://schemas.microsoft.com/office/powerpoint/2012/main" xmlns:ahyp="http://schemas.microsoft.com/office/drawing/2018/hyperlinkcolor">
-  <p:cSld>
-    <p:spTree>
-      <p:nvGrpSpPr>
-        <p:cNvPr id="280" name="Shape 280"/>
-        <p:cNvGrpSpPr/>
-        <p:nvPr/>
-      </p:nvGrpSpPr>
-      <p:grpSpPr>
-        <a:xfrm>
-          <a:off x="0" y="0"/>
-          <a:ext cx="0" cy="0"/>
-          <a:chOff x="0" y="0"/>
-          <a:chExt cx="0" cy="0"/>
-        </a:xfrm>
-      </p:grpSpPr>
-      <p:sp>
-        <p:nvSpPr>
-          <p:cNvPr id="281" name="Google Shape;281;g27ba4e28dd2_0_97"/>
+          <p:cNvPr id="321" name="Google Shape;321;g27ba4e28dd2_0_97"/>
           <p:cNvSpPr txBox="1"/>
           <p:nvPr>
             <p:ph idx="1" type="body"/>
@@ -26809,7 +29328,7 @@
       </p:sp>
       <p:pic>
         <p:nvPicPr>
-          <p:cNvPr id="282" name="Google Shape;282;g27ba4e28dd2_0_97"/>
+          <p:cNvPr id="322" name="Google Shape;322;g27ba4e28dd2_0_97"/>
           <p:cNvPicPr preferRelativeResize="0"/>
           <p:nvPr/>
         </p:nvPicPr>
@@ -26836,7 +29355,7 @@
       </p:pic>
       <p:sp>
         <p:nvSpPr>
-          <p:cNvPr id="283" name="Google Shape;283;g27ba4e28dd2_0_97"/>
+          <p:cNvPr id="323" name="Google Shape;323;g27ba4e28dd2_0_97"/>
           <p:cNvSpPr txBox="1"/>
           <p:nvPr>
             <p:ph idx="10" type="dt"/>
@@ -26884,7 +29403,7 @@
       </p:sp>
       <p:sp>
         <p:nvSpPr>
-          <p:cNvPr id="284" name="Google Shape;284;g27ba4e28dd2_0_97"/>
+          <p:cNvPr id="324" name="Google Shape;324;g27ba4e28dd2_0_97"/>
           <p:cNvSpPr txBox="1"/>
           <p:nvPr>
             <p:ph idx="12" type="sldNum"/>
@@ -26932,7 +29451,7 @@
       </p:sp>
       <p:sp>
         <p:nvSpPr>
-          <p:cNvPr id="285" name="Google Shape;285;g27ba4e28dd2_0_97"/>
+          <p:cNvPr id="325" name="Google Shape;325;g27ba4e28dd2_0_97"/>
           <p:cNvSpPr txBox="1"/>
           <p:nvPr/>
         </p:nvSpPr>
@@ -26982,7 +29501,7 @@
       </p:sp>
       <p:sp>
         <p:nvSpPr>
-          <p:cNvPr id="286" name="Google Shape;286;g27ba4e28dd2_0_97"/>
+          <p:cNvPr id="326" name="Google Shape;326;g27ba4e28dd2_0_97"/>
           <p:cNvSpPr txBox="1"/>
           <p:nvPr/>
         </p:nvSpPr>
@@ -27024,7 +29543,7 @@
                 <a:cs typeface="Times New Roman"/>
                 <a:sym typeface="Times New Roman"/>
               </a:rPr>
-              <a:t>Paper:</a:t>
+              <a:t>Paper 4:</a:t>
             </a:r>
             <a:r>
               <a:rPr lang="en-US" sz="1800">
@@ -27039,7 +29558,7 @@
               <a:t> </a:t>
             </a:r>
             <a:r>
-              <a:rPr lang="en-US" sz="1800" u="sng">
+              <a:rPr i="1" lang="en-US" sz="1800">
                 <a:solidFill>
                   <a:srgbClr val="333333"/>
                 </a:solidFill>
@@ -27050,7 +29569,7 @@
               </a:rPr>
               <a:t>An AI-Based Medical Chatbot Model for Infectious Disease Prediction</a:t>
             </a:r>
-            <a:endParaRPr sz="1800" u="sng">
+            <a:endParaRPr i="1" sz="1800">
               <a:solidFill>
                 <a:schemeClr val="dk1"/>
               </a:solidFill>
@@ -27179,7 +29698,7 @@
       </p:sp>
       <p:graphicFrame>
         <p:nvGraphicFramePr>
-          <p:cNvPr id="287" name="Google Shape;287;g27ba4e28dd2_0_97"/>
+          <p:cNvPr id="327" name="Google Shape;327;g27ba4e28dd2_0_97"/>
           <p:cNvGraphicFramePr/>
           <p:nvPr/>
         </p:nvGraphicFramePr>
@@ -27192,7 +29711,7 @@
             <a:tbl>
               <a:tblPr>
                 <a:noFill/>
-                <a:tableStyleId>{E29442A0-7909-495E-A6CD-14AAAE505F85}</a:tableStyleId>
+                <a:tableStyleId>{FBB833D0-C8CD-4BB4-B632-36587DD76A75}</a:tableStyleId>
               </a:tblPr>
               <a:tblGrid>
                 <a:gridCol w="4113625"/>
@@ -27681,12 +30200,12 @@
 </p:sld>
 </file>
 
-<file path=ppt/slides/slide21.xml><?xml version="1.0" encoding="utf-8"?>
+<file path=ppt/slides/slide25.xml><?xml version="1.0" encoding="utf-8"?>
 <p:sld xmlns:a="http://schemas.openxmlformats.org/drawingml/2006/main" xmlns:r="http://schemas.openxmlformats.org/officeDocument/2006/relationships" xmlns:mc="http://schemas.openxmlformats.org/markup-compatibility/2006" xmlns:mv="urn:schemas-microsoft-com:mac:vml" xmlns:p="http://schemas.openxmlformats.org/presentationml/2006/main" xmlns:c="http://schemas.openxmlformats.org/drawingml/2006/chart" xmlns:dgm="http://schemas.openxmlformats.org/drawingml/2006/diagram" xmlns:o="urn:schemas-microsoft-com:office:office" xmlns:v="urn:schemas-microsoft-com:vml" xmlns:pvml="urn:schemas-microsoft-com:office:powerpoint" xmlns:com="http://schemas.openxmlformats.org/drawingml/2006/compatibility" xmlns:p14="http://schemas.microsoft.com/office/powerpoint/2010/main" xmlns:p15="http://schemas.microsoft.com/office/powerpoint/2012/main" xmlns:ahyp="http://schemas.microsoft.com/office/drawing/2018/hyperlinkcolor">
   <p:cSld>
     <p:spTree>
       <p:nvGrpSpPr>
-        <p:cNvPr id="291" name="Shape 291"/>
+        <p:cNvPr id="331" name="Shape 331"/>
         <p:cNvGrpSpPr/>
         <p:nvPr/>
       </p:nvGrpSpPr>
@@ -27700,7 +30219,7 @@
       </p:grpSpPr>
       <p:sp>
         <p:nvSpPr>
-          <p:cNvPr id="292" name="Google Shape;292;g27ba4e28dd2_0_113"/>
+          <p:cNvPr id="332" name="Google Shape;332;g27ba4e28dd2_0_113"/>
           <p:cNvSpPr txBox="1"/>
           <p:nvPr>
             <p:ph idx="1" type="body"/>
@@ -27783,7 +30302,7 @@
       </p:sp>
       <p:pic>
         <p:nvPicPr>
-          <p:cNvPr id="293" name="Google Shape;293;g27ba4e28dd2_0_113"/>
+          <p:cNvPr id="333" name="Google Shape;333;g27ba4e28dd2_0_113"/>
           <p:cNvPicPr preferRelativeResize="0"/>
           <p:nvPr/>
         </p:nvPicPr>
@@ -27810,7 +30329,7 @@
       </p:pic>
       <p:sp>
         <p:nvSpPr>
-          <p:cNvPr id="294" name="Google Shape;294;g27ba4e28dd2_0_113"/>
+          <p:cNvPr id="334" name="Google Shape;334;g27ba4e28dd2_0_113"/>
           <p:cNvSpPr txBox="1"/>
           <p:nvPr>
             <p:ph idx="10" type="dt"/>
@@ -27858,7 +30377,7 @@
       </p:sp>
       <p:sp>
         <p:nvSpPr>
-          <p:cNvPr id="295" name="Google Shape;295;g27ba4e28dd2_0_113"/>
+          <p:cNvPr id="335" name="Google Shape;335;g27ba4e28dd2_0_113"/>
           <p:cNvSpPr txBox="1"/>
           <p:nvPr>
             <p:ph idx="12" type="sldNum"/>
@@ -27906,7 +30425,7 @@
       </p:sp>
       <p:sp>
         <p:nvSpPr>
-          <p:cNvPr id="296" name="Google Shape;296;g27ba4e28dd2_0_113"/>
+          <p:cNvPr id="336" name="Google Shape;336;g27ba4e28dd2_0_113"/>
           <p:cNvSpPr txBox="1"/>
           <p:nvPr/>
         </p:nvSpPr>
@@ -27956,14 +30475,14 @@
       </p:sp>
       <p:sp>
         <p:nvSpPr>
-          <p:cNvPr id="297" name="Google Shape;297;g27ba4e28dd2_0_113"/>
+          <p:cNvPr id="337" name="Google Shape;337;g27ba4e28dd2_0_113"/>
           <p:cNvSpPr txBox="1"/>
           <p:nvPr/>
         </p:nvSpPr>
         <p:spPr>
           <a:xfrm>
             <a:off x="727900" y="2431775"/>
-            <a:ext cx="8229600" cy="3634200"/>
+            <a:ext cx="8229600" cy="3664800"/>
           </a:xfrm>
           <a:prstGeom prst="rect">
             <a:avLst/>
@@ -27989,7 +30508,7 @@
               <a:buNone/>
             </a:pPr>
             <a:r>
-              <a:rPr b="1" lang="en-US" sz="1800">
+              <a:rPr b="1" lang="en-US" sz="2000">
                 <a:solidFill>
                   <a:schemeClr val="dk1"/>
                 </a:solidFill>
@@ -27998,22 +30517,10 @@
                 <a:cs typeface="Times New Roman"/>
                 <a:sym typeface="Times New Roman"/>
               </a:rPr>
-              <a:t>Paper:</a:t>
-            </a:r>
-            <a:r>
-              <a:rPr lang="en-US" sz="1800">
-                <a:solidFill>
-                  <a:schemeClr val="dk1"/>
-                </a:solidFill>
-                <a:latin typeface="Times New Roman"/>
-                <a:ea typeface="Times New Roman"/>
-                <a:cs typeface="Times New Roman"/>
-                <a:sym typeface="Times New Roman"/>
-              </a:rPr>
-              <a:t> </a:t>
-            </a:r>
-            <a:r>
-              <a:rPr lang="en-US" sz="1800" u="sng">
+              <a:t>Paper 5: </a:t>
+            </a:r>
+            <a:r>
+              <a:rPr b="1" i="1" lang="en-US" sz="2000">
                 <a:latin typeface="Times New Roman"/>
                 <a:ea typeface="Times New Roman"/>
                 <a:cs typeface="Times New Roman"/>
@@ -28021,7 +30528,7 @@
               </a:rPr>
               <a:t>A Survey on Chatbot Implementation in Health Care using NLTK</a:t>
             </a:r>
-            <a:endParaRPr sz="1800" u="sng">
+            <a:endParaRPr b="1" i="1" sz="2000">
               <a:latin typeface="Times New Roman"/>
               <a:ea typeface="Times New Roman"/>
               <a:cs typeface="Times New Roman"/>
@@ -28460,12 +30967,12 @@
 </p:sld>
 </file>
 
-<file path=ppt/slides/slide22.xml><?xml version="1.0" encoding="utf-8"?>
+<file path=ppt/slides/slide26.xml><?xml version="1.0" encoding="utf-8"?>
 <p:sld xmlns:a="http://schemas.openxmlformats.org/drawingml/2006/main" xmlns:r="http://schemas.openxmlformats.org/officeDocument/2006/relationships" xmlns:mc="http://schemas.openxmlformats.org/markup-compatibility/2006" xmlns:mv="urn:schemas-microsoft-com:mac:vml" xmlns:p="http://schemas.openxmlformats.org/presentationml/2006/main" xmlns:c="http://schemas.openxmlformats.org/drawingml/2006/chart" xmlns:dgm="http://schemas.openxmlformats.org/drawingml/2006/diagram" xmlns:o="urn:schemas-microsoft-com:office:office" xmlns:v="urn:schemas-microsoft-com:vml" xmlns:pvml="urn:schemas-microsoft-com:office:powerpoint" xmlns:com="http://schemas.openxmlformats.org/drawingml/2006/compatibility" xmlns:p14="http://schemas.microsoft.com/office/powerpoint/2010/main" xmlns:p15="http://schemas.microsoft.com/office/powerpoint/2012/main" xmlns:ahyp="http://schemas.microsoft.com/office/drawing/2018/hyperlinkcolor">
   <p:cSld>
     <p:spTree>
       <p:nvGrpSpPr>
-        <p:cNvPr id="301" name="Shape 301"/>
+        <p:cNvPr id="341" name="Shape 341"/>
         <p:cNvGrpSpPr/>
         <p:nvPr/>
       </p:nvGrpSpPr>
@@ -28479,7 +30986,7 @@
       </p:grpSpPr>
       <p:sp>
         <p:nvSpPr>
-          <p:cNvPr id="302" name="Google Shape;302;g27ba4e28dd2_0_122"/>
+          <p:cNvPr id="342" name="Google Shape;342;g27ba4e28dd2_0_122"/>
           <p:cNvSpPr txBox="1"/>
           <p:nvPr>
             <p:ph idx="1" type="body"/>
@@ -28556,7 +31063,7 @@
       </p:sp>
       <p:pic>
         <p:nvPicPr>
-          <p:cNvPr id="303" name="Google Shape;303;g27ba4e28dd2_0_122"/>
+          <p:cNvPr id="343" name="Google Shape;343;g27ba4e28dd2_0_122"/>
           <p:cNvPicPr preferRelativeResize="0"/>
           <p:nvPr/>
         </p:nvPicPr>
@@ -28583,7 +31090,7 @@
       </p:pic>
       <p:sp>
         <p:nvSpPr>
-          <p:cNvPr id="304" name="Google Shape;304;g27ba4e28dd2_0_122"/>
+          <p:cNvPr id="344" name="Google Shape;344;g27ba4e28dd2_0_122"/>
           <p:cNvSpPr txBox="1"/>
           <p:nvPr>
             <p:ph idx="10" type="dt"/>
@@ -28631,7 +31138,7 @@
       </p:sp>
       <p:sp>
         <p:nvSpPr>
-          <p:cNvPr id="305" name="Google Shape;305;g27ba4e28dd2_0_122"/>
+          <p:cNvPr id="345" name="Google Shape;345;g27ba4e28dd2_0_122"/>
           <p:cNvSpPr txBox="1"/>
           <p:nvPr>
             <p:ph idx="12" type="sldNum"/>
@@ -28679,7 +31186,7 @@
       </p:sp>
       <p:sp>
         <p:nvSpPr>
-          <p:cNvPr id="306" name="Google Shape;306;g27ba4e28dd2_0_122"/>
+          <p:cNvPr id="346" name="Google Shape;346;g27ba4e28dd2_0_122"/>
           <p:cNvSpPr txBox="1"/>
           <p:nvPr/>
         </p:nvSpPr>
@@ -28729,7 +31236,7 @@
       </p:sp>
       <p:sp>
         <p:nvSpPr>
-          <p:cNvPr id="307" name="Google Shape;307;g27ba4e28dd2_0_122"/>
+          <p:cNvPr id="347" name="Google Shape;347;g27ba4e28dd2_0_122"/>
           <p:cNvSpPr txBox="1"/>
           <p:nvPr/>
         </p:nvSpPr>
@@ -28771,7 +31278,7 @@
                 <a:cs typeface="Times New Roman"/>
                 <a:sym typeface="Times New Roman"/>
               </a:rPr>
-              <a:t>Paper:</a:t>
+              <a:t>Paper 5:</a:t>
             </a:r>
             <a:r>
               <a:rPr lang="en-US" sz="1800">
@@ -28786,7 +31293,7 @@
               <a:t> </a:t>
             </a:r>
             <a:r>
-              <a:rPr lang="en-US" sz="1800" u="sng">
+              <a:rPr i="1" lang="en-US" sz="1800">
                 <a:solidFill>
                   <a:schemeClr val="dk1"/>
                 </a:solidFill>
@@ -28797,7 +31304,7 @@
               </a:rPr>
               <a:t>A Survey on Chatbot Implementation in Health Care using NLTK</a:t>
             </a:r>
-            <a:endParaRPr sz="1800" u="sng">
+            <a:endParaRPr i="1" sz="1800">
               <a:solidFill>
                 <a:schemeClr val="dk1"/>
               </a:solidFill>
@@ -28926,7 +31433,7 @@
       </p:sp>
       <p:graphicFrame>
         <p:nvGraphicFramePr>
-          <p:cNvPr id="308" name="Google Shape;308;g27ba4e28dd2_0_122"/>
+          <p:cNvPr id="348" name="Google Shape;348;g27ba4e28dd2_0_122"/>
           <p:cNvGraphicFramePr/>
           <p:nvPr/>
         </p:nvGraphicFramePr>
@@ -28939,7 +31446,7 @@
             <a:tbl>
               <a:tblPr>
                 <a:noFill/>
-                <a:tableStyleId>{E29442A0-7909-495E-A6CD-14AAAE505F85}</a:tableStyleId>
+                <a:tableStyleId>{FBB833D0-C8CD-4BB4-B632-36587DD76A75}</a:tableStyleId>
               </a:tblPr>
               <a:tblGrid>
                 <a:gridCol w="4113625"/>
@@ -29433,12 +31940,12 @@
 </p:sld>
 </file>
 
-<file path=ppt/slides/slide23.xml><?xml version="1.0" encoding="utf-8"?>
+<file path=ppt/slides/slide27.xml><?xml version="1.0" encoding="utf-8"?>
 <p:sld xmlns:a="http://schemas.openxmlformats.org/drawingml/2006/main" xmlns:r="http://schemas.openxmlformats.org/officeDocument/2006/relationships" xmlns:mc="http://schemas.openxmlformats.org/markup-compatibility/2006" xmlns:mv="urn:schemas-microsoft-com:mac:vml" xmlns:p="http://schemas.openxmlformats.org/presentationml/2006/main" xmlns:c="http://schemas.openxmlformats.org/drawingml/2006/chart" xmlns:dgm="http://schemas.openxmlformats.org/drawingml/2006/diagram" xmlns:o="urn:schemas-microsoft-com:office:office" xmlns:v="urn:schemas-microsoft-com:vml" xmlns:pvml="urn:schemas-microsoft-com:office:powerpoint" xmlns:com="http://schemas.openxmlformats.org/drawingml/2006/compatibility" xmlns:p14="http://schemas.microsoft.com/office/powerpoint/2010/main" xmlns:p15="http://schemas.microsoft.com/office/powerpoint/2012/main" xmlns:ahyp="http://schemas.microsoft.com/office/drawing/2018/hyperlinkcolor">
   <p:cSld>
     <p:spTree>
       <p:nvGrpSpPr>
-        <p:cNvPr id="312" name="Shape 312"/>
+        <p:cNvPr id="352" name="Shape 352"/>
         <p:cNvGrpSpPr/>
         <p:nvPr/>
       </p:nvGrpSpPr>
@@ -29452,7 +31959,7 @@
       </p:grpSpPr>
       <p:sp>
         <p:nvSpPr>
-          <p:cNvPr id="313" name="Google Shape;313;g27ba4e28dd2_0_137"/>
+          <p:cNvPr id="353" name="Google Shape;353;g27ba4e28dd2_0_137"/>
           <p:cNvSpPr txBox="1"/>
           <p:nvPr>
             <p:ph idx="1" type="body"/>
@@ -29535,7 +32042,7 @@
       </p:sp>
       <p:pic>
         <p:nvPicPr>
-          <p:cNvPr id="314" name="Google Shape;314;g27ba4e28dd2_0_137"/>
+          <p:cNvPr id="354" name="Google Shape;354;g27ba4e28dd2_0_137"/>
           <p:cNvPicPr preferRelativeResize="0"/>
           <p:nvPr/>
         </p:nvPicPr>
@@ -29562,7 +32069,7 @@
       </p:pic>
       <p:sp>
         <p:nvSpPr>
-          <p:cNvPr id="315" name="Google Shape;315;g27ba4e28dd2_0_137"/>
+          <p:cNvPr id="355" name="Google Shape;355;g27ba4e28dd2_0_137"/>
           <p:cNvSpPr txBox="1"/>
           <p:nvPr>
             <p:ph idx="10" type="dt"/>
@@ -29610,7 +32117,7 @@
       </p:sp>
       <p:sp>
         <p:nvSpPr>
-          <p:cNvPr id="316" name="Google Shape;316;g27ba4e28dd2_0_137"/>
+          <p:cNvPr id="356" name="Google Shape;356;g27ba4e28dd2_0_137"/>
           <p:cNvSpPr txBox="1"/>
           <p:nvPr>
             <p:ph idx="12" type="sldNum"/>
@@ -29658,7 +32165,7 @@
       </p:sp>
       <p:sp>
         <p:nvSpPr>
-          <p:cNvPr id="317" name="Google Shape;317;g27ba4e28dd2_0_137"/>
+          <p:cNvPr id="357" name="Google Shape;357;g27ba4e28dd2_0_137"/>
           <p:cNvSpPr txBox="1"/>
           <p:nvPr/>
         </p:nvSpPr>
@@ -29708,14 +32215,14 @@
       </p:sp>
       <p:sp>
         <p:nvSpPr>
-          <p:cNvPr id="318" name="Google Shape;318;g27ba4e28dd2_0_137"/>
+          <p:cNvPr id="358" name="Google Shape;358;g27ba4e28dd2_0_137"/>
           <p:cNvSpPr txBox="1"/>
           <p:nvPr/>
         </p:nvSpPr>
         <p:spPr>
           <a:xfrm>
             <a:off x="727900" y="2431775"/>
-            <a:ext cx="8229600" cy="3232500"/>
+            <a:ext cx="8229600" cy="3294000"/>
           </a:xfrm>
           <a:prstGeom prst="rect">
             <a:avLst/>
@@ -29741,7 +32248,7 @@
               <a:buNone/>
             </a:pPr>
             <a:r>
-              <a:rPr b="1" lang="en-US" sz="1800">
+              <a:rPr b="1" lang="en-US" sz="2000">
                 <a:solidFill>
                   <a:schemeClr val="dk1"/>
                 </a:solidFill>
@@ -29750,22 +32257,10 @@
                 <a:cs typeface="Times New Roman"/>
                 <a:sym typeface="Times New Roman"/>
               </a:rPr>
-              <a:t>Paper:</a:t>
-            </a:r>
-            <a:r>
-              <a:rPr lang="en-US" sz="1800">
-                <a:solidFill>
-                  <a:schemeClr val="dk1"/>
-                </a:solidFill>
-                <a:latin typeface="Times New Roman"/>
-                <a:ea typeface="Times New Roman"/>
-                <a:cs typeface="Times New Roman"/>
-                <a:sym typeface="Times New Roman"/>
-              </a:rPr>
-              <a:t> </a:t>
-            </a:r>
-            <a:r>
-              <a:rPr lang="en-US" sz="1800" u="sng">
+              <a:t>Paper 6: </a:t>
+            </a:r>
+            <a:r>
+              <a:rPr b="1" i="1" lang="en-US" sz="2000">
                 <a:solidFill>
                   <a:schemeClr val="dk1"/>
                 </a:solidFill>
@@ -29776,7 +32271,7 @@
               </a:rPr>
               <a:t>The evaluation of chatbot as a tool for health literacy education among undergraduate students</a:t>
             </a:r>
-            <a:endParaRPr sz="1800" u="sng">
+            <a:endParaRPr b="1" i="1" sz="2000">
               <a:solidFill>
                 <a:schemeClr val="dk1"/>
               </a:solidFill>
@@ -30101,12 +32596,12 @@
 </p:sld>
 </file>
 
-<file path=ppt/slides/slide24.xml><?xml version="1.0" encoding="utf-8"?>
+<file path=ppt/slides/slide28.xml><?xml version="1.0" encoding="utf-8"?>
 <p:sld xmlns:a="http://schemas.openxmlformats.org/drawingml/2006/main" xmlns:r="http://schemas.openxmlformats.org/officeDocument/2006/relationships" xmlns:mc="http://schemas.openxmlformats.org/markup-compatibility/2006" xmlns:mv="urn:schemas-microsoft-com:mac:vml" xmlns:p="http://schemas.openxmlformats.org/presentationml/2006/main" xmlns:c="http://schemas.openxmlformats.org/drawingml/2006/chart" xmlns:dgm="http://schemas.openxmlformats.org/drawingml/2006/diagram" xmlns:o="urn:schemas-microsoft-com:office:office" xmlns:v="urn:schemas-microsoft-com:vml" xmlns:pvml="urn:schemas-microsoft-com:office:powerpoint" xmlns:com="http://schemas.openxmlformats.org/drawingml/2006/compatibility" xmlns:p14="http://schemas.microsoft.com/office/powerpoint/2010/main" xmlns:p15="http://schemas.microsoft.com/office/powerpoint/2012/main" xmlns:ahyp="http://schemas.microsoft.com/office/drawing/2018/hyperlinkcolor">
   <p:cSld>
     <p:spTree>
       <p:nvGrpSpPr>
-        <p:cNvPr id="322" name="Shape 322"/>
+        <p:cNvPr id="362" name="Shape 362"/>
         <p:cNvGrpSpPr/>
         <p:nvPr/>
       </p:nvGrpSpPr>
@@ -30120,7 +32615,7 @@
       </p:grpSpPr>
       <p:sp>
         <p:nvSpPr>
-          <p:cNvPr id="323" name="Google Shape;323;g27ba4e28dd2_0_146"/>
+          <p:cNvPr id="363" name="Google Shape;363;g27ba4e28dd2_0_146"/>
           <p:cNvSpPr txBox="1"/>
           <p:nvPr>
             <p:ph idx="1" type="body"/>
@@ -30197,7 +32692,7 @@
       </p:sp>
       <p:pic>
         <p:nvPicPr>
-          <p:cNvPr id="324" name="Google Shape;324;g27ba4e28dd2_0_146"/>
+          <p:cNvPr id="364" name="Google Shape;364;g27ba4e28dd2_0_146"/>
           <p:cNvPicPr preferRelativeResize="0"/>
           <p:nvPr/>
         </p:nvPicPr>
@@ -30224,7 +32719,7 @@
       </p:pic>
       <p:sp>
         <p:nvSpPr>
-          <p:cNvPr id="325" name="Google Shape;325;g27ba4e28dd2_0_146"/>
+          <p:cNvPr id="365" name="Google Shape;365;g27ba4e28dd2_0_146"/>
           <p:cNvSpPr txBox="1"/>
           <p:nvPr>
             <p:ph idx="10" type="dt"/>
@@ -30272,7 +32767,7 @@
       </p:sp>
       <p:sp>
         <p:nvSpPr>
-          <p:cNvPr id="326" name="Google Shape;326;g27ba4e28dd2_0_146"/>
+          <p:cNvPr id="366" name="Google Shape;366;g27ba4e28dd2_0_146"/>
           <p:cNvSpPr txBox="1"/>
           <p:nvPr>
             <p:ph idx="12" type="sldNum"/>
@@ -30320,7 +32815,7 @@
       </p:sp>
       <p:sp>
         <p:nvSpPr>
-          <p:cNvPr id="327" name="Google Shape;327;g27ba4e28dd2_0_146"/>
+          <p:cNvPr id="367" name="Google Shape;367;g27ba4e28dd2_0_146"/>
           <p:cNvSpPr txBox="1"/>
           <p:nvPr/>
         </p:nvSpPr>
@@ -30370,7 +32865,7 @@
       </p:sp>
       <p:sp>
         <p:nvSpPr>
-          <p:cNvPr id="328" name="Google Shape;328;g27ba4e28dd2_0_146"/>
+          <p:cNvPr id="368" name="Google Shape;368;g27ba4e28dd2_0_146"/>
           <p:cNvSpPr txBox="1"/>
           <p:nvPr/>
         </p:nvSpPr>
@@ -30412,7 +32907,7 @@
                 <a:cs typeface="Times New Roman"/>
                 <a:sym typeface="Times New Roman"/>
               </a:rPr>
-              <a:t>Paper:</a:t>
+              <a:t>Paper 6:</a:t>
             </a:r>
             <a:r>
               <a:rPr lang="en-US" sz="1800">
@@ -30427,7 +32922,7 @@
               <a:t> </a:t>
             </a:r>
             <a:r>
-              <a:rPr lang="en-US" sz="1800" u="sng">
+              <a:rPr i="1" lang="en-US" sz="1800">
                 <a:solidFill>
                   <a:schemeClr val="dk1"/>
                 </a:solidFill>
@@ -30438,7 +32933,7 @@
               </a:rPr>
               <a:t>The evaluation of chatbot as a tool for health literacy education among undergraduate students</a:t>
             </a:r>
-            <a:endParaRPr sz="1800" u="sng">
+            <a:endParaRPr i="1" sz="1800">
               <a:solidFill>
                 <a:schemeClr val="dk1"/>
               </a:solidFill>
@@ -30567,7 +33062,7 @@
       </p:sp>
       <p:graphicFrame>
         <p:nvGraphicFramePr>
-          <p:cNvPr id="329" name="Google Shape;329;g27ba4e28dd2_0_146"/>
+          <p:cNvPr id="369" name="Google Shape;369;g27ba4e28dd2_0_146"/>
           <p:cNvGraphicFramePr/>
           <p:nvPr/>
         </p:nvGraphicFramePr>
@@ -30580,7 +33075,7 @@
             <a:tbl>
               <a:tblPr>
                 <a:noFill/>
-                <a:tableStyleId>{E29442A0-7909-495E-A6CD-14AAAE505F85}</a:tableStyleId>
+                <a:tableStyleId>{FBB833D0-C8CD-4BB4-B632-36587DD76A75}</a:tableStyleId>
               </a:tblPr>
               <a:tblGrid>
                 <a:gridCol w="4113625"/>
@@ -31038,12 +33533,12 @@
 </p:sld>
 </file>
 
-<file path=ppt/slides/slide25.xml><?xml version="1.0" encoding="utf-8"?>
+<file path=ppt/slides/slide29.xml><?xml version="1.0" encoding="utf-8"?>
 <p:sld xmlns:a="http://schemas.openxmlformats.org/drawingml/2006/main" xmlns:r="http://schemas.openxmlformats.org/officeDocument/2006/relationships" xmlns:mc="http://schemas.openxmlformats.org/markup-compatibility/2006" xmlns:mv="urn:schemas-microsoft-com:mac:vml" xmlns:p="http://schemas.openxmlformats.org/presentationml/2006/main" xmlns:c="http://schemas.openxmlformats.org/drawingml/2006/chart" xmlns:dgm="http://schemas.openxmlformats.org/drawingml/2006/diagram" xmlns:o="urn:schemas-microsoft-com:office:office" xmlns:v="urn:schemas-microsoft-com:vml" xmlns:pvml="urn:schemas-microsoft-com:office:powerpoint" xmlns:com="http://schemas.openxmlformats.org/drawingml/2006/compatibility" xmlns:p14="http://schemas.microsoft.com/office/powerpoint/2010/main" xmlns:p15="http://schemas.microsoft.com/office/powerpoint/2012/main" xmlns:ahyp="http://schemas.microsoft.com/office/drawing/2018/hyperlinkcolor">
   <p:cSld>
     <p:spTree>
       <p:nvGrpSpPr>
-        <p:cNvPr id="333" name="Shape 333"/>
+        <p:cNvPr id="373" name="Shape 373"/>
         <p:cNvGrpSpPr/>
         <p:nvPr/>
       </p:nvGrpSpPr>
@@ -31057,7 +33552,7 @@
       </p:grpSpPr>
       <p:sp>
         <p:nvSpPr>
-          <p:cNvPr id="334" name="Google Shape;334;g27ba4e28dd2_0_163"/>
+          <p:cNvPr id="374" name="Google Shape;374;g27ba4e28dd2_0_163"/>
           <p:cNvSpPr txBox="1"/>
           <p:nvPr>
             <p:ph idx="1" type="body"/>
@@ -31140,7 +33635,7 @@
       </p:sp>
       <p:pic>
         <p:nvPicPr>
-          <p:cNvPr id="335" name="Google Shape;335;g27ba4e28dd2_0_163"/>
+          <p:cNvPr id="375" name="Google Shape;375;g27ba4e28dd2_0_163"/>
           <p:cNvPicPr preferRelativeResize="0"/>
           <p:nvPr/>
         </p:nvPicPr>
@@ -31167,7 +33662,7 @@
       </p:pic>
       <p:sp>
         <p:nvSpPr>
-          <p:cNvPr id="336" name="Google Shape;336;g27ba4e28dd2_0_163"/>
+          <p:cNvPr id="376" name="Google Shape;376;g27ba4e28dd2_0_163"/>
           <p:cNvSpPr txBox="1"/>
           <p:nvPr>
             <p:ph idx="10" type="dt"/>
@@ -31215,7 +33710,7 @@
       </p:sp>
       <p:sp>
         <p:nvSpPr>
-          <p:cNvPr id="337" name="Google Shape;337;g27ba4e28dd2_0_163"/>
+          <p:cNvPr id="377" name="Google Shape;377;g27ba4e28dd2_0_163"/>
           <p:cNvSpPr txBox="1"/>
           <p:nvPr>
             <p:ph idx="12" type="sldNum"/>
@@ -31263,7 +33758,7 @@
       </p:sp>
       <p:sp>
         <p:nvSpPr>
-          <p:cNvPr id="338" name="Google Shape;338;g27ba4e28dd2_0_163"/>
+          <p:cNvPr id="378" name="Google Shape;378;g27ba4e28dd2_0_163"/>
           <p:cNvSpPr txBox="1"/>
           <p:nvPr/>
         </p:nvSpPr>
@@ -31313,14 +33808,14 @@
       </p:sp>
       <p:sp>
         <p:nvSpPr>
-          <p:cNvPr id="339" name="Google Shape;339;g27ba4e28dd2_0_163"/>
+          <p:cNvPr id="379" name="Google Shape;379;g27ba4e28dd2_0_163"/>
           <p:cNvSpPr txBox="1"/>
           <p:nvPr/>
         </p:nvSpPr>
         <p:spPr>
           <a:xfrm>
             <a:off x="727900" y="2431775"/>
-            <a:ext cx="8229600" cy="2955300"/>
+            <a:ext cx="8229600" cy="3294000"/>
           </a:xfrm>
           <a:prstGeom prst="rect">
             <a:avLst/>
@@ -31346,7 +33841,7 @@
               <a:buNone/>
             </a:pPr>
             <a:r>
-              <a:rPr b="1" lang="en-US" sz="1800">
+              <a:rPr b="1" lang="en-US" sz="2000">
                 <a:solidFill>
                   <a:schemeClr val="dk1"/>
                 </a:solidFill>
@@ -31355,22 +33850,10 @@
                 <a:cs typeface="Times New Roman"/>
                 <a:sym typeface="Times New Roman"/>
               </a:rPr>
-              <a:t>Paper:</a:t>
-            </a:r>
-            <a:r>
-              <a:rPr lang="en-US" sz="1800">
-                <a:solidFill>
-                  <a:schemeClr val="dk1"/>
-                </a:solidFill>
-                <a:latin typeface="Times New Roman"/>
-                <a:ea typeface="Times New Roman"/>
-                <a:cs typeface="Times New Roman"/>
-                <a:sym typeface="Times New Roman"/>
-              </a:rPr>
-              <a:t> </a:t>
-            </a:r>
-            <a:r>
-              <a:rPr lang="en-US" sz="1800" u="sng">
+              <a:t>Paper 7: </a:t>
+            </a:r>
+            <a:r>
+              <a:rPr b="1" i="1" lang="en-US" sz="2000">
                 <a:solidFill>
                   <a:schemeClr val="dk1"/>
                 </a:solidFill>
@@ -31381,7 +33864,7 @@
               </a:rPr>
               <a:t>The Development and Use of Chatbots in Public Health - Scoping Review</a:t>
             </a:r>
-            <a:endParaRPr sz="1800" u="sng">
+            <a:endParaRPr b="1" i="1" sz="2000">
               <a:solidFill>
                 <a:schemeClr val="dk1"/>
               </a:solidFill>
@@ -31705,12 +34188,12 @@
 </p:sld>
 </file>
 
-<file path=ppt/slides/slide26.xml><?xml version="1.0" encoding="utf-8"?>
+<file path=ppt/slides/slide3.xml><?xml version="1.0" encoding="utf-8"?>
 <p:sld xmlns:a="http://schemas.openxmlformats.org/drawingml/2006/main" xmlns:r="http://schemas.openxmlformats.org/officeDocument/2006/relationships" xmlns:mc="http://schemas.openxmlformats.org/markup-compatibility/2006" xmlns:mv="urn:schemas-microsoft-com:mac:vml" xmlns:p="http://schemas.openxmlformats.org/presentationml/2006/main" xmlns:c="http://schemas.openxmlformats.org/drawingml/2006/chart" xmlns:dgm="http://schemas.openxmlformats.org/drawingml/2006/diagram" xmlns:o="urn:schemas-microsoft-com:office:office" xmlns:v="urn:schemas-microsoft-com:vml" xmlns:pvml="urn:schemas-microsoft-com:office:powerpoint" xmlns:com="http://schemas.openxmlformats.org/drawingml/2006/compatibility" xmlns:p14="http://schemas.microsoft.com/office/powerpoint/2010/main" xmlns:p15="http://schemas.microsoft.com/office/powerpoint/2012/main" xmlns:ahyp="http://schemas.microsoft.com/office/drawing/2018/hyperlinkcolor">
   <p:cSld>
     <p:spTree>
       <p:nvGrpSpPr>
-        <p:cNvPr id="343" name="Shape 343"/>
+        <p:cNvPr id="106" name="Shape 106"/>
         <p:cNvGrpSpPr/>
         <p:nvPr/>
       </p:nvGrpSpPr>
@@ -31724,7 +34207,574 @@
       </p:grpSpPr>
       <p:sp>
         <p:nvSpPr>
-          <p:cNvPr id="344" name="Google Shape;344;g27ba4e28dd2_0_172"/>
+          <p:cNvPr id="107" name="Google Shape;107;p3"/>
+          <p:cNvSpPr txBox="1"/>
+          <p:nvPr>
+            <p:ph type="title"/>
+          </p:nvPr>
+        </p:nvSpPr>
+        <p:spPr>
+          <a:xfrm>
+            <a:off x="457200" y="274638"/>
+            <a:ext cx="8229600" cy="1143000"/>
+          </a:xfrm>
+          <a:prstGeom prst="rect">
+            <a:avLst/>
+          </a:prstGeom>
+          <a:noFill/>
+          <a:ln>
+            <a:noFill/>
+          </a:ln>
+        </p:spPr>
+        <p:txBody>
+          <a:bodyPr anchorCtr="0" anchor="ctr" bIns="45700" lIns="91425" spcFirstLastPara="1" rIns="91425" wrap="square" tIns="45700">
+            <a:normAutofit/>
+          </a:bodyPr>
+          <a:lstStyle/>
+          <a:p>
+            <a:pPr indent="0" lvl="0" marL="0" rtl="0" algn="ctr">
+              <a:lnSpc>
+                <a:spcPct val="100000"/>
+              </a:lnSpc>
+              <a:spcBef>
+                <a:spcPts val="0"/>
+              </a:spcBef>
+              <a:spcAft>
+                <a:spcPts val="0"/>
+              </a:spcAft>
+              <a:buClr>
+                <a:schemeClr val="dk1"/>
+              </a:buClr>
+              <a:buSzPts val="4400"/>
+              <a:buFont typeface="Calibri"/>
+              <a:buNone/>
+            </a:pPr>
+            <a:r>
+              <a:rPr lang="en-US"/>
+              <a:t>      MEDIWISE</a:t>
+            </a:r>
+            <a:endParaRPr/>
+          </a:p>
+        </p:txBody>
+      </p:sp>
+      <p:sp>
+        <p:nvSpPr>
+          <p:cNvPr id="108" name="Google Shape;108;p3"/>
+          <p:cNvSpPr txBox="1"/>
+          <p:nvPr>
+            <p:ph idx="1" type="body"/>
+          </p:nvPr>
+        </p:nvSpPr>
+        <p:spPr>
+          <a:xfrm>
+            <a:off x="457200" y="1600200"/>
+            <a:ext cx="8229600" cy="4525963"/>
+          </a:xfrm>
+          <a:prstGeom prst="rect">
+            <a:avLst/>
+          </a:prstGeom>
+          <a:noFill/>
+          <a:ln>
+            <a:noFill/>
+          </a:ln>
+        </p:spPr>
+        <p:txBody>
+          <a:bodyPr anchorCtr="0" anchor="t" bIns="45700" lIns="91425" spcFirstLastPara="1" rIns="91425" wrap="square" tIns="45700">
+            <a:normAutofit/>
+          </a:bodyPr>
+          <a:lstStyle/>
+          <a:p>
+            <a:pPr indent="0" lvl="0" marL="0" rtl="0" algn="l">
+              <a:lnSpc>
+                <a:spcPct val="100000"/>
+              </a:lnSpc>
+              <a:spcBef>
+                <a:spcPts val="0"/>
+              </a:spcBef>
+              <a:spcAft>
+                <a:spcPts val="0"/>
+              </a:spcAft>
+              <a:buClr>
+                <a:schemeClr val="dk1"/>
+              </a:buClr>
+              <a:buSzPts val="3200"/>
+              <a:buNone/>
+            </a:pPr>
+            <a:r>
+              <a:rPr lang="en-US">
+                <a:latin typeface="Times New Roman"/>
+                <a:ea typeface="Times New Roman"/>
+                <a:cs typeface="Times New Roman"/>
+                <a:sym typeface="Times New Roman"/>
+              </a:rPr>
+              <a:t>  Introduction                   </a:t>
+            </a:r>
+            <a:endParaRPr>
+              <a:latin typeface="Times New Roman"/>
+              <a:ea typeface="Times New Roman"/>
+              <a:cs typeface="Times New Roman"/>
+              <a:sym typeface="Times New Roman"/>
+            </a:endParaRPr>
+          </a:p>
+          <a:p>
+            <a:pPr indent="-139700" lvl="0" marL="342900" rtl="0" algn="l">
+              <a:lnSpc>
+                <a:spcPct val="100000"/>
+              </a:lnSpc>
+              <a:spcBef>
+                <a:spcPts val="640"/>
+              </a:spcBef>
+              <a:spcAft>
+                <a:spcPts val="0"/>
+              </a:spcAft>
+              <a:buClr>
+                <a:schemeClr val="dk1"/>
+              </a:buClr>
+              <a:buSzPts val="3200"/>
+              <a:buNone/>
+            </a:pPr>
+            <a:r>
+              <a:t/>
+            </a:r>
+            <a:endParaRPr>
+              <a:latin typeface="Times New Roman"/>
+              <a:ea typeface="Times New Roman"/>
+              <a:cs typeface="Times New Roman"/>
+              <a:sym typeface="Times New Roman"/>
+            </a:endParaRPr>
+          </a:p>
+          <a:p>
+            <a:pPr indent="-139700" lvl="0" marL="342900" rtl="0" algn="l">
+              <a:lnSpc>
+                <a:spcPct val="100000"/>
+              </a:lnSpc>
+              <a:spcBef>
+                <a:spcPts val="640"/>
+              </a:spcBef>
+              <a:spcAft>
+                <a:spcPts val="0"/>
+              </a:spcAft>
+              <a:buClr>
+                <a:schemeClr val="dk1"/>
+              </a:buClr>
+              <a:buSzPts val="3200"/>
+              <a:buNone/>
+            </a:pPr>
+            <a:r>
+              <a:t/>
+            </a:r>
+            <a:endParaRPr>
+              <a:latin typeface="Times New Roman"/>
+              <a:ea typeface="Times New Roman"/>
+              <a:cs typeface="Times New Roman"/>
+              <a:sym typeface="Times New Roman"/>
+            </a:endParaRPr>
+          </a:p>
+        </p:txBody>
+      </p:sp>
+      <p:pic>
+        <p:nvPicPr>
+          <p:cNvPr id="109" name="Google Shape;109;p3"/>
+          <p:cNvPicPr preferRelativeResize="0"/>
+          <p:nvPr/>
+        </p:nvPicPr>
+        <p:blipFill rotWithShape="1">
+          <a:blip r:embed="rId3">
+            <a:alphaModFix/>
+          </a:blip>
+          <a:srcRect b="0" l="0" r="0" t="0"/>
+          <a:stretch/>
+        </p:blipFill>
+        <p:spPr>
+          <a:xfrm>
+            <a:off x="228600" y="553353"/>
+            <a:ext cx="2237740" cy="755015"/>
+          </a:xfrm>
+          <a:prstGeom prst="rect">
+            <a:avLst/>
+          </a:prstGeom>
+          <a:noFill/>
+          <a:ln>
+            <a:noFill/>
+          </a:ln>
+        </p:spPr>
+      </p:pic>
+      <p:sp>
+        <p:nvSpPr>
+          <p:cNvPr id="110" name="Google Shape;110;p3"/>
+          <p:cNvSpPr txBox="1"/>
+          <p:nvPr>
+            <p:ph idx="10" type="dt"/>
+          </p:nvPr>
+        </p:nvSpPr>
+        <p:spPr>
+          <a:xfrm>
+            <a:off x="457200" y="6356350"/>
+            <a:ext cx="2133600" cy="365125"/>
+          </a:xfrm>
+          <a:prstGeom prst="rect">
+            <a:avLst/>
+          </a:prstGeom>
+          <a:noFill/>
+          <a:ln>
+            <a:noFill/>
+          </a:ln>
+        </p:spPr>
+        <p:txBody>
+          <a:bodyPr anchorCtr="0" anchor="ctr" bIns="45700" lIns="91425" spcFirstLastPara="1" rIns="91425" wrap="square" tIns="45700">
+            <a:noAutofit/>
+          </a:bodyPr>
+          <a:lstStyle/>
+          <a:p>
+            <a:pPr indent="0" lvl="0" marL="0" rtl="0" algn="l">
+              <a:lnSpc>
+                <a:spcPct val="100000"/>
+              </a:lnSpc>
+              <a:spcBef>
+                <a:spcPts val="0"/>
+              </a:spcBef>
+              <a:spcAft>
+                <a:spcPts val="0"/>
+              </a:spcAft>
+              <a:buSzPts val="1400"/>
+              <a:buNone/>
+            </a:pPr>
+            <a:r>
+              <a:rPr b="1" lang="en-US"/>
+              <a:t>6-9-2023</a:t>
+            </a:r>
+            <a:endParaRPr/>
+          </a:p>
+        </p:txBody>
+      </p:sp>
+      <p:sp>
+        <p:nvSpPr>
+          <p:cNvPr id="111" name="Google Shape;111;p3"/>
+          <p:cNvSpPr txBox="1"/>
+          <p:nvPr>
+            <p:ph idx="12" type="sldNum"/>
+          </p:nvPr>
+        </p:nvSpPr>
+        <p:spPr>
+          <a:xfrm>
+            <a:off x="6553200" y="6356350"/>
+            <a:ext cx="2133600" cy="365125"/>
+          </a:xfrm>
+          <a:prstGeom prst="rect">
+            <a:avLst/>
+          </a:prstGeom>
+          <a:noFill/>
+          <a:ln>
+            <a:noFill/>
+          </a:ln>
+        </p:spPr>
+        <p:txBody>
+          <a:bodyPr anchorCtr="0" anchor="ctr" bIns="45700" lIns="91425" spcFirstLastPara="1" rIns="91425" wrap="square" tIns="45700">
+            <a:noAutofit/>
+          </a:bodyPr>
+          <a:lstStyle/>
+          <a:p>
+            <a:pPr indent="0" lvl="0" marL="0" rtl="0" algn="r">
+              <a:lnSpc>
+                <a:spcPct val="100000"/>
+              </a:lnSpc>
+              <a:spcBef>
+                <a:spcPts val="0"/>
+              </a:spcBef>
+              <a:spcAft>
+                <a:spcPts val="0"/>
+              </a:spcAft>
+              <a:buSzPts val="1200"/>
+              <a:buNone/>
+            </a:pPr>
+            <a:fld id="{00000000-1234-1234-1234-123412341234}" type="slidenum">
+              <a:rPr lang="en-US"/>
+              <a:t>‹#›</a:t>
+            </a:fld>
+            <a:endParaRPr/>
+          </a:p>
+        </p:txBody>
+      </p:sp>
+      <p:sp>
+        <p:nvSpPr>
+          <p:cNvPr id="112" name="Google Shape;112;p3"/>
+          <p:cNvSpPr txBox="1"/>
+          <p:nvPr/>
+        </p:nvSpPr>
+        <p:spPr>
+          <a:xfrm>
+            <a:off x="601975" y="2311950"/>
+            <a:ext cx="7427100" cy="3683700"/>
+          </a:xfrm>
+          <a:prstGeom prst="rect">
+            <a:avLst/>
+          </a:prstGeom>
+          <a:noFill/>
+          <a:ln>
+            <a:noFill/>
+          </a:ln>
+        </p:spPr>
+        <p:txBody>
+          <a:bodyPr anchorCtr="0" anchor="t" bIns="91425" lIns="91425" spcFirstLastPara="1" rIns="91425" wrap="square" tIns="91425">
+            <a:noAutofit/>
+          </a:bodyPr>
+          <a:lstStyle/>
+          <a:p>
+            <a:pPr indent="-342900" lvl="0" marL="457200" rtl="0" algn="just">
+              <a:spcBef>
+                <a:spcPts val="640"/>
+              </a:spcBef>
+              <a:spcAft>
+                <a:spcPts val="0"/>
+              </a:spcAft>
+              <a:buClr>
+                <a:schemeClr val="dk1"/>
+              </a:buClr>
+              <a:buSzPts val="1800"/>
+              <a:buFont typeface="Times New Roman"/>
+              <a:buChar char="●"/>
+            </a:pPr>
+            <a:r>
+              <a:rPr lang="en-US" sz="1800">
+                <a:solidFill>
+                  <a:schemeClr val="dk1"/>
+                </a:solidFill>
+                <a:latin typeface="Times New Roman"/>
+                <a:ea typeface="Times New Roman"/>
+                <a:cs typeface="Times New Roman"/>
+                <a:sym typeface="Times New Roman"/>
+              </a:rPr>
+              <a:t>In the rapidly evolving landscape of healthcare, technology has emerged as a transformative force, reshaping how medical services are delivered and experienced. </a:t>
+            </a:r>
+            <a:endParaRPr sz="1800">
+              <a:solidFill>
+                <a:schemeClr val="dk1"/>
+              </a:solidFill>
+              <a:latin typeface="Times New Roman"/>
+              <a:ea typeface="Times New Roman"/>
+              <a:cs typeface="Times New Roman"/>
+              <a:sym typeface="Times New Roman"/>
+            </a:endParaRPr>
+          </a:p>
+          <a:p>
+            <a:pPr indent="-342900" lvl="0" marL="457200" rtl="0" algn="just">
+              <a:spcBef>
+                <a:spcPts val="0"/>
+              </a:spcBef>
+              <a:spcAft>
+                <a:spcPts val="0"/>
+              </a:spcAft>
+              <a:buClr>
+                <a:schemeClr val="dk1"/>
+              </a:buClr>
+              <a:buSzPts val="1800"/>
+              <a:buFont typeface="Times New Roman"/>
+              <a:buChar char="●"/>
+            </a:pPr>
+            <a:r>
+              <a:rPr lang="en-US" sz="1800">
+                <a:solidFill>
+                  <a:schemeClr val="dk1"/>
+                </a:solidFill>
+                <a:latin typeface="Times New Roman"/>
+                <a:ea typeface="Times New Roman"/>
+                <a:cs typeface="Times New Roman"/>
+                <a:sym typeface="Times New Roman"/>
+              </a:rPr>
+              <a:t>Mediwise aims to harness the power of cutting-edge artificial intelligence and natural language processing to revolutionize patient interactions </a:t>
+            </a:r>
+            <a:endParaRPr sz="1800">
+              <a:solidFill>
+                <a:schemeClr val="dk1"/>
+              </a:solidFill>
+              <a:latin typeface="Times New Roman"/>
+              <a:ea typeface="Times New Roman"/>
+              <a:cs typeface="Times New Roman"/>
+              <a:sym typeface="Times New Roman"/>
+            </a:endParaRPr>
+          </a:p>
+          <a:p>
+            <a:pPr indent="-342900" lvl="0" marL="457200" rtl="0" algn="just">
+              <a:spcBef>
+                <a:spcPts val="0"/>
+              </a:spcBef>
+              <a:spcAft>
+                <a:spcPts val="0"/>
+              </a:spcAft>
+              <a:buClr>
+                <a:schemeClr val="dk1"/>
+              </a:buClr>
+              <a:buSzPts val="1800"/>
+              <a:buFont typeface="Times New Roman"/>
+              <a:buChar char="●"/>
+            </a:pPr>
+            <a:r>
+              <a:rPr lang="en-US" sz="1800">
+                <a:solidFill>
+                  <a:schemeClr val="dk1"/>
+                </a:solidFill>
+                <a:latin typeface="Times New Roman"/>
+                <a:ea typeface="Times New Roman"/>
+                <a:cs typeface="Times New Roman"/>
+                <a:sym typeface="Times New Roman"/>
+              </a:rPr>
+              <a:t>The development of an intelligent conversational agent holds immense potential </a:t>
+            </a:r>
+            <a:endParaRPr sz="1800">
+              <a:solidFill>
+                <a:schemeClr val="dk1"/>
+              </a:solidFill>
+              <a:latin typeface="Times New Roman"/>
+              <a:ea typeface="Times New Roman"/>
+              <a:cs typeface="Times New Roman"/>
+              <a:sym typeface="Times New Roman"/>
+            </a:endParaRPr>
+          </a:p>
+          <a:p>
+            <a:pPr indent="0" lvl="0" marL="457200" rtl="0" algn="just">
+              <a:spcBef>
+                <a:spcPts val="0"/>
+              </a:spcBef>
+              <a:spcAft>
+                <a:spcPts val="0"/>
+              </a:spcAft>
+              <a:buNone/>
+            </a:pPr>
+            <a:r>
+              <a:rPr lang="en-US" sz="1800">
+                <a:solidFill>
+                  <a:schemeClr val="dk1"/>
+                </a:solidFill>
+                <a:latin typeface="Times New Roman"/>
+                <a:ea typeface="Times New Roman"/>
+                <a:cs typeface="Times New Roman"/>
+                <a:sym typeface="Times New Roman"/>
+              </a:rPr>
+              <a:t>to bridge gaps, enhance patient engagement, and streamline medical processes. </a:t>
+            </a:r>
+            <a:endParaRPr sz="1800">
+              <a:solidFill>
+                <a:schemeClr val="dk1"/>
+              </a:solidFill>
+              <a:latin typeface="Times New Roman"/>
+              <a:ea typeface="Times New Roman"/>
+              <a:cs typeface="Times New Roman"/>
+              <a:sym typeface="Times New Roman"/>
+            </a:endParaRPr>
+          </a:p>
+          <a:p>
+            <a:pPr indent="-342900" lvl="0" marL="457200" rtl="0" algn="just">
+              <a:spcBef>
+                <a:spcPts val="0"/>
+              </a:spcBef>
+              <a:spcAft>
+                <a:spcPts val="0"/>
+              </a:spcAft>
+              <a:buClr>
+                <a:schemeClr val="dk1"/>
+              </a:buClr>
+              <a:buSzPts val="1800"/>
+              <a:buFont typeface="Times New Roman"/>
+              <a:buChar char="●"/>
+            </a:pPr>
+            <a:r>
+              <a:rPr lang="en-US" sz="1800">
+                <a:solidFill>
+                  <a:schemeClr val="dk1"/>
+                </a:solidFill>
+                <a:latin typeface="Times New Roman"/>
+                <a:ea typeface="Times New Roman"/>
+                <a:cs typeface="Times New Roman"/>
+                <a:sym typeface="Times New Roman"/>
+              </a:rPr>
+              <a:t>By leveraging technology’s effectiveness, this endeavor aspires to cultivate a more patient- centric, efficient, and responsive healthcare ecosystem.</a:t>
+            </a:r>
+            <a:endParaRPr sz="1800">
+              <a:solidFill>
+                <a:schemeClr val="dk1"/>
+              </a:solidFill>
+              <a:latin typeface="Times New Roman"/>
+              <a:ea typeface="Times New Roman"/>
+              <a:cs typeface="Times New Roman"/>
+              <a:sym typeface="Times New Roman"/>
+            </a:endParaRPr>
+          </a:p>
+          <a:p>
+            <a:pPr indent="0" lvl="0" marL="457200" rtl="0" algn="l">
+              <a:spcBef>
+                <a:spcPts val="640"/>
+              </a:spcBef>
+              <a:spcAft>
+                <a:spcPts val="0"/>
+              </a:spcAft>
+              <a:buNone/>
+            </a:pPr>
+            <a:r>
+              <a:t/>
+            </a:r>
+            <a:endParaRPr sz="1800">
+              <a:solidFill>
+                <a:schemeClr val="dk1"/>
+              </a:solidFill>
+              <a:latin typeface="Times New Roman"/>
+              <a:ea typeface="Times New Roman"/>
+              <a:cs typeface="Times New Roman"/>
+              <a:sym typeface="Times New Roman"/>
+            </a:endParaRPr>
+          </a:p>
+          <a:p>
+            <a:pPr indent="0" lvl="0" marL="457200" rtl="0" algn="l">
+              <a:spcBef>
+                <a:spcPts val="0"/>
+              </a:spcBef>
+              <a:spcAft>
+                <a:spcPts val="0"/>
+              </a:spcAft>
+              <a:buNone/>
+            </a:pPr>
+            <a:r>
+              <a:t/>
+            </a:r>
+            <a:endParaRPr>
+              <a:solidFill>
+                <a:schemeClr val="dk1"/>
+              </a:solidFill>
+              <a:latin typeface="Times New Roman"/>
+              <a:ea typeface="Times New Roman"/>
+              <a:cs typeface="Times New Roman"/>
+              <a:sym typeface="Times New Roman"/>
+            </a:endParaRPr>
+          </a:p>
+        </p:txBody>
+      </p:sp>
+    </p:spTree>
+  </p:cSld>
+  <p:clrMapOvr>
+    <a:masterClrMapping/>
+  </p:clrMapOvr>
+</p:sld>
+</file>
+
+<file path=ppt/slides/slide30.xml><?xml version="1.0" encoding="utf-8"?>
+<p:sld xmlns:a="http://schemas.openxmlformats.org/drawingml/2006/main" xmlns:r="http://schemas.openxmlformats.org/officeDocument/2006/relationships" xmlns:mc="http://schemas.openxmlformats.org/markup-compatibility/2006" xmlns:mv="urn:schemas-microsoft-com:mac:vml" xmlns:p="http://schemas.openxmlformats.org/presentationml/2006/main" xmlns:c="http://schemas.openxmlformats.org/drawingml/2006/chart" xmlns:dgm="http://schemas.openxmlformats.org/drawingml/2006/diagram" xmlns:o="urn:schemas-microsoft-com:office:office" xmlns:v="urn:schemas-microsoft-com:vml" xmlns:pvml="urn:schemas-microsoft-com:office:powerpoint" xmlns:com="http://schemas.openxmlformats.org/drawingml/2006/compatibility" xmlns:p14="http://schemas.microsoft.com/office/powerpoint/2010/main" xmlns:p15="http://schemas.microsoft.com/office/powerpoint/2012/main" xmlns:ahyp="http://schemas.microsoft.com/office/drawing/2018/hyperlinkcolor">
+  <p:cSld>
+    <p:spTree>
+      <p:nvGrpSpPr>
+        <p:cNvPr id="383" name="Shape 383"/>
+        <p:cNvGrpSpPr/>
+        <p:nvPr/>
+      </p:nvGrpSpPr>
+      <p:grpSpPr>
+        <a:xfrm>
+          <a:off x="0" y="0"/>
+          <a:ext cx="0" cy="0"/>
+          <a:chOff x="0" y="0"/>
+          <a:chExt cx="0" cy="0"/>
+        </a:xfrm>
+      </p:grpSpPr>
+      <p:sp>
+        <p:nvSpPr>
+          <p:cNvPr id="384" name="Google Shape;384;g27ba4e28dd2_0_172"/>
           <p:cNvSpPr txBox="1"/>
           <p:nvPr>
             <p:ph idx="1" type="body"/>
@@ -31801,7 +34851,7 @@
       </p:sp>
       <p:pic>
         <p:nvPicPr>
-          <p:cNvPr id="345" name="Google Shape;345;g27ba4e28dd2_0_172"/>
+          <p:cNvPr id="385" name="Google Shape;385;g27ba4e28dd2_0_172"/>
           <p:cNvPicPr preferRelativeResize="0"/>
           <p:nvPr/>
         </p:nvPicPr>
@@ -31828,7 +34878,7 @@
       </p:pic>
       <p:sp>
         <p:nvSpPr>
-          <p:cNvPr id="346" name="Google Shape;346;g27ba4e28dd2_0_172"/>
+          <p:cNvPr id="386" name="Google Shape;386;g27ba4e28dd2_0_172"/>
           <p:cNvSpPr txBox="1"/>
           <p:nvPr>
             <p:ph idx="10" type="dt"/>
@@ -31876,7 +34926,7 @@
       </p:sp>
       <p:sp>
         <p:nvSpPr>
-          <p:cNvPr id="347" name="Google Shape;347;g27ba4e28dd2_0_172"/>
+          <p:cNvPr id="387" name="Google Shape;387;g27ba4e28dd2_0_172"/>
           <p:cNvSpPr txBox="1"/>
           <p:nvPr>
             <p:ph idx="12" type="sldNum"/>
@@ -31924,7 +34974,7 @@
       </p:sp>
       <p:sp>
         <p:nvSpPr>
-          <p:cNvPr id="348" name="Google Shape;348;g27ba4e28dd2_0_172"/>
+          <p:cNvPr id="388" name="Google Shape;388;g27ba4e28dd2_0_172"/>
           <p:cNvSpPr txBox="1"/>
           <p:nvPr/>
         </p:nvSpPr>
@@ -31974,7 +35024,7 @@
       </p:sp>
       <p:sp>
         <p:nvSpPr>
-          <p:cNvPr id="349" name="Google Shape;349;g27ba4e28dd2_0_172"/>
+          <p:cNvPr id="389" name="Google Shape;389;g27ba4e28dd2_0_172"/>
           <p:cNvSpPr txBox="1"/>
           <p:nvPr/>
         </p:nvSpPr>
@@ -32016,7 +35066,7 @@
                 <a:cs typeface="Times New Roman"/>
                 <a:sym typeface="Times New Roman"/>
               </a:rPr>
-              <a:t>Paper:</a:t>
+              <a:t>Paper 7:</a:t>
             </a:r>
             <a:r>
               <a:rPr lang="en-US" sz="1800">
@@ -32031,7 +35081,7 @@
               <a:t> </a:t>
             </a:r>
             <a:r>
-              <a:rPr lang="en-US" sz="1800" u="sng">
+              <a:rPr i="1" lang="en-US" sz="1800">
                 <a:solidFill>
                   <a:schemeClr val="dk1"/>
                 </a:solidFill>
@@ -32042,7 +35092,7 @@
               </a:rPr>
               <a:t>The Development and Use of Chatbots in Public Health - Scoping Review</a:t>
             </a:r>
-            <a:endParaRPr sz="1800" u="sng">
+            <a:endParaRPr i="1" sz="1800">
               <a:solidFill>
                 <a:schemeClr val="dk1"/>
               </a:solidFill>
@@ -32171,7 +35221,7 @@
       </p:sp>
       <p:graphicFrame>
         <p:nvGraphicFramePr>
-          <p:cNvPr id="350" name="Google Shape;350;g27ba4e28dd2_0_172"/>
+          <p:cNvPr id="390" name="Google Shape;390;g27ba4e28dd2_0_172"/>
           <p:cNvGraphicFramePr/>
           <p:nvPr/>
         </p:nvGraphicFramePr>
@@ -32184,7 +35234,7 @@
             <a:tbl>
               <a:tblPr>
                 <a:noFill/>
-                <a:tableStyleId>{E29442A0-7909-495E-A6CD-14AAAE505F85}</a:tableStyleId>
+                <a:tableStyleId>{FBB833D0-C8CD-4BB4-B632-36587DD76A75}</a:tableStyleId>
               </a:tblPr>
               <a:tblGrid>
                 <a:gridCol w="4113625"/>
@@ -32670,12 +35720,12 @@
 </p:sld>
 </file>
 
-<file path=ppt/slides/slide27.xml><?xml version="1.0" encoding="utf-8"?>
+<file path=ppt/slides/slide31.xml><?xml version="1.0" encoding="utf-8"?>
 <p:sld xmlns:a="http://schemas.openxmlformats.org/drawingml/2006/main" xmlns:r="http://schemas.openxmlformats.org/officeDocument/2006/relationships" xmlns:mc="http://schemas.openxmlformats.org/markup-compatibility/2006" xmlns:mv="urn:schemas-microsoft-com:mac:vml" xmlns:p="http://schemas.openxmlformats.org/presentationml/2006/main" xmlns:c="http://schemas.openxmlformats.org/drawingml/2006/chart" xmlns:dgm="http://schemas.openxmlformats.org/drawingml/2006/diagram" xmlns:o="urn:schemas-microsoft-com:office:office" xmlns:v="urn:schemas-microsoft-com:vml" xmlns:pvml="urn:schemas-microsoft-com:office:powerpoint" xmlns:com="http://schemas.openxmlformats.org/drawingml/2006/compatibility" xmlns:p14="http://schemas.microsoft.com/office/powerpoint/2010/main" xmlns:p15="http://schemas.microsoft.com/office/powerpoint/2012/main" xmlns:ahyp="http://schemas.microsoft.com/office/drawing/2018/hyperlinkcolor">
   <p:cSld>
     <p:spTree>
       <p:nvGrpSpPr>
-        <p:cNvPr id="354" name="Shape 354"/>
+        <p:cNvPr id="394" name="Shape 394"/>
         <p:cNvGrpSpPr/>
         <p:nvPr/>
       </p:nvGrpSpPr>
@@ -32689,7 +35739,7 @@
       </p:grpSpPr>
       <p:sp>
         <p:nvSpPr>
-          <p:cNvPr id="355" name="Google Shape;355;g27ba4e28dd2_0_189"/>
+          <p:cNvPr id="395" name="Google Shape;395;g27ba4e28dd2_0_189"/>
           <p:cNvSpPr txBox="1"/>
           <p:nvPr>
             <p:ph idx="1" type="body"/>
@@ -32772,7 +35822,7 @@
       </p:sp>
       <p:pic>
         <p:nvPicPr>
-          <p:cNvPr id="356" name="Google Shape;356;g27ba4e28dd2_0_189"/>
+          <p:cNvPr id="396" name="Google Shape;396;g27ba4e28dd2_0_189"/>
           <p:cNvPicPr preferRelativeResize="0"/>
           <p:nvPr/>
         </p:nvPicPr>
@@ -32799,7 +35849,7 @@
       </p:pic>
       <p:sp>
         <p:nvSpPr>
-          <p:cNvPr id="357" name="Google Shape;357;g27ba4e28dd2_0_189"/>
+          <p:cNvPr id="397" name="Google Shape;397;g27ba4e28dd2_0_189"/>
           <p:cNvSpPr txBox="1"/>
           <p:nvPr>
             <p:ph idx="10" type="dt"/>
@@ -32847,7 +35897,7 @@
       </p:sp>
       <p:sp>
         <p:nvSpPr>
-          <p:cNvPr id="358" name="Google Shape;358;g27ba4e28dd2_0_189"/>
+          <p:cNvPr id="398" name="Google Shape;398;g27ba4e28dd2_0_189"/>
           <p:cNvSpPr txBox="1"/>
           <p:nvPr>
             <p:ph idx="12" type="sldNum"/>
@@ -32895,7 +35945,7 @@
       </p:sp>
       <p:sp>
         <p:nvSpPr>
-          <p:cNvPr id="359" name="Google Shape;359;g27ba4e28dd2_0_189"/>
+          <p:cNvPr id="399" name="Google Shape;399;g27ba4e28dd2_0_189"/>
           <p:cNvSpPr txBox="1"/>
           <p:nvPr/>
         </p:nvSpPr>
@@ -32945,14 +35995,14 @@
       </p:sp>
       <p:sp>
         <p:nvSpPr>
-          <p:cNvPr id="360" name="Google Shape;360;g27ba4e28dd2_0_189"/>
+          <p:cNvPr id="400" name="Google Shape;400;g27ba4e28dd2_0_189"/>
           <p:cNvSpPr txBox="1"/>
           <p:nvPr/>
         </p:nvSpPr>
         <p:spPr>
           <a:xfrm>
             <a:off x="727900" y="2431775"/>
-            <a:ext cx="8229600" cy="2678100"/>
+            <a:ext cx="8229600" cy="2709000"/>
           </a:xfrm>
           <a:prstGeom prst="rect">
             <a:avLst/>
@@ -32978,7 +36028,7 @@
               <a:buNone/>
             </a:pPr>
             <a:r>
-              <a:rPr b="1" lang="en-US" sz="1800">
+              <a:rPr b="1" lang="en-US" sz="2000">
                 <a:solidFill>
                   <a:schemeClr val="dk1"/>
                 </a:solidFill>
@@ -32987,10 +36037,10 @@
                 <a:cs typeface="Times New Roman"/>
                 <a:sym typeface="Times New Roman"/>
               </a:rPr>
-              <a:t>Paper:</a:t>
-            </a:r>
-            <a:r>
-              <a:rPr lang="en-US" sz="1800">
+              <a:t>Paper 8:</a:t>
+            </a:r>
+            <a:r>
+              <a:rPr b="1" i="1" lang="en-US" sz="2000">
                 <a:solidFill>
                   <a:schemeClr val="dk1"/>
                 </a:solidFill>
@@ -33002,7 +36052,7 @@
               <a:t> </a:t>
             </a:r>
             <a:r>
-              <a:rPr lang="en-US" sz="1800" u="sng">
+              <a:rPr b="1" i="1" lang="en-US" sz="2000">
                 <a:solidFill>
                   <a:schemeClr val="dk1"/>
                 </a:solidFill>
@@ -33013,7 +36063,7 @@
               </a:rPr>
               <a:t>News entity classification using NLP</a:t>
             </a:r>
-            <a:endParaRPr sz="1800" u="sng">
+            <a:endParaRPr b="1" i="1" sz="2000">
               <a:solidFill>
                 <a:schemeClr val="dk1"/>
               </a:solidFill>
@@ -33338,12 +36388,12 @@
 </p:sld>
 </file>
 
-<file path=ppt/slides/slide28.xml><?xml version="1.0" encoding="utf-8"?>
+<file path=ppt/slides/slide32.xml><?xml version="1.0" encoding="utf-8"?>
 <p:sld xmlns:a="http://schemas.openxmlformats.org/drawingml/2006/main" xmlns:r="http://schemas.openxmlformats.org/officeDocument/2006/relationships" xmlns:mc="http://schemas.openxmlformats.org/markup-compatibility/2006" xmlns:mv="urn:schemas-microsoft-com:mac:vml" xmlns:p="http://schemas.openxmlformats.org/presentationml/2006/main" xmlns:c="http://schemas.openxmlformats.org/drawingml/2006/chart" xmlns:dgm="http://schemas.openxmlformats.org/drawingml/2006/diagram" xmlns:o="urn:schemas-microsoft-com:office:office" xmlns:v="urn:schemas-microsoft-com:vml" xmlns:pvml="urn:schemas-microsoft-com:office:powerpoint" xmlns:com="http://schemas.openxmlformats.org/drawingml/2006/compatibility" xmlns:p14="http://schemas.microsoft.com/office/powerpoint/2010/main" xmlns:p15="http://schemas.microsoft.com/office/powerpoint/2012/main" xmlns:ahyp="http://schemas.microsoft.com/office/drawing/2018/hyperlinkcolor">
   <p:cSld>
     <p:spTree>
       <p:nvGrpSpPr>
-        <p:cNvPr id="364" name="Shape 364"/>
+        <p:cNvPr id="404" name="Shape 404"/>
         <p:cNvGrpSpPr/>
         <p:nvPr/>
       </p:nvGrpSpPr>
@@ -33357,7 +36407,7 @@
       </p:grpSpPr>
       <p:sp>
         <p:nvSpPr>
-          <p:cNvPr id="365" name="Google Shape;365;g27ba4e28dd2_0_198"/>
+          <p:cNvPr id="405" name="Google Shape;405;g27ba4e28dd2_0_198"/>
           <p:cNvSpPr txBox="1"/>
           <p:nvPr>
             <p:ph idx="1" type="body"/>
@@ -33434,7 +36484,7 @@
       </p:sp>
       <p:pic>
         <p:nvPicPr>
-          <p:cNvPr id="366" name="Google Shape;366;g27ba4e28dd2_0_198"/>
+          <p:cNvPr id="406" name="Google Shape;406;g27ba4e28dd2_0_198"/>
           <p:cNvPicPr preferRelativeResize="0"/>
           <p:nvPr/>
         </p:nvPicPr>
@@ -33461,7 +36511,7 @@
       </p:pic>
       <p:sp>
         <p:nvSpPr>
-          <p:cNvPr id="367" name="Google Shape;367;g27ba4e28dd2_0_198"/>
+          <p:cNvPr id="407" name="Google Shape;407;g27ba4e28dd2_0_198"/>
           <p:cNvSpPr txBox="1"/>
           <p:nvPr>
             <p:ph idx="10" type="dt"/>
@@ -33509,7 +36559,7 @@
       </p:sp>
       <p:sp>
         <p:nvSpPr>
-          <p:cNvPr id="368" name="Google Shape;368;g27ba4e28dd2_0_198"/>
+          <p:cNvPr id="408" name="Google Shape;408;g27ba4e28dd2_0_198"/>
           <p:cNvSpPr txBox="1"/>
           <p:nvPr>
             <p:ph idx="12" type="sldNum"/>
@@ -33557,7 +36607,7 @@
       </p:sp>
       <p:sp>
         <p:nvSpPr>
-          <p:cNvPr id="369" name="Google Shape;369;g27ba4e28dd2_0_198"/>
+          <p:cNvPr id="409" name="Google Shape;409;g27ba4e28dd2_0_198"/>
           <p:cNvSpPr txBox="1"/>
           <p:nvPr/>
         </p:nvSpPr>
@@ -33607,7 +36657,7 @@
       </p:sp>
       <p:sp>
         <p:nvSpPr>
-          <p:cNvPr id="370" name="Google Shape;370;g27ba4e28dd2_0_198"/>
+          <p:cNvPr id="410" name="Google Shape;410;g27ba4e28dd2_0_198"/>
           <p:cNvSpPr txBox="1"/>
           <p:nvPr/>
         </p:nvSpPr>
@@ -33640,7 +36690,7 @@
               <a:buNone/>
             </a:pPr>
             <a:r>
-              <a:rPr b="1" lang="en-US" sz="1800">
+              <a:rPr b="1" i="1" lang="en-US" sz="1800">
                 <a:solidFill>
                   <a:schemeClr val="dk1"/>
                 </a:solidFill>
@@ -33649,10 +36699,10 @@
                 <a:cs typeface="Times New Roman"/>
                 <a:sym typeface="Times New Roman"/>
               </a:rPr>
-              <a:t>Paper:</a:t>
-            </a:r>
-            <a:r>
-              <a:rPr lang="en-US" sz="1800">
+              <a:t>Paper 8:</a:t>
+            </a:r>
+            <a:r>
+              <a:rPr i="1" lang="en-US" sz="1800">
                 <a:solidFill>
                   <a:schemeClr val="dk1"/>
                 </a:solidFill>
@@ -33664,7 +36714,7 @@
               <a:t> </a:t>
             </a:r>
             <a:r>
-              <a:rPr lang="en-US" sz="1800" u="sng">
+              <a:rPr i="1" lang="en-US" sz="1800">
                 <a:solidFill>
                   <a:schemeClr val="dk1"/>
                 </a:solidFill>
@@ -33675,7 +36725,7 @@
               </a:rPr>
               <a:t>News entity classification using NLP</a:t>
             </a:r>
-            <a:endParaRPr sz="1800" u="sng">
+            <a:endParaRPr i="1" sz="1800">
               <a:solidFill>
                 <a:schemeClr val="dk1"/>
               </a:solidFill>
@@ -33698,7 +36748,7 @@
             <a:r>
               <a:t/>
             </a:r>
-            <a:endParaRPr sz="1800" u="sng">
+            <a:endParaRPr i="1" sz="1800" u="sng">
               <a:solidFill>
                 <a:schemeClr val="dk1"/>
               </a:solidFill>
@@ -33721,7 +36771,7 @@
             <a:r>
               <a:t/>
             </a:r>
-            <a:endParaRPr sz="1600">
+            <a:endParaRPr i="1" sz="1600">
               <a:solidFill>
                 <a:srgbClr val="D1D5DB"/>
               </a:solidFill>
@@ -33747,7 +36797,7 @@
             <a:r>
               <a:t/>
             </a:r>
-            <a:endParaRPr b="1" sz="1800">
+            <a:endParaRPr b="1" i="1" sz="1800">
               <a:latin typeface="Times New Roman"/>
               <a:ea typeface="Times New Roman"/>
               <a:cs typeface="Times New Roman"/>
@@ -33767,7 +36817,7 @@
             <a:r>
               <a:t/>
             </a:r>
-            <a:endParaRPr sz="1800" u="sng">
+            <a:endParaRPr i="1" sz="1800" u="sng">
               <a:solidFill>
                 <a:schemeClr val="dk1"/>
               </a:solidFill>
@@ -33790,7 +36840,7 @@
             <a:r>
               <a:t/>
             </a:r>
-            <a:endParaRPr sz="1800">
+            <a:endParaRPr i="1" sz="1800">
               <a:solidFill>
                 <a:schemeClr val="dk1"/>
               </a:solidFill>
@@ -33804,7 +36854,7 @@
       </p:sp>
       <p:graphicFrame>
         <p:nvGraphicFramePr>
-          <p:cNvPr id="371" name="Google Shape;371;g27ba4e28dd2_0_198"/>
+          <p:cNvPr id="411" name="Google Shape;411;g27ba4e28dd2_0_198"/>
           <p:cNvGraphicFramePr/>
           <p:nvPr/>
         </p:nvGraphicFramePr>
@@ -33817,7 +36867,7 @@
             <a:tbl>
               <a:tblPr>
                 <a:noFill/>
-                <a:tableStyleId>{E29442A0-7909-495E-A6CD-14AAAE505F85}</a:tableStyleId>
+                <a:tableStyleId>{FBB833D0-C8CD-4BB4-B632-36587DD76A75}</a:tableStyleId>
               </a:tblPr>
               <a:tblGrid>
                 <a:gridCol w="4113625"/>
@@ -34263,12 +37313,12 @@
 </p:sld>
 </file>
 
-<file path=ppt/slides/slide29.xml><?xml version="1.0" encoding="utf-8"?>
+<file path=ppt/slides/slide33.xml><?xml version="1.0" encoding="utf-8"?>
 <p:sld xmlns:a="http://schemas.openxmlformats.org/drawingml/2006/main" xmlns:r="http://schemas.openxmlformats.org/officeDocument/2006/relationships" xmlns:mc="http://schemas.openxmlformats.org/markup-compatibility/2006" xmlns:mv="urn:schemas-microsoft-com:mac:vml" xmlns:p="http://schemas.openxmlformats.org/presentationml/2006/main" xmlns:c="http://schemas.openxmlformats.org/drawingml/2006/chart" xmlns:dgm="http://schemas.openxmlformats.org/drawingml/2006/diagram" xmlns:o="urn:schemas-microsoft-com:office:office" xmlns:v="urn:schemas-microsoft-com:vml" xmlns:pvml="urn:schemas-microsoft-com:office:powerpoint" xmlns:com="http://schemas.openxmlformats.org/drawingml/2006/compatibility" xmlns:p14="http://schemas.microsoft.com/office/powerpoint/2010/main" xmlns:p15="http://schemas.microsoft.com/office/powerpoint/2012/main" xmlns:ahyp="http://schemas.microsoft.com/office/drawing/2018/hyperlinkcolor">
   <p:cSld>
     <p:spTree>
       <p:nvGrpSpPr>
-        <p:cNvPr id="375" name="Shape 375"/>
+        <p:cNvPr id="415" name="Shape 415"/>
         <p:cNvGrpSpPr/>
         <p:nvPr/>
       </p:nvGrpSpPr>
@@ -34282,7 +37332,7 @@
       </p:grpSpPr>
       <p:sp>
         <p:nvSpPr>
-          <p:cNvPr id="376" name="Google Shape;376;g27ba4e28dd2_0_218"/>
+          <p:cNvPr id="416" name="Google Shape;416;g27ba4e28dd2_0_218"/>
           <p:cNvSpPr txBox="1"/>
           <p:nvPr>
             <p:ph idx="1" type="body"/>
@@ -34365,7 +37415,7 @@
       </p:sp>
       <p:pic>
         <p:nvPicPr>
-          <p:cNvPr id="377" name="Google Shape;377;g27ba4e28dd2_0_218"/>
+          <p:cNvPr id="417" name="Google Shape;417;g27ba4e28dd2_0_218"/>
           <p:cNvPicPr preferRelativeResize="0"/>
           <p:nvPr/>
         </p:nvPicPr>
@@ -34392,7 +37442,7 @@
       </p:pic>
       <p:sp>
         <p:nvSpPr>
-          <p:cNvPr id="378" name="Google Shape;378;g27ba4e28dd2_0_218"/>
+          <p:cNvPr id="418" name="Google Shape;418;g27ba4e28dd2_0_218"/>
           <p:cNvSpPr txBox="1"/>
           <p:nvPr>
             <p:ph idx="10" type="dt"/>
@@ -34440,7 +37490,7 @@
       </p:sp>
       <p:sp>
         <p:nvSpPr>
-          <p:cNvPr id="379" name="Google Shape;379;g27ba4e28dd2_0_218"/>
+          <p:cNvPr id="419" name="Google Shape;419;g27ba4e28dd2_0_218"/>
           <p:cNvSpPr txBox="1"/>
           <p:nvPr>
             <p:ph idx="12" type="sldNum"/>
@@ -34488,7 +37538,7 @@
       </p:sp>
       <p:sp>
         <p:nvSpPr>
-          <p:cNvPr id="380" name="Google Shape;380;g27ba4e28dd2_0_218"/>
+          <p:cNvPr id="420" name="Google Shape;420;g27ba4e28dd2_0_218"/>
           <p:cNvSpPr txBox="1"/>
           <p:nvPr/>
         </p:nvSpPr>
@@ -34538,14 +37588,14 @@
       </p:sp>
       <p:sp>
         <p:nvSpPr>
-          <p:cNvPr id="381" name="Google Shape;381;g27ba4e28dd2_0_218"/>
+          <p:cNvPr id="421" name="Google Shape;421;g27ba4e28dd2_0_218"/>
           <p:cNvSpPr txBox="1"/>
           <p:nvPr/>
         </p:nvSpPr>
         <p:spPr>
           <a:xfrm>
             <a:off x="727900" y="2431775"/>
-            <a:ext cx="8229600" cy="3232500"/>
+            <a:ext cx="8229600" cy="3294000"/>
           </a:xfrm>
           <a:prstGeom prst="rect">
             <a:avLst/>
@@ -34571,7 +37621,7 @@
               <a:buNone/>
             </a:pPr>
             <a:r>
-              <a:rPr b="1" lang="en-US" sz="1800">
+              <a:rPr b="1" lang="en-US" sz="2000">
                 <a:solidFill>
                   <a:schemeClr val="dk1"/>
                 </a:solidFill>
@@ -34580,22 +37630,10 @@
                 <a:cs typeface="Times New Roman"/>
                 <a:sym typeface="Times New Roman"/>
               </a:rPr>
-              <a:t>Paper:</a:t>
-            </a:r>
-            <a:r>
-              <a:rPr lang="en-US" sz="1800">
-                <a:solidFill>
-                  <a:schemeClr val="dk1"/>
-                </a:solidFill>
-                <a:latin typeface="Times New Roman"/>
-                <a:ea typeface="Times New Roman"/>
-                <a:cs typeface="Times New Roman"/>
-                <a:sym typeface="Times New Roman"/>
-              </a:rPr>
-              <a:t> </a:t>
-            </a:r>
-            <a:r>
-              <a:rPr lang="en-US" sz="1800" u="sng">
+              <a:t>Paper 9: </a:t>
+            </a:r>
+            <a:r>
+              <a:rPr b="1" i="1" lang="en-US" sz="2000">
                 <a:solidFill>
                   <a:schemeClr val="dk1"/>
                 </a:solidFill>
@@ -34606,7 +37644,7 @@
               </a:rPr>
               <a:t>Intelligent AI-based dialogue agent to enhance communication in organ transplant networks</a:t>
             </a:r>
-            <a:endParaRPr sz="1800" u="sng">
+            <a:endParaRPr b="1" i="1" sz="2000">
               <a:solidFill>
                 <a:schemeClr val="dk1"/>
               </a:solidFill>
@@ -34943,12 +37981,12 @@
 </p:sld>
 </file>
 
-<file path=ppt/slides/slide3.xml><?xml version="1.0" encoding="utf-8"?>
+<file path=ppt/slides/slide34.xml><?xml version="1.0" encoding="utf-8"?>
 <p:sld xmlns:a="http://schemas.openxmlformats.org/drawingml/2006/main" xmlns:r="http://schemas.openxmlformats.org/officeDocument/2006/relationships" xmlns:mc="http://schemas.openxmlformats.org/markup-compatibility/2006" xmlns:mv="urn:schemas-microsoft-com:mac:vml" xmlns:p="http://schemas.openxmlformats.org/presentationml/2006/main" xmlns:c="http://schemas.openxmlformats.org/drawingml/2006/chart" xmlns:dgm="http://schemas.openxmlformats.org/drawingml/2006/diagram" xmlns:o="urn:schemas-microsoft-com:office:office" xmlns:v="urn:schemas-microsoft-com:vml" xmlns:pvml="urn:schemas-microsoft-com:office:powerpoint" xmlns:com="http://schemas.openxmlformats.org/drawingml/2006/compatibility" xmlns:p14="http://schemas.microsoft.com/office/powerpoint/2010/main" xmlns:p15="http://schemas.microsoft.com/office/powerpoint/2012/main" xmlns:ahyp="http://schemas.microsoft.com/office/drawing/2018/hyperlinkcolor">
   <p:cSld>
     <p:spTree>
       <p:nvGrpSpPr>
-        <p:cNvPr id="106" name="Shape 106"/>
+        <p:cNvPr id="425" name="Shape 425"/>
         <p:cNvGrpSpPr/>
         <p:nvPr/>
       </p:nvGrpSpPr>
@@ -34962,574 +38000,7 @@
       </p:grpSpPr>
       <p:sp>
         <p:nvSpPr>
-          <p:cNvPr id="107" name="Google Shape;107;p3"/>
-          <p:cNvSpPr txBox="1"/>
-          <p:nvPr>
-            <p:ph type="title"/>
-          </p:nvPr>
-        </p:nvSpPr>
-        <p:spPr>
-          <a:xfrm>
-            <a:off x="457200" y="274638"/>
-            <a:ext cx="8229600" cy="1143000"/>
-          </a:xfrm>
-          <a:prstGeom prst="rect">
-            <a:avLst/>
-          </a:prstGeom>
-          <a:noFill/>
-          <a:ln>
-            <a:noFill/>
-          </a:ln>
-        </p:spPr>
-        <p:txBody>
-          <a:bodyPr anchorCtr="0" anchor="ctr" bIns="45700" lIns="91425" spcFirstLastPara="1" rIns="91425" wrap="square" tIns="45700">
-            <a:normAutofit/>
-          </a:bodyPr>
-          <a:lstStyle/>
-          <a:p>
-            <a:pPr indent="0" lvl="0" marL="0" rtl="0" algn="ctr">
-              <a:lnSpc>
-                <a:spcPct val="100000"/>
-              </a:lnSpc>
-              <a:spcBef>
-                <a:spcPts val="0"/>
-              </a:spcBef>
-              <a:spcAft>
-                <a:spcPts val="0"/>
-              </a:spcAft>
-              <a:buClr>
-                <a:schemeClr val="dk1"/>
-              </a:buClr>
-              <a:buSzPts val="4400"/>
-              <a:buFont typeface="Calibri"/>
-              <a:buNone/>
-            </a:pPr>
-            <a:r>
-              <a:rPr lang="en-US"/>
-              <a:t>      MEDIWISE</a:t>
-            </a:r>
-            <a:endParaRPr/>
-          </a:p>
-        </p:txBody>
-      </p:sp>
-      <p:sp>
-        <p:nvSpPr>
-          <p:cNvPr id="108" name="Google Shape;108;p3"/>
-          <p:cNvSpPr txBox="1"/>
-          <p:nvPr>
-            <p:ph idx="1" type="body"/>
-          </p:nvPr>
-        </p:nvSpPr>
-        <p:spPr>
-          <a:xfrm>
-            <a:off x="457200" y="1600200"/>
-            <a:ext cx="8229600" cy="4525963"/>
-          </a:xfrm>
-          <a:prstGeom prst="rect">
-            <a:avLst/>
-          </a:prstGeom>
-          <a:noFill/>
-          <a:ln>
-            <a:noFill/>
-          </a:ln>
-        </p:spPr>
-        <p:txBody>
-          <a:bodyPr anchorCtr="0" anchor="t" bIns="45700" lIns="91425" spcFirstLastPara="1" rIns="91425" wrap="square" tIns="45700">
-            <a:normAutofit/>
-          </a:bodyPr>
-          <a:lstStyle/>
-          <a:p>
-            <a:pPr indent="0" lvl="0" marL="0" rtl="0" algn="l">
-              <a:lnSpc>
-                <a:spcPct val="100000"/>
-              </a:lnSpc>
-              <a:spcBef>
-                <a:spcPts val="0"/>
-              </a:spcBef>
-              <a:spcAft>
-                <a:spcPts val="0"/>
-              </a:spcAft>
-              <a:buClr>
-                <a:schemeClr val="dk1"/>
-              </a:buClr>
-              <a:buSzPts val="3200"/>
-              <a:buNone/>
-            </a:pPr>
-            <a:r>
-              <a:rPr lang="en-US">
-                <a:latin typeface="Times New Roman"/>
-                <a:ea typeface="Times New Roman"/>
-                <a:cs typeface="Times New Roman"/>
-                <a:sym typeface="Times New Roman"/>
-              </a:rPr>
-              <a:t>  Introduction                   </a:t>
-            </a:r>
-            <a:endParaRPr>
-              <a:latin typeface="Times New Roman"/>
-              <a:ea typeface="Times New Roman"/>
-              <a:cs typeface="Times New Roman"/>
-              <a:sym typeface="Times New Roman"/>
-            </a:endParaRPr>
-          </a:p>
-          <a:p>
-            <a:pPr indent="-139700" lvl="0" marL="342900" rtl="0" algn="l">
-              <a:lnSpc>
-                <a:spcPct val="100000"/>
-              </a:lnSpc>
-              <a:spcBef>
-                <a:spcPts val="640"/>
-              </a:spcBef>
-              <a:spcAft>
-                <a:spcPts val="0"/>
-              </a:spcAft>
-              <a:buClr>
-                <a:schemeClr val="dk1"/>
-              </a:buClr>
-              <a:buSzPts val="3200"/>
-              <a:buNone/>
-            </a:pPr>
-            <a:r>
-              <a:t/>
-            </a:r>
-            <a:endParaRPr>
-              <a:latin typeface="Times New Roman"/>
-              <a:ea typeface="Times New Roman"/>
-              <a:cs typeface="Times New Roman"/>
-              <a:sym typeface="Times New Roman"/>
-            </a:endParaRPr>
-          </a:p>
-          <a:p>
-            <a:pPr indent="-139700" lvl="0" marL="342900" rtl="0" algn="l">
-              <a:lnSpc>
-                <a:spcPct val="100000"/>
-              </a:lnSpc>
-              <a:spcBef>
-                <a:spcPts val="640"/>
-              </a:spcBef>
-              <a:spcAft>
-                <a:spcPts val="0"/>
-              </a:spcAft>
-              <a:buClr>
-                <a:schemeClr val="dk1"/>
-              </a:buClr>
-              <a:buSzPts val="3200"/>
-              <a:buNone/>
-            </a:pPr>
-            <a:r>
-              <a:t/>
-            </a:r>
-            <a:endParaRPr>
-              <a:latin typeface="Times New Roman"/>
-              <a:ea typeface="Times New Roman"/>
-              <a:cs typeface="Times New Roman"/>
-              <a:sym typeface="Times New Roman"/>
-            </a:endParaRPr>
-          </a:p>
-        </p:txBody>
-      </p:sp>
-      <p:pic>
-        <p:nvPicPr>
-          <p:cNvPr id="109" name="Google Shape;109;p3"/>
-          <p:cNvPicPr preferRelativeResize="0"/>
-          <p:nvPr/>
-        </p:nvPicPr>
-        <p:blipFill rotWithShape="1">
-          <a:blip r:embed="rId3">
-            <a:alphaModFix/>
-          </a:blip>
-          <a:srcRect b="0" l="0" r="0" t="0"/>
-          <a:stretch/>
-        </p:blipFill>
-        <p:spPr>
-          <a:xfrm>
-            <a:off x="228600" y="553353"/>
-            <a:ext cx="2237740" cy="755015"/>
-          </a:xfrm>
-          <a:prstGeom prst="rect">
-            <a:avLst/>
-          </a:prstGeom>
-          <a:noFill/>
-          <a:ln>
-            <a:noFill/>
-          </a:ln>
-        </p:spPr>
-      </p:pic>
-      <p:sp>
-        <p:nvSpPr>
-          <p:cNvPr id="110" name="Google Shape;110;p3"/>
-          <p:cNvSpPr txBox="1"/>
-          <p:nvPr>
-            <p:ph idx="10" type="dt"/>
-          </p:nvPr>
-        </p:nvSpPr>
-        <p:spPr>
-          <a:xfrm>
-            <a:off x="457200" y="6356350"/>
-            <a:ext cx="2133600" cy="365125"/>
-          </a:xfrm>
-          <a:prstGeom prst="rect">
-            <a:avLst/>
-          </a:prstGeom>
-          <a:noFill/>
-          <a:ln>
-            <a:noFill/>
-          </a:ln>
-        </p:spPr>
-        <p:txBody>
-          <a:bodyPr anchorCtr="0" anchor="ctr" bIns="45700" lIns="91425" spcFirstLastPara="1" rIns="91425" wrap="square" tIns="45700">
-            <a:noAutofit/>
-          </a:bodyPr>
-          <a:lstStyle/>
-          <a:p>
-            <a:pPr indent="0" lvl="0" marL="0" rtl="0" algn="l">
-              <a:lnSpc>
-                <a:spcPct val="100000"/>
-              </a:lnSpc>
-              <a:spcBef>
-                <a:spcPts val="0"/>
-              </a:spcBef>
-              <a:spcAft>
-                <a:spcPts val="0"/>
-              </a:spcAft>
-              <a:buSzPts val="1400"/>
-              <a:buNone/>
-            </a:pPr>
-            <a:r>
-              <a:rPr b="1" lang="en-US"/>
-              <a:t>6-9-2023</a:t>
-            </a:r>
-            <a:endParaRPr/>
-          </a:p>
-        </p:txBody>
-      </p:sp>
-      <p:sp>
-        <p:nvSpPr>
-          <p:cNvPr id="111" name="Google Shape;111;p3"/>
-          <p:cNvSpPr txBox="1"/>
-          <p:nvPr>
-            <p:ph idx="12" type="sldNum"/>
-          </p:nvPr>
-        </p:nvSpPr>
-        <p:spPr>
-          <a:xfrm>
-            <a:off x="6553200" y="6356350"/>
-            <a:ext cx="2133600" cy="365125"/>
-          </a:xfrm>
-          <a:prstGeom prst="rect">
-            <a:avLst/>
-          </a:prstGeom>
-          <a:noFill/>
-          <a:ln>
-            <a:noFill/>
-          </a:ln>
-        </p:spPr>
-        <p:txBody>
-          <a:bodyPr anchorCtr="0" anchor="ctr" bIns="45700" lIns="91425" spcFirstLastPara="1" rIns="91425" wrap="square" tIns="45700">
-            <a:noAutofit/>
-          </a:bodyPr>
-          <a:lstStyle/>
-          <a:p>
-            <a:pPr indent="0" lvl="0" marL="0" rtl="0" algn="r">
-              <a:lnSpc>
-                <a:spcPct val="100000"/>
-              </a:lnSpc>
-              <a:spcBef>
-                <a:spcPts val="0"/>
-              </a:spcBef>
-              <a:spcAft>
-                <a:spcPts val="0"/>
-              </a:spcAft>
-              <a:buSzPts val="1200"/>
-              <a:buNone/>
-            </a:pPr>
-            <a:fld id="{00000000-1234-1234-1234-123412341234}" type="slidenum">
-              <a:rPr lang="en-US"/>
-              <a:t>‹#›</a:t>
-            </a:fld>
-            <a:endParaRPr/>
-          </a:p>
-        </p:txBody>
-      </p:sp>
-      <p:sp>
-        <p:nvSpPr>
-          <p:cNvPr id="112" name="Google Shape;112;p3"/>
-          <p:cNvSpPr txBox="1"/>
-          <p:nvPr/>
-        </p:nvSpPr>
-        <p:spPr>
-          <a:xfrm>
-            <a:off x="601975" y="2311950"/>
-            <a:ext cx="7427100" cy="3683700"/>
-          </a:xfrm>
-          <a:prstGeom prst="rect">
-            <a:avLst/>
-          </a:prstGeom>
-          <a:noFill/>
-          <a:ln>
-            <a:noFill/>
-          </a:ln>
-        </p:spPr>
-        <p:txBody>
-          <a:bodyPr anchorCtr="0" anchor="t" bIns="91425" lIns="91425" spcFirstLastPara="1" rIns="91425" wrap="square" tIns="91425">
-            <a:noAutofit/>
-          </a:bodyPr>
-          <a:lstStyle/>
-          <a:p>
-            <a:pPr indent="-342900" lvl="0" marL="457200" rtl="0" algn="just">
-              <a:spcBef>
-                <a:spcPts val="640"/>
-              </a:spcBef>
-              <a:spcAft>
-                <a:spcPts val="0"/>
-              </a:spcAft>
-              <a:buClr>
-                <a:schemeClr val="dk1"/>
-              </a:buClr>
-              <a:buSzPts val="1800"/>
-              <a:buFont typeface="Times New Roman"/>
-              <a:buChar char="●"/>
-            </a:pPr>
-            <a:r>
-              <a:rPr lang="en-US" sz="1800">
-                <a:solidFill>
-                  <a:schemeClr val="dk1"/>
-                </a:solidFill>
-                <a:latin typeface="Times New Roman"/>
-                <a:ea typeface="Times New Roman"/>
-                <a:cs typeface="Times New Roman"/>
-                <a:sym typeface="Times New Roman"/>
-              </a:rPr>
-              <a:t>In the rapidly evolving landscape of healthcare, technology has emerged as a transformative force, reshaping how medical services are delivered and experienced. </a:t>
-            </a:r>
-            <a:endParaRPr sz="1800">
-              <a:solidFill>
-                <a:schemeClr val="dk1"/>
-              </a:solidFill>
-              <a:latin typeface="Times New Roman"/>
-              <a:ea typeface="Times New Roman"/>
-              <a:cs typeface="Times New Roman"/>
-              <a:sym typeface="Times New Roman"/>
-            </a:endParaRPr>
-          </a:p>
-          <a:p>
-            <a:pPr indent="-342900" lvl="0" marL="457200" rtl="0" algn="just">
-              <a:spcBef>
-                <a:spcPts val="0"/>
-              </a:spcBef>
-              <a:spcAft>
-                <a:spcPts val="0"/>
-              </a:spcAft>
-              <a:buClr>
-                <a:schemeClr val="dk1"/>
-              </a:buClr>
-              <a:buSzPts val="1800"/>
-              <a:buFont typeface="Times New Roman"/>
-              <a:buChar char="●"/>
-            </a:pPr>
-            <a:r>
-              <a:rPr lang="en-US" sz="1800">
-                <a:solidFill>
-                  <a:schemeClr val="dk1"/>
-                </a:solidFill>
-                <a:latin typeface="Times New Roman"/>
-                <a:ea typeface="Times New Roman"/>
-                <a:cs typeface="Times New Roman"/>
-                <a:sym typeface="Times New Roman"/>
-              </a:rPr>
-              <a:t>Mediwise aims to harness the power of cutting-edge artificial intelligence and natural language processing to revolutionize patient interactions </a:t>
-            </a:r>
-            <a:endParaRPr sz="1800">
-              <a:solidFill>
-                <a:schemeClr val="dk1"/>
-              </a:solidFill>
-              <a:latin typeface="Times New Roman"/>
-              <a:ea typeface="Times New Roman"/>
-              <a:cs typeface="Times New Roman"/>
-              <a:sym typeface="Times New Roman"/>
-            </a:endParaRPr>
-          </a:p>
-          <a:p>
-            <a:pPr indent="-342900" lvl="0" marL="457200" rtl="0" algn="just">
-              <a:spcBef>
-                <a:spcPts val="0"/>
-              </a:spcBef>
-              <a:spcAft>
-                <a:spcPts val="0"/>
-              </a:spcAft>
-              <a:buClr>
-                <a:schemeClr val="dk1"/>
-              </a:buClr>
-              <a:buSzPts val="1800"/>
-              <a:buFont typeface="Times New Roman"/>
-              <a:buChar char="●"/>
-            </a:pPr>
-            <a:r>
-              <a:rPr lang="en-US" sz="1800">
-                <a:solidFill>
-                  <a:schemeClr val="dk1"/>
-                </a:solidFill>
-                <a:latin typeface="Times New Roman"/>
-                <a:ea typeface="Times New Roman"/>
-                <a:cs typeface="Times New Roman"/>
-                <a:sym typeface="Times New Roman"/>
-              </a:rPr>
-              <a:t>The development of an intelligent conversational agent holds immense potential </a:t>
-            </a:r>
-            <a:endParaRPr sz="1800">
-              <a:solidFill>
-                <a:schemeClr val="dk1"/>
-              </a:solidFill>
-              <a:latin typeface="Times New Roman"/>
-              <a:ea typeface="Times New Roman"/>
-              <a:cs typeface="Times New Roman"/>
-              <a:sym typeface="Times New Roman"/>
-            </a:endParaRPr>
-          </a:p>
-          <a:p>
-            <a:pPr indent="0" lvl="0" marL="457200" rtl="0" algn="just">
-              <a:spcBef>
-                <a:spcPts val="0"/>
-              </a:spcBef>
-              <a:spcAft>
-                <a:spcPts val="0"/>
-              </a:spcAft>
-              <a:buNone/>
-            </a:pPr>
-            <a:r>
-              <a:rPr lang="en-US" sz="1800">
-                <a:solidFill>
-                  <a:schemeClr val="dk1"/>
-                </a:solidFill>
-                <a:latin typeface="Times New Roman"/>
-                <a:ea typeface="Times New Roman"/>
-                <a:cs typeface="Times New Roman"/>
-                <a:sym typeface="Times New Roman"/>
-              </a:rPr>
-              <a:t>to bridge gaps, enhance patient engagement, and streamline medical processes. </a:t>
-            </a:r>
-            <a:endParaRPr sz="1800">
-              <a:solidFill>
-                <a:schemeClr val="dk1"/>
-              </a:solidFill>
-              <a:latin typeface="Times New Roman"/>
-              <a:ea typeface="Times New Roman"/>
-              <a:cs typeface="Times New Roman"/>
-              <a:sym typeface="Times New Roman"/>
-            </a:endParaRPr>
-          </a:p>
-          <a:p>
-            <a:pPr indent="-342900" lvl="0" marL="457200" rtl="0" algn="just">
-              <a:spcBef>
-                <a:spcPts val="0"/>
-              </a:spcBef>
-              <a:spcAft>
-                <a:spcPts val="0"/>
-              </a:spcAft>
-              <a:buClr>
-                <a:schemeClr val="dk1"/>
-              </a:buClr>
-              <a:buSzPts val="1800"/>
-              <a:buFont typeface="Times New Roman"/>
-              <a:buChar char="●"/>
-            </a:pPr>
-            <a:r>
-              <a:rPr lang="en-US" sz="1800">
-                <a:solidFill>
-                  <a:schemeClr val="dk1"/>
-                </a:solidFill>
-                <a:latin typeface="Times New Roman"/>
-                <a:ea typeface="Times New Roman"/>
-                <a:cs typeface="Times New Roman"/>
-                <a:sym typeface="Times New Roman"/>
-              </a:rPr>
-              <a:t>By leveraging technology’s effectiveness, this endeavor aspires to cultivate a more patient- centric, efficient, and responsive healthcare ecosystem.</a:t>
-            </a:r>
-            <a:endParaRPr sz="1800">
-              <a:solidFill>
-                <a:schemeClr val="dk1"/>
-              </a:solidFill>
-              <a:latin typeface="Times New Roman"/>
-              <a:ea typeface="Times New Roman"/>
-              <a:cs typeface="Times New Roman"/>
-              <a:sym typeface="Times New Roman"/>
-            </a:endParaRPr>
-          </a:p>
-          <a:p>
-            <a:pPr indent="0" lvl="0" marL="457200" rtl="0" algn="l">
-              <a:spcBef>
-                <a:spcPts val="640"/>
-              </a:spcBef>
-              <a:spcAft>
-                <a:spcPts val="0"/>
-              </a:spcAft>
-              <a:buNone/>
-            </a:pPr>
-            <a:r>
-              <a:t/>
-            </a:r>
-            <a:endParaRPr sz="1800">
-              <a:solidFill>
-                <a:schemeClr val="dk1"/>
-              </a:solidFill>
-              <a:latin typeface="Times New Roman"/>
-              <a:ea typeface="Times New Roman"/>
-              <a:cs typeface="Times New Roman"/>
-              <a:sym typeface="Times New Roman"/>
-            </a:endParaRPr>
-          </a:p>
-          <a:p>
-            <a:pPr indent="0" lvl="0" marL="457200" rtl="0" algn="l">
-              <a:spcBef>
-                <a:spcPts val="0"/>
-              </a:spcBef>
-              <a:spcAft>
-                <a:spcPts val="0"/>
-              </a:spcAft>
-              <a:buNone/>
-            </a:pPr>
-            <a:r>
-              <a:t/>
-            </a:r>
-            <a:endParaRPr>
-              <a:solidFill>
-                <a:schemeClr val="dk1"/>
-              </a:solidFill>
-              <a:latin typeface="Times New Roman"/>
-              <a:ea typeface="Times New Roman"/>
-              <a:cs typeface="Times New Roman"/>
-              <a:sym typeface="Times New Roman"/>
-            </a:endParaRPr>
-          </a:p>
-        </p:txBody>
-      </p:sp>
-    </p:spTree>
-  </p:cSld>
-  <p:clrMapOvr>
-    <a:masterClrMapping/>
-  </p:clrMapOvr>
-</p:sld>
-</file>
-
-<file path=ppt/slides/slide30.xml><?xml version="1.0" encoding="utf-8"?>
-<p:sld xmlns:a="http://schemas.openxmlformats.org/drawingml/2006/main" xmlns:r="http://schemas.openxmlformats.org/officeDocument/2006/relationships" xmlns:mc="http://schemas.openxmlformats.org/markup-compatibility/2006" xmlns:mv="urn:schemas-microsoft-com:mac:vml" xmlns:p="http://schemas.openxmlformats.org/presentationml/2006/main" xmlns:c="http://schemas.openxmlformats.org/drawingml/2006/chart" xmlns:dgm="http://schemas.openxmlformats.org/drawingml/2006/diagram" xmlns:o="urn:schemas-microsoft-com:office:office" xmlns:v="urn:schemas-microsoft-com:vml" xmlns:pvml="urn:schemas-microsoft-com:office:powerpoint" xmlns:com="http://schemas.openxmlformats.org/drawingml/2006/compatibility" xmlns:p14="http://schemas.microsoft.com/office/powerpoint/2010/main" xmlns:p15="http://schemas.microsoft.com/office/powerpoint/2012/main" xmlns:ahyp="http://schemas.microsoft.com/office/drawing/2018/hyperlinkcolor">
-  <p:cSld>
-    <p:spTree>
-      <p:nvGrpSpPr>
-        <p:cNvPr id="385" name="Shape 385"/>
-        <p:cNvGrpSpPr/>
-        <p:nvPr/>
-      </p:nvGrpSpPr>
-      <p:grpSpPr>
-        <a:xfrm>
-          <a:off x="0" y="0"/>
-          <a:ext cx="0" cy="0"/>
-          <a:chOff x="0" y="0"/>
-          <a:chExt cx="0" cy="0"/>
-        </a:xfrm>
-      </p:grpSpPr>
-      <p:sp>
-        <p:nvSpPr>
-          <p:cNvPr id="386" name="Google Shape;386;g27ba4e28dd2_0_227"/>
+          <p:cNvPr id="426" name="Google Shape;426;g27ba4e28dd2_0_227"/>
           <p:cNvSpPr txBox="1"/>
           <p:nvPr>
             <p:ph idx="1" type="body"/>
@@ -35606,7 +38077,7 @@
       </p:sp>
       <p:pic>
         <p:nvPicPr>
-          <p:cNvPr id="387" name="Google Shape;387;g27ba4e28dd2_0_227"/>
+          <p:cNvPr id="427" name="Google Shape;427;g27ba4e28dd2_0_227"/>
           <p:cNvPicPr preferRelativeResize="0"/>
           <p:nvPr/>
         </p:nvPicPr>
@@ -35633,7 +38104,7 @@
       </p:pic>
       <p:sp>
         <p:nvSpPr>
-          <p:cNvPr id="388" name="Google Shape;388;g27ba4e28dd2_0_227"/>
+          <p:cNvPr id="428" name="Google Shape;428;g27ba4e28dd2_0_227"/>
           <p:cNvSpPr txBox="1"/>
           <p:nvPr>
             <p:ph idx="10" type="dt"/>
@@ -35681,7 +38152,7 @@
       </p:sp>
       <p:sp>
         <p:nvSpPr>
-          <p:cNvPr id="389" name="Google Shape;389;g27ba4e28dd2_0_227"/>
+          <p:cNvPr id="429" name="Google Shape;429;g27ba4e28dd2_0_227"/>
           <p:cNvSpPr txBox="1"/>
           <p:nvPr>
             <p:ph idx="12" type="sldNum"/>
@@ -35729,7 +38200,7 @@
       </p:sp>
       <p:sp>
         <p:nvSpPr>
-          <p:cNvPr id="390" name="Google Shape;390;g27ba4e28dd2_0_227"/>
+          <p:cNvPr id="430" name="Google Shape;430;g27ba4e28dd2_0_227"/>
           <p:cNvSpPr txBox="1"/>
           <p:nvPr/>
         </p:nvSpPr>
@@ -35779,7 +38250,7 @@
       </p:sp>
       <p:sp>
         <p:nvSpPr>
-          <p:cNvPr id="391" name="Google Shape;391;g27ba4e28dd2_0_227"/>
+          <p:cNvPr id="431" name="Google Shape;431;g27ba4e28dd2_0_227"/>
           <p:cNvSpPr txBox="1"/>
           <p:nvPr/>
         </p:nvSpPr>
@@ -35821,7 +38292,7 @@
                 <a:cs typeface="Times New Roman"/>
                 <a:sym typeface="Times New Roman"/>
               </a:rPr>
-              <a:t>Paper:</a:t>
+              <a:t>Paper 9:</a:t>
             </a:r>
             <a:r>
               <a:rPr lang="en-US" sz="1800">
@@ -35836,7 +38307,7 @@
               <a:t> </a:t>
             </a:r>
             <a:r>
-              <a:rPr lang="en-US" sz="1800" u="sng">
+              <a:rPr i="1" lang="en-US" sz="1800">
                 <a:solidFill>
                   <a:schemeClr val="dk1"/>
                 </a:solidFill>
@@ -35847,7 +38318,7 @@
               </a:rPr>
               <a:t>Intelligent AI-based dialogue agent to enhance communication in organ transplant networks</a:t>
             </a:r>
-            <a:endParaRPr sz="1800" u="sng">
+            <a:endParaRPr i="1" sz="1800">
               <a:solidFill>
                 <a:schemeClr val="dk1"/>
               </a:solidFill>
@@ -36022,7 +38493,7 @@
       </p:sp>
       <p:graphicFrame>
         <p:nvGraphicFramePr>
-          <p:cNvPr id="392" name="Google Shape;392;g27ba4e28dd2_0_227"/>
+          <p:cNvPr id="432" name="Google Shape;432;g27ba4e28dd2_0_227"/>
           <p:cNvGraphicFramePr/>
           <p:nvPr/>
         </p:nvGraphicFramePr>
@@ -36035,7 +38506,7 @@
             <a:tbl>
               <a:tblPr>
                 <a:noFill/>
-                <a:tableStyleId>{E29442A0-7909-495E-A6CD-14AAAE505F85}</a:tableStyleId>
+                <a:tableStyleId>{FBB833D0-C8CD-4BB4-B632-36587DD76A75}</a:tableStyleId>
               </a:tblPr>
               <a:tblGrid>
                 <a:gridCol w="4113625"/>
@@ -36445,12 +38916,12 @@
 </p:sld>
 </file>
 
-<file path=ppt/slides/slide31.xml><?xml version="1.0" encoding="utf-8"?>
+<file path=ppt/slides/slide35.xml><?xml version="1.0" encoding="utf-8"?>
 <p:sld xmlns:a="http://schemas.openxmlformats.org/drawingml/2006/main" xmlns:r="http://schemas.openxmlformats.org/officeDocument/2006/relationships" xmlns:mc="http://schemas.openxmlformats.org/markup-compatibility/2006" xmlns:mv="urn:schemas-microsoft-com:mac:vml" xmlns:p="http://schemas.openxmlformats.org/presentationml/2006/main" xmlns:c="http://schemas.openxmlformats.org/drawingml/2006/chart" xmlns:dgm="http://schemas.openxmlformats.org/drawingml/2006/diagram" xmlns:o="urn:schemas-microsoft-com:office:office" xmlns:v="urn:schemas-microsoft-com:vml" xmlns:pvml="urn:schemas-microsoft-com:office:powerpoint" xmlns:com="http://schemas.openxmlformats.org/drawingml/2006/compatibility" xmlns:p14="http://schemas.microsoft.com/office/powerpoint/2010/main" xmlns:p15="http://schemas.microsoft.com/office/powerpoint/2012/main" xmlns:ahyp="http://schemas.microsoft.com/office/drawing/2018/hyperlinkcolor">
   <p:cSld>
     <p:spTree>
       <p:nvGrpSpPr>
-        <p:cNvPr id="396" name="Shape 396"/>
+        <p:cNvPr id="436" name="Shape 436"/>
         <p:cNvGrpSpPr/>
         <p:nvPr/>
       </p:nvGrpSpPr>
@@ -36464,7 +38935,7 @@
       </p:grpSpPr>
       <p:sp>
         <p:nvSpPr>
-          <p:cNvPr id="397" name="Google Shape;397;g27ba4e28dd2_0_245"/>
+          <p:cNvPr id="437" name="Google Shape;437;g27ba4e28dd2_0_245"/>
           <p:cNvSpPr txBox="1"/>
           <p:nvPr>
             <p:ph idx="1" type="body"/>
@@ -36547,7 +39018,7 @@
       </p:sp>
       <p:pic>
         <p:nvPicPr>
-          <p:cNvPr id="398" name="Google Shape;398;g27ba4e28dd2_0_245"/>
+          <p:cNvPr id="438" name="Google Shape;438;g27ba4e28dd2_0_245"/>
           <p:cNvPicPr preferRelativeResize="0"/>
           <p:nvPr/>
         </p:nvPicPr>
@@ -36574,7 +39045,7 @@
       </p:pic>
       <p:sp>
         <p:nvSpPr>
-          <p:cNvPr id="399" name="Google Shape;399;g27ba4e28dd2_0_245"/>
+          <p:cNvPr id="439" name="Google Shape;439;g27ba4e28dd2_0_245"/>
           <p:cNvSpPr txBox="1"/>
           <p:nvPr>
             <p:ph idx="10" type="dt"/>
@@ -36622,7 +39093,7 @@
       </p:sp>
       <p:sp>
         <p:nvSpPr>
-          <p:cNvPr id="400" name="Google Shape;400;g27ba4e28dd2_0_245"/>
+          <p:cNvPr id="440" name="Google Shape;440;g27ba4e28dd2_0_245"/>
           <p:cNvSpPr txBox="1"/>
           <p:nvPr>
             <p:ph idx="12" type="sldNum"/>
@@ -36670,7 +39141,7 @@
       </p:sp>
       <p:sp>
         <p:nvSpPr>
-          <p:cNvPr id="401" name="Google Shape;401;g27ba4e28dd2_0_245"/>
+          <p:cNvPr id="441" name="Google Shape;441;g27ba4e28dd2_0_245"/>
           <p:cNvSpPr txBox="1"/>
           <p:nvPr/>
         </p:nvSpPr>
@@ -36720,14 +39191,14 @@
       </p:sp>
       <p:sp>
         <p:nvSpPr>
-          <p:cNvPr id="402" name="Google Shape;402;g27ba4e28dd2_0_245"/>
+          <p:cNvPr id="442" name="Google Shape;442;g27ba4e28dd2_0_245"/>
           <p:cNvSpPr txBox="1"/>
           <p:nvPr/>
         </p:nvSpPr>
         <p:spPr>
           <a:xfrm>
             <a:off x="727900" y="2431775"/>
-            <a:ext cx="8229600" cy="3232500"/>
+            <a:ext cx="8229600" cy="3263100"/>
           </a:xfrm>
           <a:prstGeom prst="rect">
             <a:avLst/>
@@ -36753,7 +39224,7 @@
               <a:buNone/>
             </a:pPr>
             <a:r>
-              <a:rPr b="1" lang="en-US" sz="1800">
+              <a:rPr b="1" lang="en-US" sz="2000">
                 <a:solidFill>
                   <a:schemeClr val="dk1"/>
                 </a:solidFill>
@@ -36762,22 +39233,10 @@
                 <a:cs typeface="Times New Roman"/>
                 <a:sym typeface="Times New Roman"/>
               </a:rPr>
-              <a:t>Paper:</a:t>
-            </a:r>
-            <a:r>
-              <a:rPr lang="en-US" sz="1800">
-                <a:solidFill>
-                  <a:schemeClr val="dk1"/>
-                </a:solidFill>
-                <a:latin typeface="Times New Roman"/>
-                <a:ea typeface="Times New Roman"/>
-                <a:cs typeface="Times New Roman"/>
-                <a:sym typeface="Times New Roman"/>
-              </a:rPr>
-              <a:t> </a:t>
-            </a:r>
-            <a:r>
-              <a:rPr lang="en-US" sz="1800" u="sng">
+              <a:t>Paper 10: </a:t>
+            </a:r>
+            <a:r>
+              <a:rPr b="1" i="1" lang="en-US" sz="2000">
                 <a:solidFill>
                   <a:schemeClr val="dk1"/>
                 </a:solidFill>
@@ -36788,7 +39247,7 @@
               </a:rPr>
               <a:t>Healthcare Chatbot using Artificial Intelligence</a:t>
             </a:r>
-            <a:endParaRPr sz="1800" u="sng">
+            <a:endParaRPr b="1" i="1" sz="2000">
               <a:solidFill>
                 <a:schemeClr val="dk1"/>
               </a:solidFill>
@@ -37113,12 +39572,12 @@
 </p:sld>
 </file>
 
-<file path=ppt/slides/slide32.xml><?xml version="1.0" encoding="utf-8"?>
+<file path=ppt/slides/slide36.xml><?xml version="1.0" encoding="utf-8"?>
 <p:sld xmlns:a="http://schemas.openxmlformats.org/drawingml/2006/main" xmlns:r="http://schemas.openxmlformats.org/officeDocument/2006/relationships" xmlns:mc="http://schemas.openxmlformats.org/markup-compatibility/2006" xmlns:mv="urn:schemas-microsoft-com:mac:vml" xmlns:p="http://schemas.openxmlformats.org/presentationml/2006/main" xmlns:c="http://schemas.openxmlformats.org/drawingml/2006/chart" xmlns:dgm="http://schemas.openxmlformats.org/drawingml/2006/diagram" xmlns:o="urn:schemas-microsoft-com:office:office" xmlns:v="urn:schemas-microsoft-com:vml" xmlns:pvml="urn:schemas-microsoft-com:office:powerpoint" xmlns:com="http://schemas.openxmlformats.org/drawingml/2006/compatibility" xmlns:p14="http://schemas.microsoft.com/office/powerpoint/2010/main" xmlns:p15="http://schemas.microsoft.com/office/powerpoint/2012/main" xmlns:ahyp="http://schemas.microsoft.com/office/drawing/2018/hyperlinkcolor">
   <p:cSld>
     <p:spTree>
       <p:nvGrpSpPr>
-        <p:cNvPr id="406" name="Shape 406"/>
+        <p:cNvPr id="446" name="Shape 446"/>
         <p:cNvGrpSpPr/>
         <p:nvPr/>
       </p:nvGrpSpPr>
@@ -37132,7 +39591,7 @@
       </p:grpSpPr>
       <p:sp>
         <p:nvSpPr>
-          <p:cNvPr id="407" name="Google Shape;407;g27ba4e28dd2_0_254"/>
+          <p:cNvPr id="447" name="Google Shape;447;g27ba4e28dd2_0_254"/>
           <p:cNvSpPr txBox="1"/>
           <p:nvPr>
             <p:ph idx="1" type="body"/>
@@ -37209,7 +39668,7 @@
       </p:sp>
       <p:pic>
         <p:nvPicPr>
-          <p:cNvPr id="408" name="Google Shape;408;g27ba4e28dd2_0_254"/>
+          <p:cNvPr id="448" name="Google Shape;448;g27ba4e28dd2_0_254"/>
           <p:cNvPicPr preferRelativeResize="0"/>
           <p:nvPr/>
         </p:nvPicPr>
@@ -37236,7 +39695,7 @@
       </p:pic>
       <p:sp>
         <p:nvSpPr>
-          <p:cNvPr id="409" name="Google Shape;409;g27ba4e28dd2_0_254"/>
+          <p:cNvPr id="449" name="Google Shape;449;g27ba4e28dd2_0_254"/>
           <p:cNvSpPr txBox="1"/>
           <p:nvPr>
             <p:ph idx="10" type="dt"/>
@@ -37284,7 +39743,7 @@
       </p:sp>
       <p:sp>
         <p:nvSpPr>
-          <p:cNvPr id="410" name="Google Shape;410;g27ba4e28dd2_0_254"/>
+          <p:cNvPr id="450" name="Google Shape;450;g27ba4e28dd2_0_254"/>
           <p:cNvSpPr txBox="1"/>
           <p:nvPr>
             <p:ph idx="12" type="sldNum"/>
@@ -37332,7 +39791,7 @@
       </p:sp>
       <p:sp>
         <p:nvSpPr>
-          <p:cNvPr id="411" name="Google Shape;411;g27ba4e28dd2_0_254"/>
+          <p:cNvPr id="451" name="Google Shape;451;g27ba4e28dd2_0_254"/>
           <p:cNvSpPr txBox="1"/>
           <p:nvPr/>
         </p:nvSpPr>
@@ -37382,7 +39841,7 @@
       </p:sp>
       <p:sp>
         <p:nvSpPr>
-          <p:cNvPr id="412" name="Google Shape;412;g27ba4e28dd2_0_254"/>
+          <p:cNvPr id="452" name="Google Shape;452;g27ba4e28dd2_0_254"/>
           <p:cNvSpPr txBox="1"/>
           <p:nvPr/>
         </p:nvSpPr>
@@ -37424,7 +39883,7 @@
                 <a:cs typeface="Times New Roman"/>
                 <a:sym typeface="Times New Roman"/>
               </a:rPr>
-              <a:t>Paper:</a:t>
+              <a:t>Paper 10:</a:t>
             </a:r>
             <a:r>
               <a:rPr lang="en-US" sz="1800">
@@ -37439,7 +39898,7 @@
               <a:t> </a:t>
             </a:r>
             <a:r>
-              <a:rPr lang="en-US" sz="1800" u="sng">
+              <a:rPr i="1" lang="en-US" sz="1800">
                 <a:solidFill>
                   <a:schemeClr val="dk1"/>
                 </a:solidFill>
@@ -37450,7 +39909,7 @@
               </a:rPr>
               <a:t>Healthcare Chatbot using Artificial Intelligence</a:t>
             </a:r>
-            <a:endParaRPr sz="1800" u="sng">
+            <a:endParaRPr i="1" sz="1800">
               <a:solidFill>
                 <a:schemeClr val="dk1"/>
               </a:solidFill>
@@ -37579,7 +40038,7 @@
       </p:sp>
       <p:graphicFrame>
         <p:nvGraphicFramePr>
-          <p:cNvPr id="413" name="Google Shape;413;g27ba4e28dd2_0_254"/>
+          <p:cNvPr id="453" name="Google Shape;453;g27ba4e28dd2_0_254"/>
           <p:cNvGraphicFramePr/>
           <p:nvPr/>
         </p:nvGraphicFramePr>
@@ -37592,7 +40051,7 @@
             <a:tbl>
               <a:tblPr>
                 <a:noFill/>
-                <a:tableStyleId>{E29442A0-7909-495E-A6CD-14AAAE505F85}</a:tableStyleId>
+                <a:tableStyleId>{FBB833D0-C8CD-4BB4-B632-36587DD76A75}</a:tableStyleId>
               </a:tblPr>
               <a:tblGrid>
                 <a:gridCol w="4113625"/>
@@ -38126,12 +40585,12 @@
 </p:sld>
 </file>
 
-<file path=ppt/slides/slide33.xml><?xml version="1.0" encoding="utf-8"?>
+<file path=ppt/slides/slide37.xml><?xml version="1.0" encoding="utf-8"?>
 <p:sld xmlns:a="http://schemas.openxmlformats.org/drawingml/2006/main" xmlns:r="http://schemas.openxmlformats.org/officeDocument/2006/relationships" xmlns:mc="http://schemas.openxmlformats.org/markup-compatibility/2006" xmlns:mv="urn:schemas-microsoft-com:mac:vml" xmlns:p="http://schemas.openxmlformats.org/presentationml/2006/main" xmlns:c="http://schemas.openxmlformats.org/drawingml/2006/chart" xmlns:dgm="http://schemas.openxmlformats.org/drawingml/2006/diagram" xmlns:o="urn:schemas-microsoft-com:office:office" xmlns:v="urn:schemas-microsoft-com:vml" xmlns:pvml="urn:schemas-microsoft-com:office:powerpoint" xmlns:com="http://schemas.openxmlformats.org/drawingml/2006/compatibility" xmlns:p14="http://schemas.microsoft.com/office/powerpoint/2010/main" xmlns:p15="http://schemas.microsoft.com/office/powerpoint/2012/main" xmlns:ahyp="http://schemas.microsoft.com/office/drawing/2018/hyperlinkcolor">
   <p:cSld>
     <p:spTree>
       <p:nvGrpSpPr>
-        <p:cNvPr id="417" name="Shape 417"/>
+        <p:cNvPr id="457" name="Shape 457"/>
         <p:cNvGrpSpPr/>
         <p:nvPr/>
       </p:nvGrpSpPr>
@@ -38145,7 +40604,7 @@
       </p:grpSpPr>
       <p:sp>
         <p:nvSpPr>
-          <p:cNvPr id="418" name="Google Shape;418;g27ba4e28dd2_0_272"/>
+          <p:cNvPr id="458" name="Google Shape;458;g27ba4e28dd2_0_272"/>
           <p:cNvSpPr txBox="1"/>
           <p:nvPr>
             <p:ph type="title"/>
@@ -38197,7 +40656,7 @@
       </p:sp>
       <p:sp>
         <p:nvSpPr>
-          <p:cNvPr id="419" name="Google Shape;419;g27ba4e28dd2_0_272"/>
+          <p:cNvPr id="459" name="Google Shape;459;g27ba4e28dd2_0_272"/>
           <p:cNvSpPr txBox="1"/>
           <p:nvPr>
             <p:ph idx="1" type="body"/>
@@ -38285,7 +40744,7 @@
       </p:sp>
       <p:pic>
         <p:nvPicPr>
-          <p:cNvPr id="420" name="Google Shape;420;g27ba4e28dd2_0_272"/>
+          <p:cNvPr id="460" name="Google Shape;460;g27ba4e28dd2_0_272"/>
           <p:cNvPicPr preferRelativeResize="0"/>
           <p:nvPr/>
         </p:nvPicPr>
@@ -38312,7 +40771,7 @@
       </p:pic>
       <p:sp>
         <p:nvSpPr>
-          <p:cNvPr id="421" name="Google Shape;421;g27ba4e28dd2_0_272"/>
+          <p:cNvPr id="461" name="Google Shape;461;g27ba4e28dd2_0_272"/>
           <p:cNvSpPr txBox="1"/>
           <p:nvPr>
             <p:ph idx="10" type="dt"/>
@@ -38360,7 +40819,7 @@
       </p:sp>
       <p:sp>
         <p:nvSpPr>
-          <p:cNvPr id="422" name="Google Shape;422;g27ba4e28dd2_0_272"/>
+          <p:cNvPr id="462" name="Google Shape;462;g27ba4e28dd2_0_272"/>
           <p:cNvSpPr txBox="1"/>
           <p:nvPr>
             <p:ph idx="12" type="sldNum"/>
@@ -38408,7 +40867,7 @@
       </p:sp>
       <p:sp>
         <p:nvSpPr>
-          <p:cNvPr id="423" name="Google Shape;423;g27ba4e28dd2_0_272"/>
+          <p:cNvPr id="463" name="Google Shape;463;g27ba4e28dd2_0_272"/>
           <p:cNvSpPr txBox="1"/>
           <p:nvPr/>
         </p:nvSpPr>
@@ -38564,12 +41023,12 @@
 </p:sld>
 </file>
 
-<file path=ppt/slides/slide34.xml><?xml version="1.0" encoding="utf-8"?>
+<file path=ppt/slides/slide38.xml><?xml version="1.0" encoding="utf-8"?>
 <p:sld xmlns:a="http://schemas.openxmlformats.org/drawingml/2006/main" xmlns:r="http://schemas.openxmlformats.org/officeDocument/2006/relationships" xmlns:mc="http://schemas.openxmlformats.org/markup-compatibility/2006" xmlns:mv="urn:schemas-microsoft-com:mac:vml" xmlns:p="http://schemas.openxmlformats.org/presentationml/2006/main" xmlns:c="http://schemas.openxmlformats.org/drawingml/2006/chart" xmlns:dgm="http://schemas.openxmlformats.org/drawingml/2006/diagram" xmlns:o="urn:schemas-microsoft-com:office:office" xmlns:v="urn:schemas-microsoft-com:vml" xmlns:pvml="urn:schemas-microsoft-com:office:powerpoint" xmlns:com="http://schemas.openxmlformats.org/drawingml/2006/compatibility" xmlns:p14="http://schemas.microsoft.com/office/powerpoint/2010/main" xmlns:p15="http://schemas.microsoft.com/office/powerpoint/2012/main" xmlns:ahyp="http://schemas.microsoft.com/office/drawing/2018/hyperlinkcolor">
   <p:cSld>
     <p:spTree>
       <p:nvGrpSpPr>
-        <p:cNvPr id="427" name="Shape 427"/>
+        <p:cNvPr id="467" name="Shape 467"/>
         <p:cNvGrpSpPr/>
         <p:nvPr/>
       </p:nvGrpSpPr>
@@ -38583,7 +41042,7 @@
       </p:grpSpPr>
       <p:sp>
         <p:nvSpPr>
-          <p:cNvPr id="428" name="Google Shape;428;p23"/>
+          <p:cNvPr id="468" name="Google Shape;468;p23"/>
           <p:cNvSpPr txBox="1"/>
           <p:nvPr>
             <p:ph idx="1" type="body"/>
@@ -38704,7 +41163,7 @@
       </p:sp>
       <p:pic>
         <p:nvPicPr>
-          <p:cNvPr id="429" name="Google Shape;429;p23"/>
+          <p:cNvPr id="469" name="Google Shape;469;p23"/>
           <p:cNvPicPr preferRelativeResize="0"/>
           <p:nvPr/>
         </p:nvPicPr>
@@ -38731,7 +41190,7 @@
       </p:pic>
       <p:sp>
         <p:nvSpPr>
-          <p:cNvPr id="430" name="Google Shape;430;p23"/>
+          <p:cNvPr id="470" name="Google Shape;470;p23"/>
           <p:cNvSpPr txBox="1"/>
           <p:nvPr>
             <p:ph idx="10" type="dt"/>
@@ -38779,7 +41238,7 @@
       </p:sp>
       <p:sp>
         <p:nvSpPr>
-          <p:cNvPr id="431" name="Google Shape;431;p23"/>
+          <p:cNvPr id="471" name="Google Shape;471;p23"/>
           <p:cNvSpPr txBox="1"/>
           <p:nvPr>
             <p:ph idx="12" type="sldNum"/>
@@ -42239,6 +44698,285 @@
 </file>
 
 <file path=ppt/theme/theme1.xml><?xml version="1.0" encoding="utf-8"?>
+<a:theme xmlns:a="http://schemas.openxmlformats.org/drawingml/2006/main" xmlns:r="http://schemas.openxmlformats.org/officeDocument/2006/relationships" name="Office Theme">
+  <a:themeElements>
+    <a:clrScheme name="Office">
+      <a:dk1>
+        <a:srgbClr val="000000"/>
+      </a:dk1>
+      <a:lt1>
+        <a:srgbClr val="FFFFFF"/>
+      </a:lt1>
+      <a:dk2>
+        <a:srgbClr val="1F497D"/>
+      </a:dk2>
+      <a:lt2>
+        <a:srgbClr val="EEECE1"/>
+      </a:lt2>
+      <a:accent1>
+        <a:srgbClr val="4F81BD"/>
+      </a:accent1>
+      <a:accent2>
+        <a:srgbClr val="C0504D"/>
+      </a:accent2>
+      <a:accent3>
+        <a:srgbClr val="9BBB59"/>
+      </a:accent3>
+      <a:accent4>
+        <a:srgbClr val="8064A2"/>
+      </a:accent4>
+      <a:accent5>
+        <a:srgbClr val="4BACC6"/>
+      </a:accent5>
+      <a:accent6>
+        <a:srgbClr val="F79646"/>
+      </a:accent6>
+      <a:hlink>
+        <a:srgbClr val="0000FF"/>
+      </a:hlink>
+      <a:folHlink>
+        <a:srgbClr val="800080"/>
+      </a:folHlink>
+    </a:clrScheme>
+    <a:fontScheme name="Office">
+      <a:majorFont>
+        <a:latin typeface="Arial"/>
+        <a:ea typeface=""/>
+        <a:cs typeface=""/>
+        <a:font script="Jpan" typeface="ＭＳ Ｐゴシック"/>
+        <a:font script="Hang" typeface="맑은 고딕"/>
+        <a:font script="Hans" typeface="宋体"/>
+        <a:font script="Hant" typeface="新細明體"/>
+        <a:font script="Arab" typeface="Times New Roman"/>
+        <a:font script="Hebr" typeface="Times New Roman"/>
+        <a:font script="Thai" typeface="Angsana New"/>
+        <a:font script="Ethi" typeface="Nyala"/>
+        <a:font script="Beng" typeface="Vrinda"/>
+        <a:font script="Gujr" typeface="Shruti"/>
+        <a:font script="Khmr" typeface="MoolBoran"/>
+        <a:font script="Knda" typeface="Tunga"/>
+        <a:font script="Guru" typeface="Raavi"/>
+        <a:font script="Cans" typeface="Euphemia"/>
+        <a:font script="Cher" typeface="Plantagenet Cherokee"/>
+        <a:font script="Yiii" typeface="Microsoft Yi Baiti"/>
+        <a:font script="Tibt" typeface="Microsoft Himalaya"/>
+        <a:font script="Thaa" typeface="MV Boli"/>
+        <a:font script="Deva" typeface="Mangal"/>
+        <a:font script="Telu" typeface="Gautami"/>
+        <a:font script="Taml" typeface="Latha"/>
+        <a:font script="Syrc" typeface="Estrangelo Edessa"/>
+        <a:font script="Orya" typeface="Kalinga"/>
+        <a:font script="Mlym" typeface="Kartika"/>
+        <a:font script="Laoo" typeface="DokChampa"/>
+        <a:font script="Sinh" typeface="Iskoola Pota"/>
+        <a:font script="Mong" typeface="Mongolian Baiti"/>
+        <a:font script="Viet" typeface="Times New Roman"/>
+        <a:font script="Uigh" typeface="Microsoft Uighur"/>
+        <a:font script="Geor" typeface="Sylfaen"/>
+      </a:majorFont>
+      <a:minorFont>
+        <a:latin typeface="Arial"/>
+        <a:ea typeface=""/>
+        <a:cs typeface=""/>
+        <a:font script="Jpan" typeface="ＭＳ Ｐゴシック"/>
+        <a:font script="Hang" typeface="맑은 고딕"/>
+        <a:font script="Hans" typeface="宋体"/>
+        <a:font script="Hant" typeface="新細明體"/>
+        <a:font script="Arab" typeface="Arial"/>
+        <a:font script="Hebr" typeface="Arial"/>
+        <a:font script="Thai" typeface="Cordia New"/>
+        <a:font script="Ethi" typeface="Nyala"/>
+        <a:font script="Beng" typeface="Vrinda"/>
+        <a:font script="Gujr" typeface="Shruti"/>
+        <a:font script="Khmr" typeface="DaunPenh"/>
+        <a:font script="Knda" typeface="Tunga"/>
+        <a:font script="Guru" typeface="Raavi"/>
+        <a:font script="Cans" typeface="Euphemia"/>
+        <a:font script="Cher" typeface="Plantagenet Cherokee"/>
+        <a:font script="Yiii" typeface="Microsoft Yi Baiti"/>
+        <a:font script="Tibt" typeface="Microsoft Himalaya"/>
+        <a:font script="Thaa" typeface="MV Boli"/>
+        <a:font script="Deva" typeface="Mangal"/>
+        <a:font script="Telu" typeface="Gautami"/>
+        <a:font script="Taml" typeface="Latha"/>
+        <a:font script="Syrc" typeface="Estrangelo Edessa"/>
+        <a:font script="Orya" typeface="Kalinga"/>
+        <a:font script="Mlym" typeface="Kartika"/>
+        <a:font script="Laoo" typeface="DokChampa"/>
+        <a:font script="Sinh" typeface="Iskoola Pota"/>
+        <a:font script="Mong" typeface="Mongolian Baiti"/>
+        <a:font script="Viet" typeface="Arial"/>
+        <a:font script="Uigh" typeface="Microsoft Uighur"/>
+        <a:font script="Geor" typeface="Sylfaen"/>
+      </a:minorFont>
+    </a:fontScheme>
+    <a:fmtScheme name="Office">
+      <a:fillStyleLst>
+        <a:solidFill>
+          <a:schemeClr val="phClr"/>
+        </a:solidFill>
+        <a:gradFill rotWithShape="1">
+          <a:gsLst>
+            <a:gs pos="0">
+              <a:schemeClr val="phClr">
+                <a:tint val="50000"/>
+                <a:satMod val="300000"/>
+              </a:schemeClr>
+            </a:gs>
+            <a:gs pos="35000">
+              <a:schemeClr val="phClr">
+                <a:tint val="37000"/>
+                <a:satMod val="300000"/>
+              </a:schemeClr>
+            </a:gs>
+            <a:gs pos="100000">
+              <a:schemeClr val="phClr">
+                <a:tint val="15000"/>
+                <a:satMod val="350000"/>
+              </a:schemeClr>
+            </a:gs>
+          </a:gsLst>
+          <a:lin ang="16200000" scaled="1"/>
+        </a:gradFill>
+        <a:gradFill rotWithShape="1">
+          <a:gsLst>
+            <a:gs pos="0">
+              <a:schemeClr val="phClr">
+                <a:tint val="100000"/>
+                <a:shade val="100000"/>
+                <a:satMod val="130000"/>
+              </a:schemeClr>
+            </a:gs>
+            <a:gs pos="100000">
+              <a:schemeClr val="phClr">
+                <a:tint val="50000"/>
+                <a:shade val="100000"/>
+                <a:satMod val="350000"/>
+              </a:schemeClr>
+            </a:gs>
+          </a:gsLst>
+          <a:lin ang="16200000" scaled="0"/>
+        </a:gradFill>
+      </a:fillStyleLst>
+      <a:lnStyleLst>
+        <a:ln w="9525" cap="flat" cmpd="sng" algn="ctr">
+          <a:solidFill>
+            <a:schemeClr val="phClr">
+              <a:shade val="95000"/>
+              <a:satMod val="105000"/>
+            </a:schemeClr>
+          </a:solidFill>
+          <a:prstDash val="solid"/>
+        </a:ln>
+        <a:ln w="25400" cap="flat" cmpd="sng" algn="ctr">
+          <a:solidFill>
+            <a:schemeClr val="phClr"/>
+          </a:solidFill>
+          <a:prstDash val="solid"/>
+        </a:ln>
+        <a:ln w="38100" cap="flat" cmpd="sng" algn="ctr">
+          <a:solidFill>
+            <a:schemeClr val="phClr"/>
+          </a:solidFill>
+          <a:prstDash val="solid"/>
+        </a:ln>
+      </a:lnStyleLst>
+      <a:effectStyleLst>
+        <a:effectStyle>
+          <a:effectLst>
+            <a:outerShdw blurRad="40000" dist="20000" dir="5400000" rotWithShape="0">
+              <a:srgbClr val="000000">
+                <a:alpha val="38000"/>
+              </a:srgbClr>
+            </a:outerShdw>
+          </a:effectLst>
+        </a:effectStyle>
+        <a:effectStyle>
+          <a:effectLst>
+            <a:outerShdw blurRad="40000" dist="23000" dir="5400000" rotWithShape="0">
+              <a:srgbClr val="000000">
+                <a:alpha val="35000"/>
+              </a:srgbClr>
+            </a:outerShdw>
+          </a:effectLst>
+        </a:effectStyle>
+        <a:effectStyle>
+          <a:effectLst>
+            <a:outerShdw blurRad="40000" dist="23000" dir="5400000" rotWithShape="0">
+              <a:srgbClr val="000000">
+                <a:alpha val="35000"/>
+              </a:srgbClr>
+            </a:outerShdw>
+          </a:effectLst>
+          <a:scene3d>
+            <a:camera prst="orthographicFront">
+              <a:rot lat="0" lon="0" rev="0"/>
+            </a:camera>
+            <a:lightRig rig="threePt" dir="t">
+              <a:rot lat="0" lon="0" rev="1200000"/>
+            </a:lightRig>
+          </a:scene3d>
+          <a:sp3d>
+            <a:bevelT w="63500" h="25400"/>
+          </a:sp3d>
+        </a:effectStyle>
+      </a:effectStyleLst>
+      <a:bgFillStyleLst>
+        <a:solidFill>
+          <a:schemeClr val="phClr"/>
+        </a:solidFill>
+        <a:gradFill rotWithShape="1">
+          <a:gsLst>
+            <a:gs pos="0">
+              <a:schemeClr val="phClr">
+                <a:tint val="40000"/>
+                <a:satMod val="350000"/>
+              </a:schemeClr>
+            </a:gs>
+            <a:gs pos="40000">
+              <a:schemeClr val="phClr">
+                <a:tint val="45000"/>
+                <a:shade val="99000"/>
+                <a:satMod val="350000"/>
+              </a:schemeClr>
+            </a:gs>
+            <a:gs pos="100000">
+              <a:schemeClr val="phClr">
+                <a:shade val="20000"/>
+                <a:satMod val="255000"/>
+              </a:schemeClr>
+            </a:gs>
+          </a:gsLst>
+          <a:path path="circle">
+            <a:fillToRect l="50000" t="-80000" r="50000" b="180000"/>
+          </a:path>
+        </a:gradFill>
+        <a:gradFill rotWithShape="1">
+          <a:gsLst>
+            <a:gs pos="0">
+              <a:schemeClr val="phClr">
+                <a:tint val="80000"/>
+                <a:satMod val="300000"/>
+              </a:schemeClr>
+            </a:gs>
+            <a:gs pos="100000">
+              <a:schemeClr val="phClr">
+                <a:shade val="30000"/>
+                <a:satMod val="200000"/>
+              </a:schemeClr>
+            </a:gs>
+          </a:gsLst>
+          <a:path path="circle">
+            <a:fillToRect l="50000" t="50000" r="50000" b="50000"/>
+          </a:path>
+        </a:gradFill>
+      </a:bgFillStyleLst>
+    </a:fmtScheme>
+  </a:themeElements>
+</a:theme>
+</file>
+
+<file path=ppt/theme/theme2.xml><?xml version="1.0" encoding="utf-8"?>
 <a:theme xmlns:a="http://schemas.openxmlformats.org/drawingml/2006/main" xmlns:r="http://schemas.openxmlformats.org/officeDocument/2006/relationships" name="Office Theme">
   <a:themeElements>
     <a:clrScheme name="Office">
@@ -42515,283 +45253,4 @@
     </a:fmtScheme>
   </a:themeElements>
 </a:theme>
-</file>
-
-<file path=ppt/theme/theme2.xml><?xml version="1.0" encoding="utf-8"?>
-<a:theme xmlns:a="http://schemas.openxmlformats.org/drawingml/2006/main" xmlns:r="http://schemas.openxmlformats.org/officeDocument/2006/relationships" name="Office Theme">
-  <a:themeElements>
-    <a:clrScheme name="Office">
-      <a:dk1>
-        <a:srgbClr val="000000"/>
-      </a:dk1>
-      <a:lt1>
-        <a:srgbClr val="FFFFFF"/>
-      </a:lt1>
-      <a:dk2>
-        <a:srgbClr val="1F497D"/>
-      </a:dk2>
-      <a:lt2>
-        <a:srgbClr val="EEECE1"/>
-      </a:lt2>
-      <a:accent1>
-        <a:srgbClr val="4F81BD"/>
-      </a:accent1>
-      <a:accent2>
-        <a:srgbClr val="C0504D"/>
-      </a:accent2>
-      <a:accent3>
-        <a:srgbClr val="9BBB59"/>
-      </a:accent3>
-      <a:accent4>
-        <a:srgbClr val="8064A2"/>
-      </a:accent4>
-      <a:accent5>
-        <a:srgbClr val="4BACC6"/>
-      </a:accent5>
-      <a:accent6>
-        <a:srgbClr val="F79646"/>
-      </a:accent6>
-      <a:hlink>
-        <a:srgbClr val="0000FF"/>
-      </a:hlink>
-      <a:folHlink>
-        <a:srgbClr val="800080"/>
-      </a:folHlink>
-    </a:clrScheme>
-    <a:fontScheme name="Office">
-      <a:majorFont>
-        <a:latin typeface="Arial"/>
-        <a:ea typeface=""/>
-        <a:cs typeface=""/>
-        <a:font script="Jpan" typeface="ＭＳ Ｐゴシック"/>
-        <a:font script="Hang" typeface="맑은 고딕"/>
-        <a:font script="Hans" typeface="宋体"/>
-        <a:font script="Hant" typeface="新細明體"/>
-        <a:font script="Arab" typeface="Times New Roman"/>
-        <a:font script="Hebr" typeface="Times New Roman"/>
-        <a:font script="Thai" typeface="Angsana New"/>
-        <a:font script="Ethi" typeface="Nyala"/>
-        <a:font script="Beng" typeface="Vrinda"/>
-        <a:font script="Gujr" typeface="Shruti"/>
-        <a:font script="Khmr" typeface="MoolBoran"/>
-        <a:font script="Knda" typeface="Tunga"/>
-        <a:font script="Guru" typeface="Raavi"/>
-        <a:font script="Cans" typeface="Euphemia"/>
-        <a:font script="Cher" typeface="Plantagenet Cherokee"/>
-        <a:font script="Yiii" typeface="Microsoft Yi Baiti"/>
-        <a:font script="Tibt" typeface="Microsoft Himalaya"/>
-        <a:font script="Thaa" typeface="MV Boli"/>
-        <a:font script="Deva" typeface="Mangal"/>
-        <a:font script="Telu" typeface="Gautami"/>
-        <a:font script="Taml" typeface="Latha"/>
-        <a:font script="Syrc" typeface="Estrangelo Edessa"/>
-        <a:font script="Orya" typeface="Kalinga"/>
-        <a:font script="Mlym" typeface="Kartika"/>
-        <a:font script="Laoo" typeface="DokChampa"/>
-        <a:font script="Sinh" typeface="Iskoola Pota"/>
-        <a:font script="Mong" typeface="Mongolian Baiti"/>
-        <a:font script="Viet" typeface="Times New Roman"/>
-        <a:font script="Uigh" typeface="Microsoft Uighur"/>
-        <a:font script="Geor" typeface="Sylfaen"/>
-      </a:majorFont>
-      <a:minorFont>
-        <a:latin typeface="Arial"/>
-        <a:ea typeface=""/>
-        <a:cs typeface=""/>
-        <a:font script="Jpan" typeface="ＭＳ Ｐゴシック"/>
-        <a:font script="Hang" typeface="맑은 고딕"/>
-        <a:font script="Hans" typeface="宋体"/>
-        <a:font script="Hant" typeface="新細明體"/>
-        <a:font script="Arab" typeface="Arial"/>
-        <a:font script="Hebr" typeface="Arial"/>
-        <a:font script="Thai" typeface="Cordia New"/>
-        <a:font script="Ethi" typeface="Nyala"/>
-        <a:font script="Beng" typeface="Vrinda"/>
-        <a:font script="Gujr" typeface="Shruti"/>
-        <a:font script="Khmr" typeface="DaunPenh"/>
-        <a:font script="Knda" typeface="Tunga"/>
-        <a:font script="Guru" typeface="Raavi"/>
-        <a:font script="Cans" typeface="Euphemia"/>
-        <a:font script="Cher" typeface="Plantagenet Cherokee"/>
-        <a:font script="Yiii" typeface="Microsoft Yi Baiti"/>
-        <a:font script="Tibt" typeface="Microsoft Himalaya"/>
-        <a:font script="Thaa" typeface="MV Boli"/>
-        <a:font script="Deva" typeface="Mangal"/>
-        <a:font script="Telu" typeface="Gautami"/>
-        <a:font script="Taml" typeface="Latha"/>
-        <a:font script="Syrc" typeface="Estrangelo Edessa"/>
-        <a:font script="Orya" typeface="Kalinga"/>
-        <a:font script="Mlym" typeface="Kartika"/>
-        <a:font script="Laoo" typeface="DokChampa"/>
-        <a:font script="Sinh" typeface="Iskoola Pota"/>
-        <a:font script="Mong" typeface="Mongolian Baiti"/>
-        <a:font script="Viet" typeface="Arial"/>
-        <a:font script="Uigh" typeface="Microsoft Uighur"/>
-        <a:font script="Geor" typeface="Sylfaen"/>
-      </a:minorFont>
-    </a:fontScheme>
-    <a:fmtScheme name="Office">
-      <a:fillStyleLst>
-        <a:solidFill>
-          <a:schemeClr val="phClr"/>
-        </a:solidFill>
-        <a:gradFill rotWithShape="1">
-          <a:gsLst>
-            <a:gs pos="0">
-              <a:schemeClr val="phClr">
-                <a:tint val="50000"/>
-                <a:satMod val="300000"/>
-              </a:schemeClr>
-            </a:gs>
-            <a:gs pos="35000">
-              <a:schemeClr val="phClr">
-                <a:tint val="37000"/>
-                <a:satMod val="300000"/>
-              </a:schemeClr>
-            </a:gs>
-            <a:gs pos="100000">
-              <a:schemeClr val="phClr">
-                <a:tint val="15000"/>
-                <a:satMod val="350000"/>
-              </a:schemeClr>
-            </a:gs>
-          </a:gsLst>
-          <a:lin ang="16200000" scaled="1"/>
-        </a:gradFill>
-        <a:gradFill rotWithShape="1">
-          <a:gsLst>
-            <a:gs pos="0">
-              <a:schemeClr val="phClr">
-                <a:tint val="100000"/>
-                <a:shade val="100000"/>
-                <a:satMod val="130000"/>
-              </a:schemeClr>
-            </a:gs>
-            <a:gs pos="100000">
-              <a:schemeClr val="phClr">
-                <a:tint val="50000"/>
-                <a:shade val="100000"/>
-                <a:satMod val="350000"/>
-              </a:schemeClr>
-            </a:gs>
-          </a:gsLst>
-          <a:lin ang="16200000" scaled="0"/>
-        </a:gradFill>
-      </a:fillStyleLst>
-      <a:lnStyleLst>
-        <a:ln w="9525" cap="flat" cmpd="sng" algn="ctr">
-          <a:solidFill>
-            <a:schemeClr val="phClr">
-              <a:shade val="95000"/>
-              <a:satMod val="105000"/>
-            </a:schemeClr>
-          </a:solidFill>
-          <a:prstDash val="solid"/>
-        </a:ln>
-        <a:ln w="25400" cap="flat" cmpd="sng" algn="ctr">
-          <a:solidFill>
-            <a:schemeClr val="phClr"/>
-          </a:solidFill>
-          <a:prstDash val="solid"/>
-        </a:ln>
-        <a:ln w="38100" cap="flat" cmpd="sng" algn="ctr">
-          <a:solidFill>
-            <a:schemeClr val="phClr"/>
-          </a:solidFill>
-          <a:prstDash val="solid"/>
-        </a:ln>
-      </a:lnStyleLst>
-      <a:effectStyleLst>
-        <a:effectStyle>
-          <a:effectLst>
-            <a:outerShdw blurRad="40000" dist="20000" dir="5400000" rotWithShape="0">
-              <a:srgbClr val="000000">
-                <a:alpha val="38000"/>
-              </a:srgbClr>
-            </a:outerShdw>
-          </a:effectLst>
-        </a:effectStyle>
-        <a:effectStyle>
-          <a:effectLst>
-            <a:outerShdw blurRad="40000" dist="23000" dir="5400000" rotWithShape="0">
-              <a:srgbClr val="000000">
-                <a:alpha val="35000"/>
-              </a:srgbClr>
-            </a:outerShdw>
-          </a:effectLst>
-        </a:effectStyle>
-        <a:effectStyle>
-          <a:effectLst>
-            <a:outerShdw blurRad="40000" dist="23000" dir="5400000" rotWithShape="0">
-              <a:srgbClr val="000000">
-                <a:alpha val="35000"/>
-              </a:srgbClr>
-            </a:outerShdw>
-          </a:effectLst>
-          <a:scene3d>
-            <a:camera prst="orthographicFront">
-              <a:rot lat="0" lon="0" rev="0"/>
-            </a:camera>
-            <a:lightRig rig="threePt" dir="t">
-              <a:rot lat="0" lon="0" rev="1200000"/>
-            </a:lightRig>
-          </a:scene3d>
-          <a:sp3d>
-            <a:bevelT w="63500" h="25400"/>
-          </a:sp3d>
-        </a:effectStyle>
-      </a:effectStyleLst>
-      <a:bgFillStyleLst>
-        <a:solidFill>
-          <a:schemeClr val="phClr"/>
-        </a:solidFill>
-        <a:gradFill rotWithShape="1">
-          <a:gsLst>
-            <a:gs pos="0">
-              <a:schemeClr val="phClr">
-                <a:tint val="40000"/>
-                <a:satMod val="350000"/>
-              </a:schemeClr>
-            </a:gs>
-            <a:gs pos="40000">
-              <a:schemeClr val="phClr">
-                <a:tint val="45000"/>
-                <a:shade val="99000"/>
-                <a:satMod val="350000"/>
-              </a:schemeClr>
-            </a:gs>
-            <a:gs pos="100000">
-              <a:schemeClr val="phClr">
-                <a:shade val="20000"/>
-                <a:satMod val="255000"/>
-              </a:schemeClr>
-            </a:gs>
-          </a:gsLst>
-          <a:path path="circle">
-            <a:fillToRect l="50000" t="-80000" r="50000" b="180000"/>
-          </a:path>
-        </a:gradFill>
-        <a:gradFill rotWithShape="1">
-          <a:gsLst>
-            <a:gs pos="0">
-              <a:schemeClr val="phClr">
-                <a:tint val="80000"/>
-                <a:satMod val="300000"/>
-              </a:schemeClr>
-            </a:gs>
-            <a:gs pos="100000">
-              <a:schemeClr val="phClr">
-                <a:shade val="30000"/>
-                <a:satMod val="200000"/>
-              </a:schemeClr>
-            </a:gs>
-          </a:gsLst>
-          <a:path path="circle">
-            <a:fillToRect l="50000" t="50000" r="50000" b="50000"/>
-          </a:path>
-        </a:gradFill>
-      </a:bgFillStyleLst>
-    </a:fmtScheme>
-  </a:themeElements>
-</a:theme>
 </file>
--- a/ppt and references/Main - PPT Template Ctech.pptx
+++ b/ppt and references/Main - PPT Template Ctech.pptx
@@ -311,7 +311,7 @@
       </p15:sldGuideLst>
     </p:ext>
     <p:ext uri="GoogleSlidesCustomDataVersion2">
-      <go:slidesCustomData xmlns="" xmlns:mc="http://schemas.openxmlformats.org/markup-compatibility/2006" xmlns:mv="urn:schemas-microsoft-com:mac:vml" xmlns:c="http://schemas.openxmlformats.org/drawingml/2006/chart" xmlns:dgm="http://schemas.openxmlformats.org/drawingml/2006/diagram" xmlns:o="urn:schemas-microsoft-com:office:office" xmlns:v="urn:schemas-microsoft-com:vml" xmlns:pvml="urn:schemas-microsoft-com:office:powerpoint" xmlns:com="http://schemas.openxmlformats.org/drawingml/2006/compatibility" xmlns:p14="http://schemas.microsoft.com/office/powerpoint/2010/main" xmlns:p15="http://schemas.microsoft.com/office/powerpoint/2012/main" xmlns:ahyp="http://schemas.microsoft.com/office/drawing/2018/hyperlinkcolor" xmlns:go="http://customooxmlschemas.google.com/" r:id="rId50" roundtripDataSignature="AMtx7mi7obY/PlCgr+gvvfKQS+9LuEpaCA=="/>
+      <go:slidesCustomData xmlns:go="http://customooxmlschemas.google.com/" xmlns:ahyp="http://schemas.microsoft.com/office/drawing/2018/hyperlinkcolor" xmlns:p15="http://schemas.microsoft.com/office/powerpoint/2012/main" xmlns:p14="http://schemas.microsoft.com/office/powerpoint/2010/main" xmlns:com="http://schemas.openxmlformats.org/drawingml/2006/compatibility" xmlns:pvml="urn:schemas-microsoft-com:office:powerpoint" xmlns:v="urn:schemas-microsoft-com:vml" xmlns:o="urn:schemas-microsoft-com:office:office" xmlns:dgm="http://schemas.openxmlformats.org/drawingml/2006/diagram" xmlns:c="http://schemas.openxmlformats.org/drawingml/2006/chart" xmlns:mv="urn:schemas-microsoft-com:mac:vml" xmlns:mc="http://schemas.openxmlformats.org/markup-compatibility/2006" xmlns="" r:id="rId50" roundtripDataSignature="AMtx7mi7obY/PlCgr+gvvfKQS+9LuEpaCA=="/>
     </p:ext>
   </p:extLst>
 </p:presentation>
@@ -20696,7 +20696,7 @@
         <p:spPr>
           <a:xfrm>
             <a:off x="457200" y="2306638"/>
-            <a:ext cx="8686800" cy="3709500"/>
+            <a:ext cx="8686800" cy="3750227"/>
           </a:xfrm>
           <a:prstGeom prst="rect">
             <a:avLst/>
@@ -20722,7 +20722,7 @@
               <a:buNone/>
             </a:pPr>
             <a:r>
-              <a:rPr lang="en-US" sz="1800">
+              <a:rPr lang="en-US" sz="1800" dirty="0">
                 <a:solidFill>
                   <a:srgbClr val="343541"/>
                 </a:solidFill>
@@ -20733,7 +20733,7 @@
               </a:rPr>
               <a:t>The project utilizes the following algorithms:</a:t>
             </a:r>
-            <a:endParaRPr sz="1800">
+            <a:endParaRPr sz="1800" dirty="0">
               <a:solidFill>
                 <a:srgbClr val="343541"/>
               </a:solidFill>
@@ -20753,7 +20753,7 @@
               </a:spcAft>
               <a:buNone/>
             </a:pPr>
-            <a:endParaRPr sz="1800">
+            <a:endParaRPr sz="1800" dirty="0">
               <a:solidFill>
                 <a:srgbClr val="343541"/>
               </a:solidFill>
@@ -20764,7 +20764,7 @@
             </a:endParaRPr>
           </a:p>
           <a:p>
-            <a:pPr marL="457200" lvl="0" indent="-355600" algn="just" rtl="0">
+            <a:pPr marL="101600" lvl="0" algn="just" rtl="0">
               <a:spcBef>
                 <a:spcPts val="0"/>
               </a:spcBef>
@@ -20775,11 +20775,9 @@
                 <a:srgbClr val="343541"/>
               </a:buClr>
               <a:buSzPts val="2000"/>
-              <a:buFont typeface="Times New Roman"/>
-              <a:buAutoNum type="arabicPeriod"/>
             </a:pPr>
             <a:r>
-              <a:rPr lang="en-US" sz="2000" b="1">
+              <a:rPr lang="en-US" sz="2000" b="1" dirty="0">
                 <a:solidFill>
                   <a:schemeClr val="dk1"/>
                 </a:solidFill>
@@ -20788,9 +20786,9 @@
                 <a:cs typeface="Times New Roman"/>
                 <a:sym typeface="Times New Roman"/>
               </a:rPr>
-              <a:t>Vectorization</a:t>
+              <a:t>1. 	Vectorization</a:t>
             </a:r>
-            <a:endParaRPr sz="2000" b="1">
+            <a:endParaRPr sz="2000" b="1" dirty="0">
               <a:solidFill>
                 <a:srgbClr val="343541"/>
               </a:solidFill>
@@ -20810,7 +20808,7 @@
               </a:spcAft>
               <a:buNone/>
             </a:pPr>
-            <a:endParaRPr sz="1800">
+            <a:endParaRPr sz="1800" dirty="0">
               <a:solidFill>
                 <a:srgbClr val="343541"/>
               </a:solidFill>
@@ -20831,7 +20829,7 @@
               <a:buNone/>
             </a:pPr>
             <a:r>
-              <a:rPr lang="en-US" sz="1800">
+              <a:rPr lang="en-US" sz="1800" dirty="0">
                 <a:solidFill>
                   <a:schemeClr val="dk1"/>
                 </a:solidFill>
@@ -20842,7 +20840,7 @@
               </a:rPr>
               <a:t>Vectorization is jargon for a classic approach of converting input data from its raw format (i.e. text ) into vectors of real numbers which is the format that ML models support. This approach has been there ever since computers were first built, it has worked wonderfully across various domains, and it’s now used in NLP. In Machine Learning, vectorization is a step in feature extraction. The idea is to get some distinct features out of the text for the model to train on, by converting text to numerical vectors.</a:t>
             </a:r>
-            <a:endParaRPr sz="1800">
+            <a:endParaRPr sz="1800" dirty="0">
               <a:solidFill>
                 <a:schemeClr val="dk1"/>
               </a:solidFill>
@@ -20862,7 +20860,7 @@
               </a:spcAft>
               <a:buNone/>
             </a:pPr>
-            <a:endParaRPr sz="1100">
+            <a:endParaRPr sz="1100" dirty="0">
               <a:solidFill>
                 <a:schemeClr val="dk1"/>
               </a:solidFill>
@@ -20883,7 +20881,7 @@
               <a:buNone/>
             </a:pPr>
             <a:r>
-              <a:rPr lang="en-US" sz="1800" u="sng">
+              <a:rPr lang="en-US" sz="1800" u="sng" dirty="0">
                 <a:solidFill>
                   <a:srgbClr val="0000FF"/>
                 </a:solidFill>
@@ -20894,7 +20892,7 @@
               </a:rPr>
               <a:t>https://neptune.ai/blog/vectorization-techniques-in-nlp-guide</a:t>
             </a:r>
-            <a:endParaRPr sz="1800" u="sng">
+            <a:endParaRPr sz="1800" u="sng" dirty="0">
               <a:solidFill>
                 <a:srgbClr val="0000FF"/>
               </a:solidFill>
@@ -20917,7 +20915,7 @@
               </a:spcAft>
               <a:buNone/>
             </a:pPr>
-            <a:endParaRPr sz="1800">
+            <a:endParaRPr sz="1800" dirty="0">
               <a:solidFill>
                 <a:srgbClr val="D1D5DB"/>
               </a:solidFill>
@@ -21224,7 +21222,7 @@
               <a:buNone/>
             </a:pPr>
             <a:r>
-              <a:rPr lang="en-US" sz="1800">
+              <a:rPr lang="en-US" sz="1800" dirty="0">
                 <a:solidFill>
                   <a:srgbClr val="343541"/>
                 </a:solidFill>
@@ -21235,7 +21233,7 @@
               </a:rPr>
               <a:t>The project utilizes the following algorithms:</a:t>
             </a:r>
-            <a:endParaRPr sz="1800">
+            <a:endParaRPr sz="1800" dirty="0">
               <a:solidFill>
                 <a:srgbClr val="343541"/>
               </a:solidFill>
@@ -21255,7 +21253,7 @@
               </a:spcAft>
               <a:buNone/>
             </a:pPr>
-            <a:endParaRPr sz="1800">
+            <a:endParaRPr sz="1800" dirty="0">
               <a:solidFill>
                 <a:srgbClr val="343541"/>
               </a:solidFill>
@@ -21276,7 +21274,7 @@
               <a:buNone/>
             </a:pPr>
             <a:r>
-              <a:rPr lang="en-US" sz="2000" b="1">
+              <a:rPr lang="en-US" sz="2000" b="1" dirty="0">
                 <a:solidFill>
                   <a:schemeClr val="dk1"/>
                 </a:solidFill>
@@ -21287,7 +21285,7 @@
               </a:rPr>
               <a:t>2.	Cosine Similarity</a:t>
             </a:r>
-            <a:endParaRPr sz="2000" b="1">
+            <a:endParaRPr sz="2000" b="1" dirty="0">
               <a:solidFill>
                 <a:srgbClr val="343541"/>
               </a:solidFill>
@@ -21307,7 +21305,7 @@
               </a:spcAft>
               <a:buNone/>
             </a:pPr>
-            <a:endParaRPr sz="1800">
+            <a:endParaRPr sz="1800" dirty="0">
               <a:solidFill>
                 <a:srgbClr val="343541"/>
               </a:solidFill>
@@ -21328,7 +21326,7 @@
               <a:buNone/>
             </a:pPr>
             <a:r>
-              <a:rPr lang="en-US" sz="1800">
+              <a:rPr lang="en-US" sz="1800" dirty="0">
                 <a:solidFill>
                   <a:schemeClr val="dk1"/>
                 </a:solidFill>
@@ -21339,7 +21337,7 @@
               </a:rPr>
               <a:t>After vectorizing the user's symptoms and a dataset of known symptoms (presumably from a medical database), the code calculates the cosine similarity between these vectors. Cosine similarity is often used to measure the similarity between two vectors in a high-dimensional space, such as text documents.</a:t>
             </a:r>
-            <a:endParaRPr sz="1800">
+            <a:endParaRPr sz="1800" dirty="0">
               <a:solidFill>
                 <a:schemeClr val="dk1"/>
               </a:solidFill>
@@ -21359,7 +21357,7 @@
               </a:spcAft>
               <a:buNone/>
             </a:pPr>
-            <a:endParaRPr sz="1800">
+            <a:endParaRPr sz="1800" dirty="0">
               <a:solidFill>
                 <a:schemeClr val="dk1"/>
               </a:solidFill>
@@ -21380,7 +21378,7 @@
               <a:buNone/>
             </a:pPr>
             <a:r>
-              <a:rPr lang="en-US" sz="1800" u="sng">
+              <a:rPr lang="en-US" sz="1800" u="sng" dirty="0">
                 <a:solidFill>
                   <a:schemeClr val="hlink"/>
                 </a:solidFill>
@@ -21392,7 +21390,7 @@
               </a:rPr>
               <a:t>https://www.sciencedirect.com/topics/computer-science/cosine-similarity</a:t>
             </a:r>
-            <a:endParaRPr sz="1800" u="sng">
+            <a:endParaRPr sz="1800" u="sng" dirty="0">
               <a:solidFill>
                 <a:srgbClr val="0000FF"/>
               </a:solidFill>
@@ -21415,7 +21413,7 @@
               </a:spcAft>
               <a:buNone/>
             </a:pPr>
-            <a:endParaRPr sz="1800">
+            <a:endParaRPr sz="1800" dirty="0">
               <a:solidFill>
                 <a:srgbClr val="D1D5DB"/>
               </a:solidFill>
